--- a/PresentationSlide_DB.pptx
+++ b/PresentationSlide_DB.pptx
@@ -5,16 +5,11 @@
     <p:sldMasterId id="2147483660" r:id="rId1"/>
   </p:sldMasterIdLst>
   <p:notesMasterIdLst>
-    <p:notesMasterId r:id="rId9"/>
+    <p:notesMasterId r:id="rId4"/>
   </p:notesMasterIdLst>
   <p:sldIdLst>
-    <p:sldId id="256" r:id="rId2"/>
-    <p:sldId id="257" r:id="rId3"/>
-    <p:sldId id="258" r:id="rId4"/>
-    <p:sldId id="259" r:id="rId5"/>
-    <p:sldId id="260" r:id="rId6"/>
-    <p:sldId id="262" r:id="rId7"/>
-    <p:sldId id="261" r:id="rId8"/>
+    <p:sldId id="262" r:id="rId2"/>
+    <p:sldId id="263" r:id="rId3"/>
   </p:sldIdLst>
   <p:sldSz cx="12192000" cy="6858000"/>
   <p:notesSz cx="6858000" cy="9144000"/>
@@ -203,7 +198,7 @@
           <a:p>
             <a:fld id="{5E97D40C-E5D4-47C9-9FCF-5A095E1DA535}" type="datetimeFigureOut">
               <a:rPr lang="en-US" smtClean="0"/>
-              <a:t>5/14/2019</a:t>
+              <a:t>5/15/2019</a:t>
             </a:fld>
             <a:endParaRPr lang="en-US"/>
           </a:p>
@@ -524,10 +519,287 @@
                 <a:ea typeface="+mn-ea"/>
                 <a:cs typeface="+mn-cs"/>
               </a:rPr>
-              <a:t>Random Forest method is used to classify into classes and predict the mean (regression) of the individual tree.</a:t>
-            </a:r>
-          </a:p>
-          <a:p>
+              <a:t>Random Forest method is used to classify into classes and predict the mean (regression) of the each individual tree.</a:t>
+            </a:r>
+          </a:p>
+          <a:p>
+            <a:r>
+              <a:rPr lang="en-US" sz="1200" kern="1200" dirty="0">
+                <a:solidFill>
+                  <a:schemeClr val="tx1"/>
+                </a:solidFill>
+                <a:effectLst/>
+                <a:latin typeface="+mn-lt"/>
+                <a:ea typeface="+mn-ea"/>
+                <a:cs typeface="+mn-cs"/>
+              </a:rPr>
+              <a:t>We started with Base/Default model. The following steps were taken to create a final model.</a:t>
+            </a:r>
+          </a:p>
+          <a:p>
+            <a:pPr lvl="0"/>
+            <a:r>
+              <a:rPr lang="en-US" sz="1200" kern="1200" dirty="0">
+                <a:solidFill>
+                  <a:schemeClr val="tx1"/>
+                </a:solidFill>
+                <a:effectLst/>
+                <a:latin typeface="+mn-lt"/>
+                <a:ea typeface="+mn-ea"/>
+                <a:cs typeface="+mn-cs"/>
+              </a:rPr>
+              <a:t>The first step was to divide data into 'attributes' and 'label' sets. </a:t>
+            </a:r>
+          </a:p>
+          <a:p>
+            <a:pPr lvl="0"/>
+            <a:r>
+              <a:rPr lang="en-US" sz="1200" kern="1200" dirty="0">
+                <a:solidFill>
+                  <a:schemeClr val="tx1"/>
+                </a:solidFill>
+                <a:effectLst/>
+                <a:latin typeface="+mn-lt"/>
+                <a:ea typeface="+mn-ea"/>
+                <a:cs typeface="+mn-cs"/>
+              </a:rPr>
+              <a:t>The output data is then divided into training and test sets.</a:t>
+            </a:r>
+          </a:p>
+          <a:p>
+            <a:r>
+              <a:rPr lang="en-US" sz="1200" kern="1200" dirty="0">
+                <a:solidFill>
+                  <a:schemeClr val="tx1"/>
+                </a:solidFill>
+                <a:effectLst/>
+                <a:latin typeface="+mn-lt"/>
+                <a:ea typeface="+mn-ea"/>
+                <a:cs typeface="+mn-cs"/>
+              </a:rPr>
+              <a:t> Step 2: Tuning and train algorithm to solve regression problems via random forest</a:t>
+            </a:r>
+          </a:p>
+          <a:p>
+            <a:pPr lvl="0"/>
+            <a:r>
+              <a:rPr lang="en-US" sz="1200" kern="1200" dirty="0">
+                <a:solidFill>
+                  <a:schemeClr val="tx1"/>
+                </a:solidFill>
+                <a:effectLst/>
+                <a:latin typeface="+mn-lt"/>
+                <a:ea typeface="+mn-ea"/>
+                <a:cs typeface="+mn-cs"/>
+              </a:rPr>
+              <a:t>Tuned the model using the </a:t>
+            </a:r>
+            <a:r>
+              <a:rPr lang="en-US" sz="1200" kern="1200" dirty="0" err="1">
+                <a:solidFill>
+                  <a:schemeClr val="tx1"/>
+                </a:solidFill>
+                <a:effectLst/>
+                <a:latin typeface="+mn-lt"/>
+                <a:ea typeface="+mn-ea"/>
+                <a:cs typeface="+mn-cs"/>
+              </a:rPr>
+              <a:t>RandomForestRegressor</a:t>
+            </a:r>
+            <a:r>
+              <a:rPr lang="en-US" sz="1200" kern="1200" dirty="0">
+                <a:solidFill>
+                  <a:schemeClr val="tx1"/>
+                </a:solidFill>
+                <a:effectLst/>
+                <a:latin typeface="+mn-lt"/>
+                <a:ea typeface="+mn-ea"/>
+                <a:cs typeface="+mn-cs"/>
+              </a:rPr>
+              <a:t> class by adjusted </a:t>
+            </a:r>
+            <a:r>
+              <a:rPr lang="en-US" sz="1200" kern="1200" dirty="0" err="1">
+                <a:solidFill>
+                  <a:schemeClr val="tx1"/>
+                </a:solidFill>
+                <a:effectLst/>
+                <a:latin typeface="+mn-lt"/>
+                <a:ea typeface="+mn-ea"/>
+                <a:cs typeface="+mn-cs"/>
+              </a:rPr>
+              <a:t>n_estimators</a:t>
+            </a:r>
+            <a:r>
+              <a:rPr lang="en-US" sz="1200" kern="1200" dirty="0">
+                <a:solidFill>
+                  <a:schemeClr val="tx1"/>
+                </a:solidFill>
+                <a:effectLst/>
+                <a:latin typeface="+mn-lt"/>
+                <a:ea typeface="+mn-ea"/>
+                <a:cs typeface="+mn-cs"/>
+              </a:rPr>
+              <a:t> parameter.</a:t>
+            </a:r>
+          </a:p>
+          <a:p>
+            <a:pPr lvl="0"/>
+            <a:r>
+              <a:rPr lang="en-US" sz="1200" kern="1200" dirty="0">
+                <a:solidFill>
+                  <a:schemeClr val="tx1"/>
+                </a:solidFill>
+                <a:effectLst/>
+                <a:latin typeface="+mn-lt"/>
+                <a:ea typeface="+mn-ea"/>
+                <a:cs typeface="+mn-cs"/>
+              </a:rPr>
+              <a:t>This </a:t>
+            </a:r>
+            <a:r>
+              <a:rPr lang="en-US" sz="1200" kern="1200" dirty="0" err="1">
+                <a:solidFill>
+                  <a:schemeClr val="tx1"/>
+                </a:solidFill>
+                <a:effectLst/>
+                <a:latin typeface="+mn-lt"/>
+                <a:ea typeface="+mn-ea"/>
+                <a:cs typeface="+mn-cs"/>
+              </a:rPr>
+              <a:t>max_depth</a:t>
+            </a:r>
+            <a:r>
+              <a:rPr lang="en-US" sz="1200" kern="1200" dirty="0">
+                <a:solidFill>
+                  <a:schemeClr val="tx1"/>
+                </a:solidFill>
+                <a:effectLst/>
+                <a:latin typeface="+mn-lt"/>
+                <a:ea typeface="+mn-ea"/>
+                <a:cs typeface="+mn-cs"/>
+              </a:rPr>
+              <a:t> parameter defines the number of trees in the random forest. </a:t>
+            </a:r>
+          </a:p>
+          <a:p>
+            <a:r>
+              <a:rPr lang="en-US" sz="1200" kern="1200" dirty="0">
+                <a:solidFill>
+                  <a:schemeClr val="tx1"/>
+                </a:solidFill>
+                <a:effectLst/>
+                <a:latin typeface="+mn-lt"/>
+                <a:ea typeface="+mn-ea"/>
+                <a:cs typeface="+mn-cs"/>
+              </a:rPr>
+              <a:t>We started with base model and continue to fine tune the </a:t>
+            </a:r>
+            <a:r>
+              <a:rPr lang="en-US" sz="1200" kern="1200" dirty="0" err="1">
+                <a:solidFill>
+                  <a:schemeClr val="tx1"/>
+                </a:solidFill>
+                <a:effectLst/>
+                <a:latin typeface="+mn-lt"/>
+                <a:ea typeface="+mn-ea"/>
+                <a:cs typeface="+mn-cs"/>
+              </a:rPr>
+              <a:t>n_estimator</a:t>
+            </a:r>
+            <a:r>
+              <a:rPr lang="en-US" sz="1200" kern="1200" dirty="0">
+                <a:solidFill>
+                  <a:schemeClr val="tx1"/>
+                </a:solidFill>
+                <a:effectLst/>
+                <a:latin typeface="+mn-lt"/>
+                <a:ea typeface="+mn-ea"/>
+                <a:cs typeface="+mn-cs"/>
+              </a:rPr>
+              <a:t> by 20 and ended up with final tune of </a:t>
+            </a:r>
+            <a:r>
+              <a:rPr lang="en-US" sz="1200" kern="1200" dirty="0" err="1">
+                <a:solidFill>
+                  <a:schemeClr val="tx1"/>
+                </a:solidFill>
+                <a:effectLst/>
+                <a:latin typeface="+mn-lt"/>
+                <a:ea typeface="+mn-ea"/>
+                <a:cs typeface="+mn-cs"/>
+              </a:rPr>
+              <a:t>n_estimator</a:t>
+            </a:r>
+            <a:r>
+              <a:rPr lang="en-US" sz="1200" kern="1200" dirty="0">
+                <a:solidFill>
+                  <a:schemeClr val="tx1"/>
+                </a:solidFill>
+                <a:effectLst/>
+                <a:latin typeface="+mn-lt"/>
+                <a:ea typeface="+mn-ea"/>
+                <a:cs typeface="+mn-cs"/>
+              </a:rPr>
+              <a:t>=50 as there we no significant change when we increase n-estimator or </a:t>
+            </a:r>
+            <a:r>
+              <a:rPr lang="en-US" sz="1200" kern="1200" dirty="0" err="1">
+                <a:solidFill>
+                  <a:schemeClr val="tx1"/>
+                </a:solidFill>
+                <a:effectLst/>
+                <a:latin typeface="+mn-lt"/>
+                <a:ea typeface="+mn-ea"/>
+                <a:cs typeface="+mn-cs"/>
+              </a:rPr>
+              <a:t>max_depth</a:t>
+            </a:r>
+            <a:r>
+              <a:rPr lang="en-US" sz="1200" kern="1200" dirty="0">
+                <a:solidFill>
+                  <a:schemeClr val="tx1"/>
+                </a:solidFill>
+                <a:effectLst/>
+                <a:latin typeface="+mn-lt"/>
+                <a:ea typeface="+mn-ea"/>
+                <a:cs typeface="+mn-cs"/>
+              </a:rPr>
+              <a:t>.</a:t>
+            </a:r>
+          </a:p>
+          <a:p>
+            <a:r>
+              <a:rPr lang="en-US" sz="1200" kern="1200" dirty="0">
+                <a:solidFill>
+                  <a:schemeClr val="tx1"/>
+                </a:solidFill>
+                <a:effectLst/>
+                <a:latin typeface="+mn-lt"/>
+                <a:ea typeface="+mn-ea"/>
+                <a:cs typeface="+mn-cs"/>
+              </a:rPr>
+              <a:t>Advantages: </a:t>
+            </a:r>
+          </a:p>
+          <a:p>
+            <a:pPr marL="0" marR="0" lvl="0" indent="0" algn="l" defTabSz="914400" rtl="0" eaLnBrk="1" fontAlgn="auto" latinLnBrk="0" hangingPunct="1">
+              <a:lnSpc>
+                <a:spcPct val="100000"/>
+              </a:lnSpc>
+              <a:spcBef>
+                <a:spcPts val="0"/>
+              </a:spcBef>
+              <a:spcAft>
+                <a:spcPts val="0"/>
+              </a:spcAft>
+              <a:buClrTx/>
+              <a:buSzTx/>
+              <a:buFontTx/>
+              <a:buNone/>
+              <a:tabLst/>
+              <a:defRPr/>
+            </a:pPr>
             <a:r>
               <a:rPr lang="en-US" sz="1200" kern="1200" dirty="0">
                 <a:solidFill>
@@ -542,202 +814,6 @@
             </a:r>
           </a:p>
           <a:p>
-            <a:r>
-              <a:rPr lang="en-US" sz="1200" kern="1200" dirty="0">
-                <a:solidFill>
-                  <a:schemeClr val="tx1"/>
-                </a:solidFill>
-                <a:effectLst/>
-                <a:latin typeface="+mn-lt"/>
-                <a:ea typeface="+mn-ea"/>
-                <a:cs typeface="+mn-cs"/>
-              </a:rPr>
-              <a:t>We started with Base/Default model. The following steps were taken to create a final model.</a:t>
-            </a:r>
-          </a:p>
-          <a:p>
-            <a:pPr lvl="0"/>
-            <a:r>
-              <a:rPr lang="en-US" sz="1200" kern="1200" dirty="0">
-                <a:solidFill>
-                  <a:schemeClr val="tx1"/>
-                </a:solidFill>
-                <a:effectLst/>
-                <a:latin typeface="+mn-lt"/>
-                <a:ea typeface="+mn-ea"/>
-                <a:cs typeface="+mn-cs"/>
-              </a:rPr>
-              <a:t>The first step was to divide data into 'attributes' and 'label' sets. </a:t>
-            </a:r>
-          </a:p>
-          <a:p>
-            <a:pPr lvl="0"/>
-            <a:r>
-              <a:rPr lang="en-US" sz="1200" kern="1200" dirty="0">
-                <a:solidFill>
-                  <a:schemeClr val="tx1"/>
-                </a:solidFill>
-                <a:effectLst/>
-                <a:latin typeface="+mn-lt"/>
-                <a:ea typeface="+mn-ea"/>
-                <a:cs typeface="+mn-cs"/>
-              </a:rPr>
-              <a:t>The output data is then divided into training and test sets.</a:t>
-            </a:r>
-          </a:p>
-          <a:p>
-            <a:r>
-              <a:rPr lang="en-US" sz="1200" kern="1200" dirty="0">
-                <a:solidFill>
-                  <a:schemeClr val="tx1"/>
-                </a:solidFill>
-                <a:effectLst/>
-                <a:latin typeface="+mn-lt"/>
-                <a:ea typeface="+mn-ea"/>
-                <a:cs typeface="+mn-cs"/>
-              </a:rPr>
-              <a:t> Step 2: Tuning and train algorithm to solve regression problems via random forest</a:t>
-            </a:r>
-          </a:p>
-          <a:p>
-            <a:pPr lvl="0"/>
-            <a:r>
-              <a:rPr lang="en-US" sz="1200" kern="1200" dirty="0">
-                <a:solidFill>
-                  <a:schemeClr val="tx1"/>
-                </a:solidFill>
-                <a:effectLst/>
-                <a:latin typeface="+mn-lt"/>
-                <a:ea typeface="+mn-ea"/>
-                <a:cs typeface="+mn-cs"/>
-              </a:rPr>
-              <a:t>Tuned the model using the </a:t>
-            </a:r>
-            <a:r>
-              <a:rPr lang="en-US" sz="1200" kern="1200" dirty="0" err="1">
-                <a:solidFill>
-                  <a:schemeClr val="tx1"/>
-                </a:solidFill>
-                <a:effectLst/>
-                <a:latin typeface="+mn-lt"/>
-                <a:ea typeface="+mn-ea"/>
-                <a:cs typeface="+mn-cs"/>
-              </a:rPr>
-              <a:t>RandomForestRegressor</a:t>
-            </a:r>
-            <a:r>
-              <a:rPr lang="en-US" sz="1200" kern="1200" dirty="0">
-                <a:solidFill>
-                  <a:schemeClr val="tx1"/>
-                </a:solidFill>
-                <a:effectLst/>
-                <a:latin typeface="+mn-lt"/>
-                <a:ea typeface="+mn-ea"/>
-                <a:cs typeface="+mn-cs"/>
-              </a:rPr>
-              <a:t> class by adjusted </a:t>
-            </a:r>
-            <a:r>
-              <a:rPr lang="en-US" sz="1200" kern="1200" dirty="0" err="1">
-                <a:solidFill>
-                  <a:schemeClr val="tx1"/>
-                </a:solidFill>
-                <a:effectLst/>
-                <a:latin typeface="+mn-lt"/>
-                <a:ea typeface="+mn-ea"/>
-                <a:cs typeface="+mn-cs"/>
-              </a:rPr>
-              <a:t>n_estimators</a:t>
-            </a:r>
-            <a:r>
-              <a:rPr lang="en-US" sz="1200" kern="1200" dirty="0">
-                <a:solidFill>
-                  <a:schemeClr val="tx1"/>
-                </a:solidFill>
-                <a:effectLst/>
-                <a:latin typeface="+mn-lt"/>
-                <a:ea typeface="+mn-ea"/>
-                <a:cs typeface="+mn-cs"/>
-              </a:rPr>
-              <a:t> parameter.</a:t>
-            </a:r>
-          </a:p>
-          <a:p>
-            <a:pPr lvl="0"/>
-            <a:r>
-              <a:rPr lang="en-US" sz="1200" kern="1200" dirty="0">
-                <a:solidFill>
-                  <a:schemeClr val="tx1"/>
-                </a:solidFill>
-                <a:effectLst/>
-                <a:latin typeface="+mn-lt"/>
-                <a:ea typeface="+mn-ea"/>
-                <a:cs typeface="+mn-cs"/>
-              </a:rPr>
-              <a:t>This parameter defines the number of trees in the random forest. </a:t>
-            </a:r>
-          </a:p>
-          <a:p>
-            <a:r>
-              <a:rPr lang="en-US" sz="1200" kern="1200" dirty="0">
-                <a:solidFill>
-                  <a:schemeClr val="tx1"/>
-                </a:solidFill>
-                <a:effectLst/>
-                <a:latin typeface="+mn-lt"/>
-                <a:ea typeface="+mn-ea"/>
-                <a:cs typeface="+mn-cs"/>
-              </a:rPr>
-              <a:t>We started with </a:t>
-            </a:r>
-            <a:r>
-              <a:rPr lang="en-US" sz="1200" kern="1200" dirty="0" err="1">
-                <a:solidFill>
-                  <a:schemeClr val="tx1"/>
-                </a:solidFill>
-                <a:effectLst/>
-                <a:latin typeface="+mn-lt"/>
-                <a:ea typeface="+mn-ea"/>
-                <a:cs typeface="+mn-cs"/>
-              </a:rPr>
-              <a:t>n_estimator</a:t>
-            </a:r>
-            <a:r>
-              <a:rPr lang="en-US" sz="1200" kern="1200" dirty="0">
-                <a:solidFill>
-                  <a:schemeClr val="tx1"/>
-                </a:solidFill>
-                <a:effectLst/>
-                <a:latin typeface="+mn-lt"/>
-                <a:ea typeface="+mn-ea"/>
-                <a:cs typeface="+mn-cs"/>
-              </a:rPr>
-              <a:t>=20 and end up to </a:t>
-            </a:r>
-            <a:r>
-              <a:rPr lang="en-US" sz="1200" kern="1200" dirty="0" err="1">
-                <a:solidFill>
-                  <a:schemeClr val="tx1"/>
-                </a:solidFill>
-                <a:effectLst/>
-                <a:latin typeface="+mn-lt"/>
-                <a:ea typeface="+mn-ea"/>
-                <a:cs typeface="+mn-cs"/>
-              </a:rPr>
-              <a:t>n_estimator</a:t>
-            </a:r>
-            <a:r>
-              <a:rPr lang="en-US" sz="1200" kern="1200" dirty="0">
-                <a:solidFill>
-                  <a:schemeClr val="tx1"/>
-                </a:solidFill>
-                <a:effectLst/>
-                <a:latin typeface="+mn-lt"/>
-                <a:ea typeface="+mn-ea"/>
-                <a:cs typeface="+mn-cs"/>
-              </a:rPr>
-              <a:t>=50  to see how our algorithm performs</a:t>
-            </a:r>
             <a:endParaRPr lang="en-US" dirty="0"/>
           </a:p>
         </p:txBody>
@@ -759,7 +835,7 @@
           <a:p>
             <a:fld id="{411C63C0-2ADB-44D4-A4AA-D8C1D40839B4}" type="slidenum">
               <a:rPr lang="en-US" smtClean="0"/>
-              <a:t>6</a:t>
+              <a:t>1</a:t>
             </a:fld>
             <a:endParaRPr lang="en-US"/>
           </a:p>
@@ -1500,7 +1576,7 @@
           <a:p>
             <a:fld id="{7A82A0F7-BB1D-413C-A3FC-04CC3F8F42C9}" type="datetimeFigureOut">
               <a:rPr lang="en-US" smtClean="0"/>
-              <a:t>5/14/2019</a:t>
+              <a:t>5/15/2019</a:t>
             </a:fld>
             <a:endParaRPr lang="en-US"/>
           </a:p>
@@ -1751,7 +1827,7 @@
           <a:p>
             <a:fld id="{7A82A0F7-BB1D-413C-A3FC-04CC3F8F42C9}" type="datetimeFigureOut">
               <a:rPr lang="en-US" smtClean="0"/>
-              <a:t>5/14/2019</a:t>
+              <a:t>5/15/2019</a:t>
             </a:fld>
             <a:endParaRPr lang="en-US"/>
           </a:p>
@@ -2065,7 +2141,7 @@
           <a:p>
             <a:fld id="{7A82A0F7-BB1D-413C-A3FC-04CC3F8F42C9}" type="datetimeFigureOut">
               <a:rPr lang="en-US" smtClean="0"/>
-              <a:t>5/14/2019</a:t>
+              <a:t>5/15/2019</a:t>
             </a:fld>
             <a:endParaRPr lang="en-US"/>
           </a:p>
@@ -2406,7 +2482,7 @@
           <a:p>
             <a:fld id="{7A82A0F7-BB1D-413C-A3FC-04CC3F8F42C9}" type="datetimeFigureOut">
               <a:rPr lang="en-US" smtClean="0"/>
-              <a:t>5/14/2019</a:t>
+              <a:t>5/15/2019</a:t>
             </a:fld>
             <a:endParaRPr lang="en-US"/>
           </a:p>
@@ -2720,7 +2796,7 @@
           <a:p>
             <a:fld id="{7A82A0F7-BB1D-413C-A3FC-04CC3F8F42C9}" type="datetimeFigureOut">
               <a:rPr lang="en-US" smtClean="0"/>
-              <a:t>5/14/2019</a:t>
+              <a:t>5/15/2019</a:t>
             </a:fld>
             <a:endParaRPr lang="en-US"/>
           </a:p>
@@ -3113,7 +3189,7 @@
           <a:p>
             <a:fld id="{7A82A0F7-BB1D-413C-A3FC-04CC3F8F42C9}" type="datetimeFigureOut">
               <a:rPr lang="en-US" smtClean="0"/>
-              <a:t>5/14/2019</a:t>
+              <a:t>5/15/2019</a:t>
             </a:fld>
             <a:endParaRPr lang="en-US"/>
           </a:p>
@@ -3283,7 +3359,7 @@
           <a:p>
             <a:fld id="{7A82A0F7-BB1D-413C-A3FC-04CC3F8F42C9}" type="datetimeFigureOut">
               <a:rPr lang="en-US" smtClean="0"/>
-              <a:t>5/14/2019</a:t>
+              <a:t>5/15/2019</a:t>
             </a:fld>
             <a:endParaRPr lang="en-US"/>
           </a:p>
@@ -3463,7 +3539,7 @@
           <a:p>
             <a:fld id="{7A82A0F7-BB1D-413C-A3FC-04CC3F8F42C9}" type="datetimeFigureOut">
               <a:rPr lang="en-US" smtClean="0"/>
-              <a:t>5/14/2019</a:t>
+              <a:t>5/15/2019</a:t>
             </a:fld>
             <a:endParaRPr lang="en-US"/>
           </a:p>
@@ -3639,7 +3715,7 @@
           <a:p>
             <a:fld id="{7A82A0F7-BB1D-413C-A3FC-04CC3F8F42C9}" type="datetimeFigureOut">
               <a:rPr lang="en-US" smtClean="0"/>
-              <a:t>5/14/2019</a:t>
+              <a:t>5/15/2019</a:t>
             </a:fld>
             <a:endParaRPr lang="en-US"/>
           </a:p>
@@ -3886,7 +3962,7 @@
           <a:p>
             <a:fld id="{7A82A0F7-BB1D-413C-A3FC-04CC3F8F42C9}" type="datetimeFigureOut">
               <a:rPr lang="en-US" smtClean="0"/>
-              <a:t>5/14/2019</a:t>
+              <a:t>5/15/2019</a:t>
             </a:fld>
             <a:endParaRPr lang="en-US"/>
           </a:p>
@@ -4118,7 +4194,7 @@
           <a:p>
             <a:fld id="{7A82A0F7-BB1D-413C-A3FC-04CC3F8F42C9}" type="datetimeFigureOut">
               <a:rPr lang="en-US" smtClean="0"/>
-              <a:t>5/14/2019</a:t>
+              <a:t>5/15/2019</a:t>
             </a:fld>
             <a:endParaRPr lang="en-US"/>
           </a:p>
@@ -4492,7 +4568,7 @@
           <a:p>
             <a:fld id="{7A82A0F7-BB1D-413C-A3FC-04CC3F8F42C9}" type="datetimeFigureOut">
               <a:rPr lang="en-US" smtClean="0"/>
-              <a:t>5/14/2019</a:t>
+              <a:t>5/15/2019</a:t>
             </a:fld>
             <a:endParaRPr lang="en-US"/>
           </a:p>
@@ -4615,7 +4691,7 @@
           <a:p>
             <a:fld id="{7A82A0F7-BB1D-413C-A3FC-04CC3F8F42C9}" type="datetimeFigureOut">
               <a:rPr lang="en-US" smtClean="0"/>
-              <a:t>5/14/2019</a:t>
+              <a:t>5/15/2019</a:t>
             </a:fld>
             <a:endParaRPr lang="en-US"/>
           </a:p>
@@ -4710,7 +4786,7 @@
           <a:p>
             <a:fld id="{7A82A0F7-BB1D-413C-A3FC-04CC3F8F42C9}" type="datetimeFigureOut">
               <a:rPr lang="en-US" smtClean="0"/>
-              <a:t>5/14/2019</a:t>
+              <a:t>5/15/2019</a:t>
             </a:fld>
             <a:endParaRPr lang="en-US"/>
           </a:p>
@@ -4965,7 +5041,7 @@
           <a:p>
             <a:fld id="{7A82A0F7-BB1D-413C-A3FC-04CC3F8F42C9}" type="datetimeFigureOut">
               <a:rPr lang="en-US" smtClean="0"/>
-              <a:t>5/14/2019</a:t>
+              <a:t>5/15/2019</a:t>
             </a:fld>
             <a:endParaRPr lang="en-US"/>
           </a:p>
@@ -5228,7 +5304,7 @@
           <a:p>
             <a:fld id="{7A82A0F7-BB1D-413C-A3FC-04CC3F8F42C9}" type="datetimeFigureOut">
               <a:rPr lang="en-US" smtClean="0"/>
-              <a:t>5/14/2019</a:t>
+              <a:t>5/15/2019</a:t>
             </a:fld>
             <a:endParaRPr lang="en-US"/>
           </a:p>
@@ -5971,7 +6047,7 @@
           <a:p>
             <a:fld id="{7A82A0F7-BB1D-413C-A3FC-04CC3F8F42C9}" type="datetimeFigureOut">
               <a:rPr lang="en-US" smtClean="0"/>
-              <a:t>5/14/2019</a:t>
+              <a:t>5/15/2019</a:t>
             </a:fld>
             <a:endParaRPr lang="en-US"/>
           </a:p>
@@ -6481,14 +6557,6 @@
 <file path=ppt/slides/slide1.xml><?xml version="1.0" encoding="utf-8"?>
 <p:sld xmlns:a="http://schemas.openxmlformats.org/drawingml/2006/main" xmlns:r="http://schemas.openxmlformats.org/officeDocument/2006/relationships" xmlns:p="http://schemas.openxmlformats.org/presentationml/2006/main">
   <p:cSld>
-    <p:bg>
-      <p:bgPr>
-        <a:solidFill>
-          <a:schemeClr val="bg2"/>
-        </a:solidFill>
-        <a:effectLst/>
-      </p:bgPr>
-    </p:bg>
     <p:spTree>
       <p:nvGrpSpPr>
         <p:cNvPr id="1" name=""/>
@@ -6503,1830 +6571,6 @@
           <a:chExt cx="0" cy="0"/>
         </a:xfrm>
       </p:grpSpPr>
-      <p:grpSp>
-        <p:nvGrpSpPr>
-          <p:cNvPr id="71" name="Group 70">
-            <a:extLst>
-              <a:ext uri="{FF2B5EF4-FFF2-40B4-BE49-F238E27FC236}">
-                <a16:creationId xmlns:a16="http://schemas.microsoft.com/office/drawing/2014/main" id="{10BE40E3-5550-4CDD-B4FD-387C33EBF157}"/>
-              </a:ext>
-              <a:ext uri="{C183D7F6-B498-43B3-948B-1728B52AA6E4}">
-                <adec:decorative xmlns:adec="http://schemas.microsoft.com/office/drawing/2017/decorative" val="1"/>
-              </a:ext>
-            </a:extLst>
-          </p:cNvPr>
-          <p:cNvGrpSpPr>
-            <a:grpSpLocks noGrp="1" noUngrp="1" noRot="1" noChangeAspect="1" noMove="1" noResize="1"/>
-          </p:cNvGrpSpPr>
-          <p:nvPr>
-            <p:extLst>
-              <p:ext uri="{386F3935-93C4-4BCD-93E2-E3B085C9AB24}">
-                <p16:designElem xmlns:p16="http://schemas.microsoft.com/office/powerpoint/2015/main" val="1"/>
-              </p:ext>
-            </p:extLst>
-          </p:nvPr>
-        </p:nvGrpSpPr>
-        <p:grpSpPr>
-          <a:xfrm>
-            <a:off x="0" y="-8467"/>
-            <a:ext cx="12192000" cy="6866467"/>
-            <a:chOff x="0" y="-8467"/>
-            <a:chExt cx="12192000" cy="6866467"/>
-          </a:xfrm>
-        </p:grpSpPr>
-        <p:cxnSp>
-          <p:nvCxnSpPr>
-            <p:cNvPr id="72" name="Straight Connector 71">
-              <a:extLst>
-                <a:ext uri="{FF2B5EF4-FFF2-40B4-BE49-F238E27FC236}">
-                  <a16:creationId xmlns:a16="http://schemas.microsoft.com/office/drawing/2014/main" id="{71A6B738-E50C-4653-B343-B9D6A5EA2771}"/>
-                </a:ext>
-                <a:ext uri="{C183D7F6-B498-43B3-948B-1728B52AA6E4}">
-                  <adec:decorative xmlns:adec="http://schemas.microsoft.com/office/drawing/2017/decorative" val="1"/>
-                </a:ext>
-              </a:extLst>
-            </p:cNvPr>
-            <p:cNvCxnSpPr/>
-            <p:nvPr>
-              <p:extLst>
-                <p:ext uri="{386F3935-93C4-4BCD-93E2-E3B085C9AB24}">
-                  <p16:designElem xmlns:p16="http://schemas.microsoft.com/office/powerpoint/2015/main" val="1"/>
-                </p:ext>
-              </p:extLst>
-            </p:nvPr>
-          </p:nvCxnSpPr>
-          <p:spPr>
-            <a:xfrm>
-              <a:off x="9371012" y="0"/>
-              <a:ext cx="1219200" cy="6858000"/>
-            </a:xfrm>
-            <a:prstGeom prst="line">
-              <a:avLst/>
-            </a:prstGeom>
-            <a:ln w="9525">
-              <a:solidFill>
-                <a:schemeClr val="bg1">
-                  <a:lumMod val="75000"/>
-                </a:schemeClr>
-              </a:solidFill>
-            </a:ln>
-          </p:spPr>
-          <p:style>
-            <a:lnRef idx="2">
-              <a:schemeClr val="accent1"/>
-            </a:lnRef>
-            <a:fillRef idx="0">
-              <a:schemeClr val="accent1"/>
-            </a:fillRef>
-            <a:effectRef idx="1">
-              <a:schemeClr val="accent1"/>
-            </a:effectRef>
-            <a:fontRef idx="minor">
-              <a:schemeClr val="tx1"/>
-            </a:fontRef>
-          </p:style>
-        </p:cxnSp>
-        <p:cxnSp>
-          <p:nvCxnSpPr>
-            <p:cNvPr id="73" name="Straight Connector 72">
-              <a:extLst>
-                <a:ext uri="{FF2B5EF4-FFF2-40B4-BE49-F238E27FC236}">
-                  <a16:creationId xmlns:a16="http://schemas.microsoft.com/office/drawing/2014/main" id="{498768D6-B28C-40A3-B381-39306F5816D5}"/>
-                </a:ext>
-                <a:ext uri="{C183D7F6-B498-43B3-948B-1728B52AA6E4}">
-                  <adec:decorative xmlns:adec="http://schemas.microsoft.com/office/drawing/2017/decorative" val="1"/>
-                </a:ext>
-              </a:extLst>
-            </p:cNvPr>
-            <p:cNvCxnSpPr/>
-            <p:nvPr>
-              <p:extLst>
-                <p:ext uri="{386F3935-93C4-4BCD-93E2-E3B085C9AB24}">
-                  <p16:designElem xmlns:p16="http://schemas.microsoft.com/office/powerpoint/2015/main" val="1"/>
-                </p:ext>
-              </p:extLst>
-            </p:nvPr>
-          </p:nvCxnSpPr>
-          <p:spPr>
-            <a:xfrm flipH="1">
-              <a:off x="7425267" y="3681413"/>
-              <a:ext cx="4763558" cy="3176587"/>
-            </a:xfrm>
-            <a:prstGeom prst="line">
-              <a:avLst/>
-            </a:prstGeom>
-            <a:ln w="9525">
-              <a:solidFill>
-                <a:schemeClr val="bg1">
-                  <a:lumMod val="85000"/>
-                </a:schemeClr>
-              </a:solidFill>
-            </a:ln>
-          </p:spPr>
-          <p:style>
-            <a:lnRef idx="2">
-              <a:schemeClr val="accent1"/>
-            </a:lnRef>
-            <a:fillRef idx="0">
-              <a:schemeClr val="accent1"/>
-            </a:fillRef>
-            <a:effectRef idx="1">
-              <a:schemeClr val="accent1"/>
-            </a:effectRef>
-            <a:fontRef idx="minor">
-              <a:schemeClr val="tx1"/>
-            </a:fontRef>
-          </p:style>
-        </p:cxnSp>
-        <p:sp>
-          <p:nvSpPr>
-            <p:cNvPr id="74" name="Rectangle 23">
-              <a:extLst>
-                <a:ext uri="{FF2B5EF4-FFF2-40B4-BE49-F238E27FC236}">
-                  <a16:creationId xmlns:a16="http://schemas.microsoft.com/office/drawing/2014/main" id="{B27C15B9-7795-4321-AB30-DF1DEF65C19E}"/>
-                </a:ext>
-                <a:ext uri="{C183D7F6-B498-43B3-948B-1728B52AA6E4}">
-                  <adec:decorative xmlns:adec="http://schemas.microsoft.com/office/drawing/2017/decorative" val="1"/>
-                </a:ext>
-              </a:extLst>
-            </p:cNvPr>
-            <p:cNvSpPr/>
-            <p:nvPr>
-              <p:extLst>
-                <p:ext uri="{386F3935-93C4-4BCD-93E2-E3B085C9AB24}">
-                  <p16:designElem xmlns:p16="http://schemas.microsoft.com/office/powerpoint/2015/main" val="1"/>
-                </p:ext>
-              </p:extLst>
-            </p:nvPr>
-          </p:nvSpPr>
-          <p:spPr>
-            <a:xfrm>
-              <a:off x="9181476" y="-8467"/>
-              <a:ext cx="3007349" cy="6866467"/>
-            </a:xfrm>
-            <a:custGeom>
-              <a:avLst/>
-              <a:gdLst/>
-              <a:ahLst/>
-              <a:cxnLst/>
-              <a:rect l="l" t="t" r="r" b="b"/>
-              <a:pathLst>
-                <a:path w="3007349" h="6866467">
-                  <a:moveTo>
-                    <a:pt x="2045532" y="0"/>
-                  </a:moveTo>
-                  <a:lnTo>
-                    <a:pt x="3007349" y="0"/>
-                  </a:lnTo>
-                  <a:lnTo>
-                    <a:pt x="3007349" y="6866467"/>
-                  </a:lnTo>
-                  <a:lnTo>
-                    <a:pt x="0" y="6866467"/>
-                  </a:lnTo>
-                  <a:lnTo>
-                    <a:pt x="2045532" y="0"/>
-                  </a:lnTo>
-                  <a:close/>
-                </a:path>
-              </a:pathLst>
-            </a:custGeom>
-            <a:solidFill>
-              <a:schemeClr val="accent1">
-                <a:alpha val="30000"/>
-              </a:schemeClr>
-            </a:solidFill>
-            <a:ln>
-              <a:noFill/>
-            </a:ln>
-            <a:effectLst/>
-          </p:spPr>
-          <p:style>
-            <a:lnRef idx="1">
-              <a:schemeClr val="accent1"/>
-            </a:lnRef>
-            <a:fillRef idx="3">
-              <a:schemeClr val="accent1"/>
-            </a:fillRef>
-            <a:effectRef idx="2">
-              <a:schemeClr val="accent1"/>
-            </a:effectRef>
-            <a:fontRef idx="minor">
-              <a:schemeClr val="lt1"/>
-            </a:fontRef>
-          </p:style>
-        </p:sp>
-        <p:sp>
-          <p:nvSpPr>
-            <p:cNvPr id="75" name="Rectangle 25">
-              <a:extLst>
-                <a:ext uri="{FF2B5EF4-FFF2-40B4-BE49-F238E27FC236}">
-                  <a16:creationId xmlns:a16="http://schemas.microsoft.com/office/drawing/2014/main" id="{578EC957-1F3F-4C00-B023-C8725C2171CB}"/>
-                </a:ext>
-                <a:ext uri="{C183D7F6-B498-43B3-948B-1728B52AA6E4}">
-                  <adec:decorative xmlns:adec="http://schemas.microsoft.com/office/drawing/2017/decorative" val="1"/>
-                </a:ext>
-              </a:extLst>
-            </p:cNvPr>
-            <p:cNvSpPr/>
-            <p:nvPr>
-              <p:extLst>
-                <p:ext uri="{386F3935-93C4-4BCD-93E2-E3B085C9AB24}">
-                  <p16:designElem xmlns:p16="http://schemas.microsoft.com/office/powerpoint/2015/main" val="1"/>
-                </p:ext>
-              </p:extLst>
-            </p:nvPr>
-          </p:nvSpPr>
-          <p:spPr>
-            <a:xfrm>
-              <a:off x="9603442" y="-8467"/>
-              <a:ext cx="2588558" cy="6866467"/>
-            </a:xfrm>
-            <a:custGeom>
-              <a:avLst/>
-              <a:gdLst/>
-              <a:ahLst/>
-              <a:cxnLst/>
-              <a:rect l="l" t="t" r="r" b="b"/>
-              <a:pathLst>
-                <a:path w="2573311" h="6866467">
-                  <a:moveTo>
-                    <a:pt x="0" y="0"/>
-                  </a:moveTo>
-                  <a:lnTo>
-                    <a:pt x="2573311" y="0"/>
-                  </a:lnTo>
-                  <a:lnTo>
-                    <a:pt x="2573311" y="6866467"/>
-                  </a:lnTo>
-                  <a:lnTo>
-                    <a:pt x="1202336" y="6866467"/>
-                  </a:lnTo>
-                  <a:lnTo>
-                    <a:pt x="0" y="0"/>
-                  </a:lnTo>
-                  <a:close/>
-                </a:path>
-              </a:pathLst>
-            </a:custGeom>
-            <a:solidFill>
-              <a:schemeClr val="accent1">
-                <a:alpha val="20000"/>
-              </a:schemeClr>
-            </a:solidFill>
-            <a:ln>
-              <a:noFill/>
-            </a:ln>
-            <a:effectLst/>
-          </p:spPr>
-          <p:style>
-            <a:lnRef idx="1">
-              <a:schemeClr val="accent1"/>
-            </a:lnRef>
-            <a:fillRef idx="3">
-              <a:schemeClr val="accent1"/>
-            </a:fillRef>
-            <a:effectRef idx="2">
-              <a:schemeClr val="accent1"/>
-            </a:effectRef>
-            <a:fontRef idx="minor">
-              <a:schemeClr val="lt1"/>
-            </a:fontRef>
-          </p:style>
-        </p:sp>
-        <p:sp>
-          <p:nvSpPr>
-            <p:cNvPr id="76" name="Isosceles Triangle 75">
-              <a:extLst>
-                <a:ext uri="{FF2B5EF4-FFF2-40B4-BE49-F238E27FC236}">
-                  <a16:creationId xmlns:a16="http://schemas.microsoft.com/office/drawing/2014/main" id="{3D642632-BBD5-46D6-A91D-9B2BF68219B7}"/>
-                </a:ext>
-                <a:ext uri="{C183D7F6-B498-43B3-948B-1728B52AA6E4}">
-                  <adec:decorative xmlns:adec="http://schemas.microsoft.com/office/drawing/2017/decorative" val="1"/>
-                </a:ext>
-              </a:extLst>
-            </p:cNvPr>
-            <p:cNvSpPr/>
-            <p:nvPr>
-              <p:extLst>
-                <p:ext uri="{386F3935-93C4-4BCD-93E2-E3B085C9AB24}">
-                  <p16:designElem xmlns:p16="http://schemas.microsoft.com/office/powerpoint/2015/main" val="1"/>
-                </p:ext>
-              </p:extLst>
-            </p:nvPr>
-          </p:nvSpPr>
-          <p:spPr>
-            <a:xfrm>
-              <a:off x="8932333" y="3048000"/>
-              <a:ext cx="3259667" cy="3810000"/>
-            </a:xfrm>
-            <a:prstGeom prst="triangle">
-              <a:avLst>
-                <a:gd name="adj" fmla="val 100000"/>
-              </a:avLst>
-            </a:prstGeom>
-            <a:solidFill>
-              <a:schemeClr val="accent2">
-                <a:alpha val="72000"/>
-              </a:schemeClr>
-            </a:solidFill>
-            <a:ln>
-              <a:noFill/>
-            </a:ln>
-            <a:effectLst/>
-          </p:spPr>
-          <p:style>
-            <a:lnRef idx="1">
-              <a:schemeClr val="accent1"/>
-            </a:lnRef>
-            <a:fillRef idx="3">
-              <a:schemeClr val="accent1"/>
-            </a:fillRef>
-            <a:effectRef idx="2">
-              <a:schemeClr val="accent1"/>
-            </a:effectRef>
-            <a:fontRef idx="minor">
-              <a:schemeClr val="lt1"/>
-            </a:fontRef>
-          </p:style>
-        </p:sp>
-        <p:sp>
-          <p:nvSpPr>
-            <p:cNvPr id="77" name="Rectangle 27">
-              <a:extLst>
-                <a:ext uri="{FF2B5EF4-FFF2-40B4-BE49-F238E27FC236}">
-                  <a16:creationId xmlns:a16="http://schemas.microsoft.com/office/drawing/2014/main" id="{BF9D518D-AFF5-4DE2-AEE2-0EC15479A9AF}"/>
-                </a:ext>
-                <a:ext uri="{C183D7F6-B498-43B3-948B-1728B52AA6E4}">
-                  <adec:decorative xmlns:adec="http://schemas.microsoft.com/office/drawing/2017/decorative" val="1"/>
-                </a:ext>
-              </a:extLst>
-            </p:cNvPr>
-            <p:cNvSpPr/>
-            <p:nvPr>
-              <p:extLst>
-                <p:ext uri="{386F3935-93C4-4BCD-93E2-E3B085C9AB24}">
-                  <p16:designElem xmlns:p16="http://schemas.microsoft.com/office/powerpoint/2015/main" val="1"/>
-                </p:ext>
-              </p:extLst>
-            </p:nvPr>
-          </p:nvSpPr>
-          <p:spPr>
-            <a:xfrm>
-              <a:off x="9334500" y="-8467"/>
-              <a:ext cx="2854326" cy="6866467"/>
-            </a:xfrm>
-            <a:custGeom>
-              <a:avLst/>
-              <a:gdLst/>
-              <a:ahLst/>
-              <a:cxnLst/>
-              <a:rect l="l" t="t" r="r" b="b"/>
-              <a:pathLst>
-                <a:path w="2858013" h="6866467">
-                  <a:moveTo>
-                    <a:pt x="0" y="0"/>
-                  </a:moveTo>
-                  <a:lnTo>
-                    <a:pt x="2858013" y="0"/>
-                  </a:lnTo>
-                  <a:lnTo>
-                    <a:pt x="2858013" y="6866467"/>
-                  </a:lnTo>
-                  <a:lnTo>
-                    <a:pt x="2473942" y="6866467"/>
-                  </a:lnTo>
-                  <a:lnTo>
-                    <a:pt x="0" y="0"/>
-                  </a:lnTo>
-                  <a:close/>
-                </a:path>
-              </a:pathLst>
-            </a:custGeom>
-            <a:solidFill>
-              <a:schemeClr val="accent2">
-                <a:lumMod val="75000"/>
-                <a:alpha val="70000"/>
-              </a:schemeClr>
-            </a:solidFill>
-            <a:ln>
-              <a:noFill/>
-            </a:ln>
-            <a:effectLst/>
-          </p:spPr>
-          <p:style>
-            <a:lnRef idx="1">
-              <a:schemeClr val="accent1"/>
-            </a:lnRef>
-            <a:fillRef idx="3">
-              <a:schemeClr val="accent1"/>
-            </a:fillRef>
-            <a:effectRef idx="2">
-              <a:schemeClr val="accent1"/>
-            </a:effectRef>
-            <a:fontRef idx="minor">
-              <a:schemeClr val="lt1"/>
-            </a:fontRef>
-          </p:style>
-        </p:sp>
-        <p:sp>
-          <p:nvSpPr>
-            <p:cNvPr id="78" name="Rectangle 28">
-              <a:extLst>
-                <a:ext uri="{FF2B5EF4-FFF2-40B4-BE49-F238E27FC236}">
-                  <a16:creationId xmlns:a16="http://schemas.microsoft.com/office/drawing/2014/main" id="{14EF979B-B00D-460C-BD56-7EEAFB7E0F98}"/>
-                </a:ext>
-                <a:ext uri="{C183D7F6-B498-43B3-948B-1728B52AA6E4}">
-                  <adec:decorative xmlns:adec="http://schemas.microsoft.com/office/drawing/2017/decorative" val="1"/>
-                </a:ext>
-              </a:extLst>
-            </p:cNvPr>
-            <p:cNvSpPr/>
-            <p:nvPr>
-              <p:extLst>
-                <p:ext uri="{386F3935-93C4-4BCD-93E2-E3B085C9AB24}">
-                  <p16:designElem xmlns:p16="http://schemas.microsoft.com/office/powerpoint/2015/main" val="1"/>
-                </p:ext>
-              </p:extLst>
-            </p:nvPr>
-          </p:nvSpPr>
-          <p:spPr>
-            <a:xfrm>
-              <a:off x="10898730" y="-8467"/>
-              <a:ext cx="1290094" cy="6866467"/>
-            </a:xfrm>
-            <a:custGeom>
-              <a:avLst/>
-              <a:gdLst/>
-              <a:ahLst/>
-              <a:cxnLst/>
-              <a:rect l="l" t="t" r="r" b="b"/>
-              <a:pathLst>
-                <a:path w="1290094" h="6858000">
-                  <a:moveTo>
-                    <a:pt x="1019735" y="0"/>
-                  </a:moveTo>
-                  <a:lnTo>
-                    <a:pt x="1290094" y="0"/>
-                  </a:lnTo>
-                  <a:lnTo>
-                    <a:pt x="1290094" y="6858000"/>
-                  </a:lnTo>
-                  <a:lnTo>
-                    <a:pt x="0" y="6858000"/>
-                  </a:lnTo>
-                  <a:lnTo>
-                    <a:pt x="1019735" y="0"/>
-                  </a:lnTo>
-                  <a:close/>
-                </a:path>
-              </a:pathLst>
-            </a:custGeom>
-            <a:solidFill>
-              <a:schemeClr val="accent1">
-                <a:lumMod val="60000"/>
-                <a:lumOff val="40000"/>
-                <a:alpha val="70000"/>
-              </a:schemeClr>
-            </a:solidFill>
-            <a:ln>
-              <a:noFill/>
-            </a:ln>
-            <a:effectLst/>
-          </p:spPr>
-          <p:style>
-            <a:lnRef idx="1">
-              <a:schemeClr val="accent1"/>
-            </a:lnRef>
-            <a:fillRef idx="3">
-              <a:schemeClr val="accent1"/>
-            </a:fillRef>
-            <a:effectRef idx="2">
-              <a:schemeClr val="accent1"/>
-            </a:effectRef>
-            <a:fontRef idx="minor">
-              <a:schemeClr val="lt1"/>
-            </a:fontRef>
-          </p:style>
-        </p:sp>
-        <p:sp>
-          <p:nvSpPr>
-            <p:cNvPr id="79" name="Rectangle 29">
-              <a:extLst>
-                <a:ext uri="{FF2B5EF4-FFF2-40B4-BE49-F238E27FC236}">
-                  <a16:creationId xmlns:a16="http://schemas.microsoft.com/office/drawing/2014/main" id="{3E40F9A1-6B82-400F-9397-26D1D36F1F04}"/>
-                </a:ext>
-                <a:ext uri="{C183D7F6-B498-43B3-948B-1728B52AA6E4}">
-                  <adec:decorative xmlns:adec="http://schemas.microsoft.com/office/drawing/2017/decorative" val="1"/>
-                </a:ext>
-              </a:extLst>
-            </p:cNvPr>
-            <p:cNvSpPr/>
-            <p:nvPr>
-              <p:extLst>
-                <p:ext uri="{386F3935-93C4-4BCD-93E2-E3B085C9AB24}">
-                  <p16:designElem xmlns:p16="http://schemas.microsoft.com/office/powerpoint/2015/main" val="1"/>
-                </p:ext>
-              </p:extLst>
-            </p:nvPr>
-          </p:nvSpPr>
-          <p:spPr>
-            <a:xfrm>
-              <a:off x="10938999" y="-8467"/>
-              <a:ext cx="1249825" cy="6866467"/>
-            </a:xfrm>
-            <a:custGeom>
-              <a:avLst/>
-              <a:gdLst/>
-              <a:ahLst/>
-              <a:cxnLst/>
-              <a:rect l="l" t="t" r="r" b="b"/>
-              <a:pathLst>
-                <a:path w="1249825" h="6858000">
-                  <a:moveTo>
-                    <a:pt x="0" y="0"/>
-                  </a:moveTo>
-                  <a:lnTo>
-                    <a:pt x="1249825" y="0"/>
-                  </a:lnTo>
-                  <a:lnTo>
-                    <a:pt x="1249825" y="6858000"/>
-                  </a:lnTo>
-                  <a:lnTo>
-                    <a:pt x="1109382" y="6858000"/>
-                  </a:lnTo>
-                  <a:lnTo>
-                    <a:pt x="0" y="0"/>
-                  </a:lnTo>
-                  <a:close/>
-                </a:path>
-              </a:pathLst>
-            </a:custGeom>
-            <a:solidFill>
-              <a:schemeClr val="accent1">
-                <a:alpha val="65000"/>
-              </a:schemeClr>
-            </a:solidFill>
-            <a:ln>
-              <a:noFill/>
-            </a:ln>
-            <a:effectLst/>
-          </p:spPr>
-          <p:style>
-            <a:lnRef idx="1">
-              <a:schemeClr val="accent1"/>
-            </a:lnRef>
-            <a:fillRef idx="3">
-              <a:schemeClr val="accent1"/>
-            </a:fillRef>
-            <a:effectRef idx="2">
-              <a:schemeClr val="accent1"/>
-            </a:effectRef>
-            <a:fontRef idx="minor">
-              <a:schemeClr val="lt1"/>
-            </a:fontRef>
-          </p:style>
-        </p:sp>
-        <p:sp>
-          <p:nvSpPr>
-            <p:cNvPr id="80" name="Isosceles Triangle 79">
-              <a:extLst>
-                <a:ext uri="{FF2B5EF4-FFF2-40B4-BE49-F238E27FC236}">
-                  <a16:creationId xmlns:a16="http://schemas.microsoft.com/office/drawing/2014/main" id="{2EF7DDF1-FF86-4CA4-B08B-8939557EBDB3}"/>
-                </a:ext>
-                <a:ext uri="{C183D7F6-B498-43B3-948B-1728B52AA6E4}">
-                  <adec:decorative xmlns:adec="http://schemas.microsoft.com/office/drawing/2017/decorative" val="1"/>
-                </a:ext>
-              </a:extLst>
-            </p:cNvPr>
-            <p:cNvSpPr/>
-            <p:nvPr>
-              <p:extLst>
-                <p:ext uri="{386F3935-93C4-4BCD-93E2-E3B085C9AB24}">
-                  <p16:designElem xmlns:p16="http://schemas.microsoft.com/office/powerpoint/2015/main" val="1"/>
-                </p:ext>
-              </p:extLst>
-            </p:nvPr>
-          </p:nvSpPr>
-          <p:spPr>
-            <a:xfrm>
-              <a:off x="10371666" y="3589867"/>
-              <a:ext cx="1817159" cy="3268133"/>
-            </a:xfrm>
-            <a:prstGeom prst="triangle">
-              <a:avLst>
-                <a:gd name="adj" fmla="val 100000"/>
-              </a:avLst>
-            </a:prstGeom>
-            <a:solidFill>
-              <a:schemeClr val="accent1">
-                <a:alpha val="80000"/>
-              </a:schemeClr>
-            </a:solidFill>
-            <a:ln>
-              <a:noFill/>
-            </a:ln>
-            <a:effectLst/>
-          </p:spPr>
-          <p:style>
-            <a:lnRef idx="1">
-              <a:schemeClr val="accent1"/>
-            </a:lnRef>
-            <a:fillRef idx="3">
-              <a:schemeClr val="accent1"/>
-            </a:fillRef>
-            <a:effectRef idx="2">
-              <a:schemeClr val="accent1"/>
-            </a:effectRef>
-            <a:fontRef idx="minor">
-              <a:schemeClr val="lt1"/>
-            </a:fontRef>
-          </p:style>
-        </p:sp>
-        <p:sp>
-          <p:nvSpPr>
-            <p:cNvPr id="81" name="Isosceles Triangle 80">
-              <a:extLst>
-                <a:ext uri="{FF2B5EF4-FFF2-40B4-BE49-F238E27FC236}">
-                  <a16:creationId xmlns:a16="http://schemas.microsoft.com/office/drawing/2014/main" id="{6D7C1F89-72B2-4FDC-B9E2-04F52D5C504C}"/>
-                </a:ext>
-                <a:ext uri="{C183D7F6-B498-43B3-948B-1728B52AA6E4}">
-                  <adec:decorative xmlns:adec="http://schemas.microsoft.com/office/drawing/2017/decorative" val="1"/>
-                </a:ext>
-              </a:extLst>
-            </p:cNvPr>
-            <p:cNvSpPr/>
-            <p:nvPr>
-              <p:extLst>
-                <p:ext uri="{386F3935-93C4-4BCD-93E2-E3B085C9AB24}">
-                  <p16:designElem xmlns:p16="http://schemas.microsoft.com/office/powerpoint/2015/main" val="1"/>
-                </p:ext>
-              </p:extLst>
-            </p:nvPr>
-          </p:nvSpPr>
-          <p:spPr>
-            <a:xfrm>
-              <a:off x="0" y="4013200"/>
-              <a:ext cx="448733" cy="2844800"/>
-            </a:xfrm>
-            <a:prstGeom prst="triangle">
-              <a:avLst>
-                <a:gd name="adj" fmla="val 0"/>
-              </a:avLst>
-            </a:prstGeom>
-            <a:solidFill>
-              <a:schemeClr val="accent1">
-                <a:alpha val="85000"/>
-              </a:schemeClr>
-            </a:solidFill>
-            <a:ln>
-              <a:noFill/>
-            </a:ln>
-            <a:effectLst/>
-          </p:spPr>
-          <p:style>
-            <a:lnRef idx="1">
-              <a:schemeClr val="accent1"/>
-            </a:lnRef>
-            <a:fillRef idx="3">
-              <a:schemeClr val="accent1"/>
-            </a:fillRef>
-            <a:effectRef idx="2">
-              <a:schemeClr val="accent1"/>
-            </a:effectRef>
-            <a:fontRef idx="minor">
-              <a:schemeClr val="lt1"/>
-            </a:fontRef>
-          </p:style>
-        </p:sp>
-      </p:grpSp>
-      <p:sp>
-        <p:nvSpPr>
-          <p:cNvPr id="2" name="Title 1">
-            <a:extLst>
-              <a:ext uri="{FF2B5EF4-FFF2-40B4-BE49-F238E27FC236}">
-                <a16:creationId xmlns:a16="http://schemas.microsoft.com/office/drawing/2014/main" id="{502F5AF9-EFCF-40FB-93EA-25378BF42EC4}"/>
-              </a:ext>
-            </a:extLst>
-          </p:cNvPr>
-          <p:cNvSpPr>
-            <a:spLocks noGrp="1"/>
-          </p:cNvSpPr>
-          <p:nvPr>
-            <p:ph type="ctrTitle"/>
-          </p:nvPr>
-        </p:nvSpPr>
-        <p:spPr>
-          <a:xfrm>
-            <a:off x="5489853" y="683550"/>
-            <a:ext cx="3737268" cy="1320800"/>
-          </a:xfrm>
-        </p:spPr>
-        <p:txBody>
-          <a:bodyPr vert="horz" lIns="91440" tIns="45720" rIns="91440" bIns="45720" rtlCol="0" anchor="t">
-            <a:normAutofit/>
-          </a:bodyPr>
-          <a:lstStyle/>
-          <a:p>
-            <a:pPr algn="l"/>
-            <a:r>
-              <a:rPr lang="en-US" sz="3600" dirty="0"/>
-              <a:t> Energy</a:t>
-            </a:r>
-            <a:br>
-              <a:rPr lang="en-US" sz="3600" dirty="0"/>
-            </a:br>
-            <a:r>
-              <a:rPr lang="en-US" sz="3600" dirty="0"/>
-              <a:t>Consumption</a:t>
-            </a:r>
-          </a:p>
-        </p:txBody>
-      </p:sp>
-      <p:sp>
-        <p:nvSpPr>
-          <p:cNvPr id="3" name="Subtitle 2">
-            <a:extLst>
-              <a:ext uri="{FF2B5EF4-FFF2-40B4-BE49-F238E27FC236}">
-                <a16:creationId xmlns:a16="http://schemas.microsoft.com/office/drawing/2014/main" id="{8BA0946D-E2A2-4473-A210-21BEEBB1C0A6}"/>
-              </a:ext>
-            </a:extLst>
-          </p:cNvPr>
-          <p:cNvSpPr>
-            <a:spLocks noGrp="1"/>
-          </p:cNvSpPr>
-          <p:nvPr>
-            <p:ph type="subTitle" idx="1"/>
-          </p:nvPr>
-        </p:nvSpPr>
-        <p:spPr>
-          <a:xfrm>
-            <a:off x="5209563" y="2160589"/>
-            <a:ext cx="4064439" cy="3880773"/>
-          </a:xfrm>
-        </p:spPr>
-        <p:txBody>
-          <a:bodyPr vert="horz" lIns="91440" tIns="45720" rIns="91440" bIns="45720" rtlCol="0">
-            <a:normAutofit lnSpcReduction="10000"/>
-          </a:bodyPr>
-          <a:lstStyle/>
-          <a:p>
-            <a:pPr algn="l">
-              <a:lnSpc>
-                <a:spcPct val="90000"/>
-              </a:lnSpc>
-              <a:buFont typeface="Wingdings 3" charset="2"/>
-              <a:buChar char=""/>
-            </a:pPr>
-            <a:r>
-              <a:rPr lang="en-US" dirty="0"/>
-              <a:t>Pulled in the data from 1999, 2001, 2009, 2015. We then matched all corresponding column names across these collection of years. We dropped the 1999  set of data as the majority of the columns did not align with the other sets. After our data cleaning, we merged into one CSV file the remaining years’ worth of data. We were then able to run Machine Learning tools such as </a:t>
-            </a:r>
-            <a:r>
-              <a:rPr lang="en-US" b="1" dirty="0"/>
-              <a:t>Feature Selector </a:t>
-            </a:r>
-            <a:r>
-              <a:rPr lang="en-US" dirty="0"/>
-              <a:t>and </a:t>
-            </a:r>
-            <a:r>
-              <a:rPr lang="en-US" b="1" dirty="0"/>
-              <a:t>PCA</a:t>
-            </a:r>
-            <a:r>
-              <a:rPr lang="en-US" dirty="0"/>
-              <a:t> to determine the amount of columns(features) necessary to predict how much of the gathered data is required for accurate model predicting. </a:t>
-            </a:r>
-            <a:endParaRPr lang="en-US" dirty="0">
-              <a:solidFill>
-                <a:schemeClr val="tx1">
-                  <a:lumMod val="75000"/>
-                  <a:lumOff val="25000"/>
-                </a:schemeClr>
-              </a:solidFill>
-            </a:endParaRPr>
-          </a:p>
-        </p:txBody>
-      </p:sp>
-      <p:pic>
-        <p:nvPicPr>
-          <p:cNvPr id="1026" name="Picture 2" descr="https://documents.lucidchart.com/documents/233a536f-648e-41e8-9e00-43553d57ef06/pages/0_0?a=1803&amp;x=305&amp;y=-43&amp;w=1210&amp;h=1386&amp;store=1&amp;accept=image%2F*&amp;auth=LCA%20fbe0311f437ef8228f2731f26026571b8c1bbea9-ts%3D1557696390">
-            <a:extLst>
-              <a:ext uri="{FF2B5EF4-FFF2-40B4-BE49-F238E27FC236}">
-                <a16:creationId xmlns:a16="http://schemas.microsoft.com/office/drawing/2014/main" id="{C5DAD888-C0BD-4B1B-A550-02819760D63D}"/>
-              </a:ext>
-            </a:extLst>
-          </p:cNvPr>
-          <p:cNvPicPr>
-            <a:picLocks noChangeAspect="1" noChangeArrowheads="1"/>
-          </p:cNvPicPr>
-          <p:nvPr/>
-        </p:nvPicPr>
-        <p:blipFill rotWithShape="1">
-          <a:blip r:embed="rId2">
-            <a:extLst>
-              <a:ext uri="{28A0092B-C50C-407E-A947-70E740481C1C}">
-                <a14:useLocalDpi xmlns:a14="http://schemas.microsoft.com/office/drawing/2010/main" val="0"/>
-              </a:ext>
-            </a:extLst>
-          </a:blip>
-          <a:srcRect l="1899" r="7992" b="-1"/>
-          <a:stretch/>
-        </p:blipFill>
-        <p:spPr bwMode="auto">
-          <a:xfrm>
-            <a:off x="-12465" y="0"/>
-            <a:ext cx="5394940" cy="6858001"/>
-          </a:xfrm>
-          <a:custGeom>
-            <a:avLst/>
-            <a:gdLst>
-              <a:gd name="connsiteX0" fmla="*/ 842596 w 5394960"/>
-              <a:gd name="connsiteY0" fmla="*/ 0 h 6858000"/>
-              <a:gd name="connsiteX1" fmla="*/ 5394960 w 5394960"/>
-              <a:gd name="connsiteY1" fmla="*/ 0 h 6858000"/>
-              <a:gd name="connsiteX2" fmla="*/ 5394960 w 5394960"/>
-              <a:gd name="connsiteY2" fmla="*/ 21851 h 6858000"/>
-              <a:gd name="connsiteX3" fmla="*/ 4365943 w 5394960"/>
-              <a:gd name="connsiteY3" fmla="*/ 6858000 h 6858000"/>
-              <a:gd name="connsiteX4" fmla="*/ 0 w 5394960"/>
-              <a:gd name="connsiteY4" fmla="*/ 6858000 h 6858000"/>
-              <a:gd name="connsiteX5" fmla="*/ 0 w 5394960"/>
-              <a:gd name="connsiteY5" fmla="*/ 5666154 h 6858000"/>
-            </a:gdLst>
-            <a:ahLst/>
-            <a:cxnLst>
-              <a:cxn ang="0">
-                <a:pos x="connsiteX0" y="connsiteY0"/>
-              </a:cxn>
-              <a:cxn ang="0">
-                <a:pos x="connsiteX1" y="connsiteY1"/>
-              </a:cxn>
-              <a:cxn ang="0">
-                <a:pos x="connsiteX2" y="connsiteY2"/>
-              </a:cxn>
-              <a:cxn ang="0">
-                <a:pos x="connsiteX3" y="connsiteY3"/>
-              </a:cxn>
-              <a:cxn ang="0">
-                <a:pos x="connsiteX4" y="connsiteY4"/>
-              </a:cxn>
-              <a:cxn ang="0">
-                <a:pos x="connsiteX5" y="connsiteY5"/>
-              </a:cxn>
-            </a:cxnLst>
-            <a:rect l="l" t="t" r="r" b="b"/>
-            <a:pathLst>
-              <a:path w="5394960" h="6858000">
-                <a:moveTo>
-                  <a:pt x="842596" y="0"/>
-                </a:moveTo>
-                <a:lnTo>
-                  <a:pt x="5394960" y="0"/>
-                </a:lnTo>
-                <a:lnTo>
-                  <a:pt x="5394960" y="21851"/>
-                </a:lnTo>
-                <a:lnTo>
-                  <a:pt x="4365943" y="6858000"/>
-                </a:lnTo>
-                <a:lnTo>
-                  <a:pt x="0" y="6858000"/>
-                </a:lnTo>
-                <a:lnTo>
-                  <a:pt x="0" y="5666154"/>
-                </a:lnTo>
-                <a:close/>
-              </a:path>
-            </a:pathLst>
-          </a:custGeom>
-          <a:noFill/>
-          <a:extLst>
-            <a:ext uri="{909E8E84-426E-40DD-AFC4-6F175D3DCCD1}">
-              <a14:hiddenFill xmlns:a14="http://schemas.microsoft.com/office/drawing/2010/main">
-                <a:solidFill>
-                  <a:srgbClr val="FFFFFF"/>
-                </a:solidFill>
-              </a14:hiddenFill>
-            </a:ext>
-          </a:extLst>
-        </p:spPr>
-      </p:pic>
-      <p:sp>
-        <p:nvSpPr>
-          <p:cNvPr id="83" name="Isosceles Triangle 82">
-            <a:extLst>
-              <a:ext uri="{FF2B5EF4-FFF2-40B4-BE49-F238E27FC236}">
-                <a16:creationId xmlns:a16="http://schemas.microsoft.com/office/drawing/2014/main" id="{3BCB5F6A-9EB0-40B0-9D13-3023E9A20508}"/>
-              </a:ext>
-              <a:ext uri="{C183D7F6-B498-43B3-948B-1728B52AA6E4}">
-                <adec:decorative xmlns:adec="http://schemas.microsoft.com/office/drawing/2017/decorative" val="1"/>
-              </a:ext>
-            </a:extLst>
-          </p:cNvPr>
-          <p:cNvSpPr>
-            <a:spLocks noGrp="1" noRot="1" noChangeAspect="1" noMove="1" noResize="1" noEditPoints="1" noAdjustHandles="1" noChangeArrowheads="1" noChangeShapeType="1" noTextEdit="1"/>
-          </p:cNvSpPr>
-          <p:nvPr>
-            <p:extLst>
-              <p:ext uri="{386F3935-93C4-4BCD-93E2-E3B085C9AB24}">
-                <p16:designElem xmlns:p16="http://schemas.microsoft.com/office/powerpoint/2015/main" val="1"/>
-              </p:ext>
-            </p:extLst>
-          </p:nvPr>
-        </p:nvSpPr>
-        <p:spPr>
-          <a:xfrm rot="10800000">
-            <a:off x="0" y="0"/>
-            <a:ext cx="842596" cy="5666154"/>
-          </a:xfrm>
-          <a:prstGeom prst="triangle">
-            <a:avLst>
-              <a:gd name="adj" fmla="val 100000"/>
-            </a:avLst>
-          </a:prstGeom>
-          <a:solidFill>
-            <a:schemeClr val="accent1"/>
-          </a:solidFill>
-          <a:ln>
-            <a:noFill/>
-          </a:ln>
-          <a:effectLst/>
-        </p:spPr>
-        <p:style>
-          <a:lnRef idx="1">
-            <a:schemeClr val="accent1"/>
-          </a:lnRef>
-          <a:fillRef idx="3">
-            <a:schemeClr val="accent1"/>
-          </a:fillRef>
-          <a:effectRef idx="2">
-            <a:schemeClr val="accent1"/>
-          </a:effectRef>
-          <a:fontRef idx="minor">
-            <a:schemeClr val="lt1"/>
-          </a:fontRef>
-        </p:style>
-      </p:sp>
-    </p:spTree>
-    <p:extLst>
-      <p:ext uri="{BB962C8B-B14F-4D97-AF65-F5344CB8AC3E}">
-        <p14:creationId xmlns:p14="http://schemas.microsoft.com/office/powerpoint/2010/main" val="717377500"/>
-      </p:ext>
-    </p:extLst>
-  </p:cSld>
-  <p:clrMapOvr>
-    <a:overrideClrMapping bg1="dk1" tx1="lt1" bg2="dk2" tx2="lt2" accent1="accent1" accent2="accent2" accent3="accent3" accent4="accent4" accent5="accent5" accent6="accent6" hlink="hlink" folHlink="folHlink"/>
-  </p:clrMapOvr>
-</p:sld>
-</file>
-
-<file path=ppt/slides/slide2.xml><?xml version="1.0" encoding="utf-8"?>
-<p:sld xmlns:a="http://schemas.openxmlformats.org/drawingml/2006/main" xmlns:r="http://schemas.openxmlformats.org/officeDocument/2006/relationships" xmlns:p="http://schemas.openxmlformats.org/presentationml/2006/main">
-  <p:cSld>
-    <p:spTree>
-      <p:nvGrpSpPr>
-        <p:cNvPr id="1" name=""/>
-        <p:cNvGrpSpPr/>
-        <p:nvPr/>
-      </p:nvGrpSpPr>
-      <p:grpSpPr>
-        <a:xfrm>
-          <a:off x="0" y="0"/>
-          <a:ext cx="0" cy="0"/>
-          <a:chOff x="0" y="0"/>
-          <a:chExt cx="0" cy="0"/>
-        </a:xfrm>
-      </p:grpSpPr>
-      <p:pic>
-        <p:nvPicPr>
-          <p:cNvPr id="5" name="Picture 4">
-            <a:extLst>
-              <a:ext uri="{FF2B5EF4-FFF2-40B4-BE49-F238E27FC236}">
-                <a16:creationId xmlns:a16="http://schemas.microsoft.com/office/drawing/2014/main" id="{1DAB94B4-442E-41D7-B730-2434C6C9E5EC}"/>
-              </a:ext>
-            </a:extLst>
-          </p:cNvPr>
-          <p:cNvPicPr>
-            <a:picLocks noChangeAspect="1"/>
-          </p:cNvPicPr>
-          <p:nvPr/>
-        </p:nvPicPr>
-        <p:blipFill>
-          <a:blip r:embed="rId2">
-            <a:extLst>
-              <a:ext uri="{28A0092B-C50C-407E-A947-70E740481C1C}">
-                <a14:useLocalDpi xmlns:a14="http://schemas.microsoft.com/office/drawing/2010/main" val="0"/>
-              </a:ext>
-            </a:extLst>
-          </a:blip>
-          <a:stretch>
-            <a:fillRect/>
-          </a:stretch>
-        </p:blipFill>
-        <p:spPr>
-          <a:xfrm>
-            <a:off x="250279" y="57523"/>
-            <a:ext cx="5964991" cy="2873686"/>
-          </a:xfrm>
-          <a:prstGeom prst="rect">
-            <a:avLst/>
-          </a:prstGeom>
-        </p:spPr>
-      </p:pic>
-      <p:sp>
-        <p:nvSpPr>
-          <p:cNvPr id="6" name="TextBox 5">
-            <a:extLst>
-              <a:ext uri="{FF2B5EF4-FFF2-40B4-BE49-F238E27FC236}">
-                <a16:creationId xmlns:a16="http://schemas.microsoft.com/office/drawing/2014/main" id="{93AB5F2C-0613-4ABF-92BC-C55856493303}"/>
-              </a:ext>
-            </a:extLst>
-          </p:cNvPr>
-          <p:cNvSpPr txBox="1"/>
-          <p:nvPr/>
-        </p:nvSpPr>
-        <p:spPr>
-          <a:xfrm>
-            <a:off x="5976730" y="162061"/>
-            <a:ext cx="5964991" cy="6370975"/>
-          </a:xfrm>
-          <a:prstGeom prst="rect">
-            <a:avLst/>
-          </a:prstGeom>
-          <a:solidFill>
-            <a:schemeClr val="bg1">
-              <a:lumMod val="85000"/>
-            </a:schemeClr>
-          </a:solidFill>
-        </p:spPr>
-        <p:txBody>
-          <a:bodyPr wrap="square" rtlCol="0">
-            <a:spAutoFit/>
-          </a:bodyPr>
-          <a:lstStyle/>
-          <a:p>
-            <a:r>
-              <a:rPr lang="en-US" sz="1200" b="1" dirty="0"/>
-              <a:t>The RECS survey data consisted of 500+ variables collected across housing characteristics, appliances used, fuel types, annual consumption and cost of consumption.</a:t>
-            </a:r>
-          </a:p>
-          <a:p>
-            <a:endParaRPr lang="en-US" sz="1200" b="1" dirty="0"/>
-          </a:p>
-          <a:p>
-            <a:r>
-              <a:rPr lang="en-US" sz="1200" b="1" dirty="0">
-                <a:highlight>
-                  <a:srgbClr val="FFFF00"/>
-                </a:highlight>
-              </a:rPr>
-              <a:t>Data Exploration</a:t>
-            </a:r>
-            <a:r>
-              <a:rPr lang="en-US" sz="1200" b="1" dirty="0"/>
-              <a:t> </a:t>
-            </a:r>
-            <a:r>
-              <a:rPr lang="en-US" sz="1200" dirty="0"/>
-              <a:t>of RECS data entailed</a:t>
-            </a:r>
-          </a:p>
-          <a:p>
-            <a:pPr marL="342900" indent="-342900">
-              <a:buAutoNum type="arabicPeriod"/>
-            </a:pPr>
-            <a:r>
-              <a:rPr lang="en-US" sz="1200" dirty="0"/>
-              <a:t>Identification &amp; classification of data features (e.g., categorical, numerical, independent / predictors and dependent / output variables)</a:t>
-            </a:r>
-          </a:p>
-          <a:p>
-            <a:pPr marL="342900" indent="-342900">
-              <a:buAutoNum type="arabicPeriod"/>
-            </a:pPr>
-            <a:r>
-              <a:rPr lang="en-US" sz="1200" dirty="0"/>
-              <a:t>Obtain Missing, duplicate and redundant values.</a:t>
-            </a:r>
-          </a:p>
-          <a:p>
-            <a:pPr marL="342900" indent="-342900">
-              <a:buAutoNum type="arabicPeriod"/>
-            </a:pPr>
-            <a:r>
-              <a:rPr lang="en-US" sz="1200" dirty="0"/>
-              <a:t>Understand distribution of data using violin plots</a:t>
-            </a:r>
-          </a:p>
-          <a:p>
-            <a:pPr marL="342900" indent="-342900">
-              <a:buAutoNum type="arabicPeriod"/>
-            </a:pPr>
-            <a:r>
-              <a:rPr lang="en-US" sz="1200" dirty="0"/>
-              <a:t>Early identification of correlation using spearman method</a:t>
-            </a:r>
-          </a:p>
-          <a:p>
-            <a:pPr marL="342900" indent="-342900">
-              <a:buAutoNum type="arabicPeriod"/>
-            </a:pPr>
-            <a:r>
-              <a:rPr lang="en-US" sz="1200" dirty="0"/>
-              <a:t>Possible data roll-ups to reduce predictor dimension</a:t>
-            </a:r>
-          </a:p>
-          <a:p>
-            <a:pPr marL="342900" indent="-342900">
-              <a:buAutoNum type="arabicPeriod"/>
-            </a:pPr>
-            <a:endParaRPr lang="en-US" sz="1200" dirty="0"/>
-          </a:p>
-          <a:p>
-            <a:r>
-              <a:rPr lang="en-US" sz="1200" dirty="0">
-                <a:highlight>
-                  <a:srgbClr val="FFFF00"/>
-                </a:highlight>
-              </a:rPr>
-              <a:t>Data Merging &amp; Transformation</a:t>
-            </a:r>
-            <a:r>
-              <a:rPr lang="en-US" sz="1200" dirty="0"/>
-              <a:t> focused on creating a combined dataset of all the years (2001, 2009 and 2015) with  all the required columns.</a:t>
-            </a:r>
-          </a:p>
-          <a:p>
-            <a:endParaRPr lang="en-US" sz="1200" dirty="0"/>
-          </a:p>
-          <a:p>
-            <a:r>
-              <a:rPr lang="en-US" sz="1200" dirty="0"/>
-              <a:t>Rules employed for transformation:</a:t>
-            </a:r>
-          </a:p>
-          <a:p>
-            <a:pPr marL="342900" indent="-342900">
-              <a:buAutoNum type="arabicPeriod"/>
-            </a:pPr>
-            <a:r>
-              <a:rPr lang="en-US" sz="1200" dirty="0"/>
-              <a:t>All columns starting with "Z" is dropped as they are only informational columns</a:t>
-            </a:r>
-          </a:p>
-          <a:p>
-            <a:pPr marL="342900" indent="-342900">
-              <a:buAutoNum type="arabicPeriod"/>
-            </a:pPr>
-            <a:r>
-              <a:rPr lang="en-US" sz="1200" dirty="0"/>
-              <a:t>Categorical values like </a:t>
-            </a:r>
-            <a:r>
-              <a:rPr lang="en-US" sz="1200" dirty="0" err="1"/>
-              <a:t>YearMade</a:t>
-            </a:r>
-            <a:r>
-              <a:rPr lang="en-US" sz="1200" dirty="0"/>
-              <a:t> were converted to same standards across years</a:t>
-            </a:r>
-          </a:p>
-          <a:p>
-            <a:pPr marL="342900" indent="-342900">
-              <a:buAutoNum type="arabicPeriod"/>
-            </a:pPr>
-            <a:r>
-              <a:rPr lang="en-US" sz="1200" dirty="0"/>
-              <a:t>1997 and 2005 years data dropped owing skewness and high number of missing predictors</a:t>
-            </a:r>
-          </a:p>
-          <a:p>
-            <a:pPr marL="342900" indent="-342900">
-              <a:buAutoNum type="arabicPeriod"/>
-            </a:pPr>
-            <a:r>
-              <a:rPr lang="en-US" sz="1200" dirty="0"/>
-              <a:t>Grouping of electronic appliances into 3 categories TVREL, PCOFFEQUIP, PHONE</a:t>
-            </a:r>
-          </a:p>
-          <a:p>
-            <a:pPr marL="342900" indent="-342900">
-              <a:buAutoNum type="arabicPeriod"/>
-            </a:pPr>
-            <a:r>
-              <a:rPr lang="en-US" sz="1200" dirty="0"/>
-              <a:t>Single unit (BTU) for energy consumption</a:t>
-            </a:r>
-          </a:p>
-          <a:p>
-            <a:pPr marL="342900" indent="-342900">
-              <a:buAutoNum type="arabicPeriod"/>
-            </a:pPr>
-            <a:r>
-              <a:rPr lang="en-US" sz="1200" dirty="0"/>
-              <a:t>Addition of new columns (e.g., Country) for visualization</a:t>
-            </a:r>
-          </a:p>
-          <a:p>
-            <a:pPr marL="342900" indent="-342900">
-              <a:buAutoNum type="arabicPeriod"/>
-            </a:pPr>
-            <a:r>
-              <a:rPr lang="en-US" sz="1200" dirty="0"/>
-              <a:t>New calculated fields esp. for TOTAL BTU and TOTAL DOLLAR</a:t>
-            </a:r>
-          </a:p>
-          <a:p>
-            <a:pPr marL="342900" indent="-342900">
-              <a:buAutoNum type="arabicPeriod"/>
-            </a:pPr>
-            <a:endParaRPr lang="en-US" sz="1200" dirty="0"/>
-          </a:p>
-          <a:p>
-            <a:r>
-              <a:rPr lang="en-US" sz="1200" dirty="0"/>
-              <a:t>MISSING VALUES TREATMENT : </a:t>
-            </a:r>
-          </a:p>
-          <a:p>
-            <a:pPr marL="285750" indent="-285750">
-              <a:buFontTx/>
-              <a:buChar char="-"/>
-            </a:pPr>
-            <a:r>
-              <a:rPr lang="en-US" sz="1200" dirty="0"/>
-              <a:t>Categorical values – Mode used to fill missing values</a:t>
-            </a:r>
-          </a:p>
-          <a:p>
-            <a:pPr marL="285750" indent="-285750">
-              <a:buFontTx/>
-              <a:buChar char="-"/>
-            </a:pPr>
-            <a:r>
-              <a:rPr lang="en-US" sz="1200" dirty="0"/>
-              <a:t>Numerical values – median used to fill missing values</a:t>
-            </a:r>
-          </a:p>
-          <a:p>
-            <a:endParaRPr lang="en-US" sz="1200" dirty="0"/>
-          </a:p>
-          <a:p>
-            <a:r>
-              <a:rPr lang="en-US" sz="1200" dirty="0"/>
-              <a:t>OUTLIER TREATMENT:</a:t>
-            </a:r>
-          </a:p>
-          <a:p>
-            <a:pPr marL="285750" indent="-285750">
-              <a:buFontTx/>
-              <a:buChar char="-"/>
-            </a:pPr>
-            <a:r>
-              <a:rPr lang="en-US" sz="1200" dirty="0"/>
-              <a:t>Using Box plots, outlier were identified and dropped for Total BTU (&gt; 210000) and Total Dollar (&gt; 4000) columns. </a:t>
-            </a:r>
-          </a:p>
-        </p:txBody>
-      </p:sp>
-      <p:pic>
-        <p:nvPicPr>
-          <p:cNvPr id="11" name="Picture 10">
-            <a:extLst>
-              <a:ext uri="{FF2B5EF4-FFF2-40B4-BE49-F238E27FC236}">
-                <a16:creationId xmlns:a16="http://schemas.microsoft.com/office/drawing/2014/main" id="{D09FC2A0-DF35-4C40-9D61-86AE89009AD2}"/>
-              </a:ext>
-            </a:extLst>
-          </p:cNvPr>
-          <p:cNvPicPr>
-            <a:picLocks noChangeAspect="1"/>
-          </p:cNvPicPr>
-          <p:nvPr/>
-        </p:nvPicPr>
-        <p:blipFill>
-          <a:blip r:embed="rId3"/>
-          <a:stretch>
-            <a:fillRect/>
-          </a:stretch>
-        </p:blipFill>
-        <p:spPr>
-          <a:xfrm>
-            <a:off x="229358" y="3190353"/>
-            <a:ext cx="5747372" cy="2873686"/>
-          </a:xfrm>
-          <a:prstGeom prst="rect">
-            <a:avLst/>
-          </a:prstGeom>
-        </p:spPr>
-      </p:pic>
-    </p:spTree>
-    <p:extLst>
-      <p:ext uri="{BB962C8B-B14F-4D97-AF65-F5344CB8AC3E}">
-        <p14:creationId xmlns:p14="http://schemas.microsoft.com/office/powerpoint/2010/main" val="3204843970"/>
-      </p:ext>
-    </p:extLst>
-  </p:cSld>
-  <p:clrMapOvr>
-    <a:masterClrMapping/>
-  </p:clrMapOvr>
-</p:sld>
-</file>
-
-<file path=ppt/slides/slide3.xml><?xml version="1.0" encoding="utf-8"?>
-<p:sld xmlns:a="http://schemas.openxmlformats.org/drawingml/2006/main" xmlns:r="http://schemas.openxmlformats.org/officeDocument/2006/relationships" xmlns:p="http://schemas.openxmlformats.org/presentationml/2006/main">
-  <p:cSld>
-    <p:spTree>
-      <p:nvGrpSpPr>
-        <p:cNvPr id="1" name=""/>
-        <p:cNvGrpSpPr/>
-        <p:nvPr/>
-      </p:nvGrpSpPr>
-      <p:grpSpPr>
-        <a:xfrm>
-          <a:off x="0" y="0"/>
-          <a:ext cx="0" cy="0"/>
-          <a:chOff x="0" y="0"/>
-          <a:chExt cx="0" cy="0"/>
-        </a:xfrm>
-      </p:grpSpPr>
-      <p:sp>
-        <p:nvSpPr>
-          <p:cNvPr id="2" name="Title 1">
-            <a:extLst>
-              <a:ext uri="{FF2B5EF4-FFF2-40B4-BE49-F238E27FC236}">
-                <a16:creationId xmlns:a16="http://schemas.microsoft.com/office/drawing/2014/main" id="{3CAD7160-D67E-4748-A815-B0FE9C388269}"/>
-              </a:ext>
-            </a:extLst>
-          </p:cNvPr>
-          <p:cNvSpPr>
-            <a:spLocks noGrp="1"/>
-          </p:cNvSpPr>
-          <p:nvPr>
-            <p:ph type="title"/>
-          </p:nvPr>
-        </p:nvSpPr>
-        <p:spPr>
-          <a:xfrm>
-            <a:off x="1127464" y="470517"/>
-            <a:ext cx="3116062" cy="435005"/>
-          </a:xfrm>
-        </p:spPr>
-        <p:txBody>
-          <a:bodyPr/>
-          <a:lstStyle/>
-          <a:p>
-            <a:r>
-              <a:rPr lang="en-US" dirty="0"/>
-              <a:t>Feature Selector </a:t>
-            </a:r>
-          </a:p>
-        </p:txBody>
-      </p:sp>
-      <p:pic>
-        <p:nvPicPr>
-          <p:cNvPr id="6" name="Content Placeholder 5">
-            <a:extLst>
-              <a:ext uri="{FF2B5EF4-FFF2-40B4-BE49-F238E27FC236}">
-                <a16:creationId xmlns:a16="http://schemas.microsoft.com/office/drawing/2014/main" id="{17023D77-B482-4B49-B5A9-F25757355299}"/>
-              </a:ext>
-            </a:extLst>
-          </p:cNvPr>
-          <p:cNvPicPr>
-            <a:picLocks noGrp="1" noChangeAspect="1"/>
-          </p:cNvPicPr>
-          <p:nvPr>
-            <p:ph idx="1"/>
-          </p:nvPr>
-        </p:nvPicPr>
-        <p:blipFill>
-          <a:blip r:embed="rId2">
-            <a:extLst>
-              <a:ext uri="{28A0092B-C50C-407E-A947-70E740481C1C}">
-                <a14:useLocalDpi xmlns:a14="http://schemas.microsoft.com/office/drawing/2010/main" val="0"/>
-              </a:ext>
-            </a:extLst>
-          </a:blip>
-          <a:stretch>
-            <a:fillRect/>
-          </a:stretch>
-        </p:blipFill>
-        <p:spPr>
-          <a:xfrm>
-            <a:off x="4580407" y="0"/>
-            <a:ext cx="4589533" cy="2707689"/>
-          </a:xfrm>
-        </p:spPr>
-      </p:pic>
-      <p:sp>
-        <p:nvSpPr>
-          <p:cNvPr id="4" name="Text Placeholder 3">
-            <a:extLst>
-              <a:ext uri="{FF2B5EF4-FFF2-40B4-BE49-F238E27FC236}">
-                <a16:creationId xmlns:a16="http://schemas.microsoft.com/office/drawing/2014/main" id="{29811666-DECA-4FA8-A52E-92102B594DEC}"/>
-              </a:ext>
-            </a:extLst>
-          </p:cNvPr>
-          <p:cNvSpPr>
-            <a:spLocks noGrp="1"/>
-          </p:cNvSpPr>
-          <p:nvPr>
-            <p:ph type="body" sz="half" idx="2"/>
-          </p:nvPr>
-        </p:nvSpPr>
-        <p:spPr>
-          <a:xfrm>
-            <a:off x="677336" y="1012055"/>
-            <a:ext cx="3770378" cy="2849731"/>
-          </a:xfrm>
-        </p:spPr>
-        <p:txBody>
-          <a:bodyPr>
-            <a:normAutofit fontScale="40000" lnSpcReduction="20000"/>
-          </a:bodyPr>
-          <a:lstStyle/>
-          <a:p>
-            <a:r>
-              <a:rPr lang="en-US" sz="2100" dirty="0"/>
-              <a:t>There are five methods used to identify features to remove:</a:t>
-            </a:r>
-          </a:p>
-          <a:p>
-            <a:r>
-              <a:rPr lang="en-US" sz="2100" dirty="0"/>
-              <a:t>Missing Values – Any feature with 60% of data missing is removed </a:t>
-            </a:r>
-          </a:p>
-          <a:p>
-            <a:r>
-              <a:rPr lang="en-US" sz="2100" dirty="0"/>
-              <a:t>Single Unique Values- Any constant Values across the dataset is removed.</a:t>
-            </a:r>
-          </a:p>
-          <a:p>
-            <a:r>
-              <a:rPr lang="en-US" sz="2100" dirty="0"/>
-              <a:t>Collinear Features-Identify features with 98% correlation.</a:t>
-            </a:r>
-          </a:p>
-          <a:p>
-            <a:r>
-              <a:rPr lang="en-US" sz="2100" dirty="0"/>
-              <a:t>Zero Importance Features – Identify zero importance features after one hot encoding.</a:t>
-            </a:r>
-          </a:p>
-          <a:p>
-            <a:r>
-              <a:rPr lang="en-US" sz="2100" dirty="0"/>
-              <a:t>Low Importance Features-Identify features with Low importance (i.e. where cumulative importance is below the threshold of 98 %)</a:t>
-            </a:r>
-          </a:p>
-          <a:p>
-            <a:endParaRPr lang="en-US" sz="2100" dirty="0"/>
-          </a:p>
-          <a:p>
-            <a:r>
-              <a:rPr lang="en-US" sz="2100" dirty="0"/>
-              <a:t>After transformation and merging  initial set of features to begin with was 194 and with feature selection, the number of features that were identified as having an impact to the pricing or BTU was determined to be 86</a:t>
-            </a:r>
-          </a:p>
-          <a:p>
-            <a:endParaRPr lang="en-US" sz="2100" dirty="0"/>
-          </a:p>
-          <a:p>
-            <a:br>
-              <a:rPr lang="en-US" dirty="0"/>
-            </a:br>
-            <a:endParaRPr lang="en-US" dirty="0"/>
-          </a:p>
-          <a:p>
-            <a:endParaRPr lang="en-US" dirty="0"/>
-          </a:p>
-          <a:p>
-            <a:endParaRPr lang="en-US" dirty="0"/>
-          </a:p>
-          <a:p>
-            <a:endParaRPr lang="en-US" dirty="0"/>
-          </a:p>
-          <a:p>
-            <a:endParaRPr lang="en-US" dirty="0"/>
-          </a:p>
-          <a:p>
-            <a:endParaRPr lang="en-US" dirty="0"/>
-          </a:p>
-        </p:txBody>
-      </p:sp>
-      <p:pic>
-        <p:nvPicPr>
-          <p:cNvPr id="8" name="Picture 7">
-            <a:extLst>
-              <a:ext uri="{FF2B5EF4-FFF2-40B4-BE49-F238E27FC236}">
-                <a16:creationId xmlns:a16="http://schemas.microsoft.com/office/drawing/2014/main" id="{CF3F796C-70B4-4A89-AF5C-A3F75C038782}"/>
-              </a:ext>
-            </a:extLst>
-          </p:cNvPr>
-          <p:cNvPicPr>
-            <a:picLocks noChangeAspect="1"/>
-          </p:cNvPicPr>
-          <p:nvPr/>
-        </p:nvPicPr>
-        <p:blipFill>
-          <a:blip r:embed="rId3">
-            <a:extLst>
-              <a:ext uri="{28A0092B-C50C-407E-A947-70E740481C1C}">
-                <a14:useLocalDpi xmlns:a14="http://schemas.microsoft.com/office/drawing/2010/main" val="0"/>
-              </a:ext>
-            </a:extLst>
-          </a:blip>
-          <a:stretch>
-            <a:fillRect/>
-          </a:stretch>
-        </p:blipFill>
-        <p:spPr>
-          <a:xfrm>
-            <a:off x="5202315" y="3172674"/>
-            <a:ext cx="4115133" cy="3086084"/>
-          </a:xfrm>
-          <a:prstGeom prst="rect">
-            <a:avLst/>
-          </a:prstGeom>
-        </p:spPr>
-      </p:pic>
-      <p:pic>
-        <p:nvPicPr>
-          <p:cNvPr id="10" name="Picture 9">
-            <a:extLst>
-              <a:ext uri="{FF2B5EF4-FFF2-40B4-BE49-F238E27FC236}">
-                <a16:creationId xmlns:a16="http://schemas.microsoft.com/office/drawing/2014/main" id="{F697EE75-49E4-49EA-A779-14CA01293DBB}"/>
-              </a:ext>
-            </a:extLst>
-          </p:cNvPr>
-          <p:cNvPicPr>
-            <a:picLocks noChangeAspect="1"/>
-          </p:cNvPicPr>
-          <p:nvPr/>
-        </p:nvPicPr>
-        <p:blipFill>
-          <a:blip r:embed="rId4">
-            <a:extLst>
-              <a:ext uri="{28A0092B-C50C-407E-A947-70E740481C1C}">
-                <a14:useLocalDpi xmlns:a14="http://schemas.microsoft.com/office/drawing/2010/main" val="0"/>
-              </a:ext>
-            </a:extLst>
-          </a:blip>
-          <a:stretch>
-            <a:fillRect/>
-          </a:stretch>
-        </p:blipFill>
-        <p:spPr>
-          <a:xfrm>
-            <a:off x="1127464" y="3223128"/>
-            <a:ext cx="3231472" cy="3506147"/>
-          </a:xfrm>
-          <a:prstGeom prst="rect">
-            <a:avLst/>
-          </a:prstGeom>
-        </p:spPr>
-      </p:pic>
-    </p:spTree>
-    <p:extLst>
-      <p:ext uri="{BB962C8B-B14F-4D97-AF65-F5344CB8AC3E}">
-        <p14:creationId xmlns:p14="http://schemas.microsoft.com/office/powerpoint/2010/main" val="707371002"/>
-      </p:ext>
-    </p:extLst>
-  </p:cSld>
-  <p:clrMapOvr>
-    <a:masterClrMapping/>
-  </p:clrMapOvr>
-</p:sld>
-</file>
-
-<file path=ppt/slides/slide4.xml><?xml version="1.0" encoding="utf-8"?>
-<p:sld xmlns:a="http://schemas.openxmlformats.org/drawingml/2006/main" xmlns:r="http://schemas.openxmlformats.org/officeDocument/2006/relationships" xmlns:p="http://schemas.openxmlformats.org/presentationml/2006/main">
-  <p:cSld>
-    <p:spTree>
-      <p:nvGrpSpPr>
-        <p:cNvPr id="1" name=""/>
-        <p:cNvGrpSpPr/>
-        <p:nvPr/>
-      </p:nvGrpSpPr>
-      <p:grpSpPr>
-        <a:xfrm>
-          <a:off x="0" y="0"/>
-          <a:ext cx="0" cy="0"/>
-          <a:chOff x="0" y="0"/>
-          <a:chExt cx="0" cy="0"/>
-        </a:xfrm>
-      </p:grpSpPr>
-      <p:sp>
-        <p:nvSpPr>
-          <p:cNvPr id="2" name="Title 1">
-            <a:extLst>
-              <a:ext uri="{FF2B5EF4-FFF2-40B4-BE49-F238E27FC236}">
-                <a16:creationId xmlns:a16="http://schemas.microsoft.com/office/drawing/2014/main" id="{E72A439A-A420-4006-A9A9-D5F2A157298C}"/>
-              </a:ext>
-            </a:extLst>
-          </p:cNvPr>
-          <p:cNvSpPr>
-            <a:spLocks noGrp="1"/>
-          </p:cNvSpPr>
-          <p:nvPr>
-            <p:ph type="title"/>
-          </p:nvPr>
-        </p:nvSpPr>
-        <p:spPr>
-          <a:xfrm>
-            <a:off x="791634" y="514924"/>
-            <a:ext cx="3854528" cy="590255"/>
-          </a:xfrm>
-        </p:spPr>
-        <p:txBody>
-          <a:bodyPr/>
-          <a:lstStyle/>
-          <a:p>
-            <a:r>
-              <a:rPr lang="en-US" dirty="0"/>
-              <a:t>PCA Breakdown</a:t>
-            </a:r>
-          </a:p>
-        </p:txBody>
-      </p:sp>
-      <p:pic>
-        <p:nvPicPr>
-          <p:cNvPr id="6" name="Content Placeholder 5" descr="A close up of a piece of paper&#10;&#10;Description automatically generated">
-            <a:extLst>
-              <a:ext uri="{FF2B5EF4-FFF2-40B4-BE49-F238E27FC236}">
-                <a16:creationId xmlns:a16="http://schemas.microsoft.com/office/drawing/2014/main" id="{DA2748A1-C400-44ED-932A-25EAA5898B14}"/>
-              </a:ext>
-            </a:extLst>
-          </p:cNvPr>
-          <p:cNvPicPr>
-            <a:picLocks noGrp="1" noChangeAspect="1"/>
-          </p:cNvPicPr>
-          <p:nvPr>
-            <p:ph idx="1"/>
-          </p:nvPr>
-        </p:nvPicPr>
-        <p:blipFill>
-          <a:blip r:embed="rId2">
-            <a:extLst>
-              <a:ext uri="{28A0092B-C50C-407E-A947-70E740481C1C}">
-                <a14:useLocalDpi xmlns:a14="http://schemas.microsoft.com/office/drawing/2010/main" val="0"/>
-              </a:ext>
-            </a:extLst>
-          </a:blip>
-          <a:stretch>
-            <a:fillRect/>
-          </a:stretch>
-        </p:blipFill>
-        <p:spPr>
-          <a:xfrm>
-            <a:off x="5052743" y="514924"/>
-            <a:ext cx="4513262" cy="3008841"/>
-          </a:xfrm>
-        </p:spPr>
-      </p:pic>
-      <p:sp>
-        <p:nvSpPr>
-          <p:cNvPr id="4" name="Text Placeholder 3">
-            <a:extLst>
-              <a:ext uri="{FF2B5EF4-FFF2-40B4-BE49-F238E27FC236}">
-                <a16:creationId xmlns:a16="http://schemas.microsoft.com/office/drawing/2014/main" id="{1E26E2DF-71FA-460C-A5EA-3311A1A81017}"/>
-              </a:ext>
-            </a:extLst>
-          </p:cNvPr>
-          <p:cNvSpPr>
-            <a:spLocks noGrp="1"/>
-          </p:cNvSpPr>
-          <p:nvPr>
-            <p:ph type="body" sz="half" idx="2"/>
-          </p:nvPr>
-        </p:nvSpPr>
-        <p:spPr>
-          <a:xfrm>
-            <a:off x="791634" y="1233495"/>
-            <a:ext cx="3854528" cy="2584449"/>
-          </a:xfrm>
-        </p:spPr>
-        <p:txBody>
-          <a:bodyPr>
-            <a:normAutofit fontScale="92500"/>
-          </a:bodyPr>
-          <a:lstStyle/>
-          <a:p>
-            <a:r>
-              <a:rPr lang="en-US" dirty="0"/>
-              <a:t>Principle Component Analysis (PCA) is a dimension-reduction tool. Plugging in the data from the combined set through PCA an elbow curve is created to show how many features can be used to predict model accuracy. Creating a scree plot of the results shows which components has a higher percentage of explained variance. The columns names from the RESC plot are represented as PC1, PC2, etc. A comparison can then be made between two components to further analyze the relationship between their data.</a:t>
-            </a:r>
-          </a:p>
-          <a:p>
-            <a:endParaRPr lang="en-US" dirty="0"/>
-          </a:p>
-        </p:txBody>
-      </p:sp>
-      <p:pic>
-        <p:nvPicPr>
-          <p:cNvPr id="10" name="Picture 9" descr="A screenshot of a cell phone&#10;&#10;Description automatically generated">
-            <a:extLst>
-              <a:ext uri="{FF2B5EF4-FFF2-40B4-BE49-F238E27FC236}">
-                <a16:creationId xmlns:a16="http://schemas.microsoft.com/office/drawing/2014/main" id="{5F65327E-882E-4DFD-84FA-CABC782C74DA}"/>
-              </a:ext>
-            </a:extLst>
-          </p:cNvPr>
-          <p:cNvPicPr>
-            <a:picLocks noChangeAspect="1"/>
-          </p:cNvPicPr>
-          <p:nvPr/>
-        </p:nvPicPr>
-        <p:blipFill>
-          <a:blip r:embed="rId3">
-            <a:extLst>
-              <a:ext uri="{28A0092B-C50C-407E-A947-70E740481C1C}">
-                <a14:useLocalDpi xmlns:a14="http://schemas.microsoft.com/office/drawing/2010/main" val="0"/>
-              </a:ext>
-            </a:extLst>
-          </a:blip>
-          <a:stretch>
-            <a:fillRect/>
-          </a:stretch>
-        </p:blipFill>
-        <p:spPr>
-          <a:xfrm>
-            <a:off x="5233422" y="3575141"/>
-            <a:ext cx="4151903" cy="2767935"/>
-          </a:xfrm>
-          <a:prstGeom prst="rect">
-            <a:avLst/>
-          </a:prstGeom>
-        </p:spPr>
-      </p:pic>
-      <p:pic>
-        <p:nvPicPr>
-          <p:cNvPr id="16" name="Picture 15">
-            <a:extLst>
-              <a:ext uri="{FF2B5EF4-FFF2-40B4-BE49-F238E27FC236}">
-                <a16:creationId xmlns:a16="http://schemas.microsoft.com/office/drawing/2014/main" id="{7BD21BBC-58AF-415F-86B3-4BFDA160EF28}"/>
-              </a:ext>
-            </a:extLst>
-          </p:cNvPr>
-          <p:cNvPicPr>
-            <a:picLocks noChangeAspect="1"/>
-          </p:cNvPicPr>
-          <p:nvPr/>
-        </p:nvPicPr>
-        <p:blipFill>
-          <a:blip r:embed="rId4">
-            <a:extLst>
-              <a:ext uri="{28A0092B-C50C-407E-A947-70E740481C1C}">
-                <a14:useLocalDpi xmlns:a14="http://schemas.microsoft.com/office/drawing/2010/main" val="0"/>
-              </a:ext>
-            </a:extLst>
-          </a:blip>
-          <a:stretch>
-            <a:fillRect/>
-          </a:stretch>
-        </p:blipFill>
-        <p:spPr>
-          <a:xfrm>
-            <a:off x="1295801" y="3774557"/>
-            <a:ext cx="3553652" cy="2369101"/>
-          </a:xfrm>
-          <a:prstGeom prst="rect">
-            <a:avLst/>
-          </a:prstGeom>
-        </p:spPr>
-      </p:pic>
-    </p:spTree>
-    <p:extLst>
-      <p:ext uri="{BB962C8B-B14F-4D97-AF65-F5344CB8AC3E}">
-        <p14:creationId xmlns:p14="http://schemas.microsoft.com/office/powerpoint/2010/main" val="2416016220"/>
-      </p:ext>
-    </p:extLst>
-  </p:cSld>
-  <p:clrMapOvr>
-    <a:masterClrMapping/>
-  </p:clrMapOvr>
-</p:sld>
-</file>
-
-<file path=ppt/slides/slide5.xml><?xml version="1.0" encoding="utf-8"?>
-<p:sld xmlns:a="http://schemas.openxmlformats.org/drawingml/2006/main" xmlns:r="http://schemas.openxmlformats.org/officeDocument/2006/relationships" xmlns:p="http://schemas.openxmlformats.org/presentationml/2006/main">
-  <p:cSld>
-    <p:spTree>
-      <p:nvGrpSpPr>
-        <p:cNvPr id="1" name=""/>
-        <p:cNvGrpSpPr/>
-        <p:nvPr/>
-      </p:nvGrpSpPr>
-      <p:grpSpPr>
-        <a:xfrm>
-          <a:off x="0" y="0"/>
-          <a:ext cx="0" cy="0"/>
-          <a:chOff x="0" y="0"/>
-          <a:chExt cx="0" cy="0"/>
-        </a:xfrm>
-      </p:grpSpPr>
       <p:sp>
         <p:nvSpPr>
           <p:cNvPr id="5" name="TextBox 4">
@@ -8342,7 +6586,7 @@
         <p:spPr>
           <a:xfrm>
             <a:off x="228601" y="188844"/>
-            <a:ext cx="10396329" cy="338554"/>
+            <a:ext cx="11587578" cy="307777"/>
           </a:xfrm>
           <a:prstGeom prst="rect">
             <a:avLst/>
@@ -8356,12 +6600,15 @@
           <a:lstStyle/>
           <a:p>
             <a:r>
-              <a:rPr lang="en-US" sz="1600" dirty="0" err="1"/>
-              <a:t>XGBoost</a:t>
-            </a:r>
-            <a:r>
-              <a:rPr lang="en-US" sz="1600" dirty="0"/>
-              <a:t> (“Extreme Gradient Boosting”) used as regressor for predicting Total BTU and Dollar</a:t>
+              <a:rPr lang="en-US" altLang="en-US" sz="1400" dirty="0">
+                <a:latin typeface="Arial" panose="020B0604020202020204" pitchFamily="34" charset="0"/>
+                <a:ea typeface="Times New Roman" panose="02020603050405020304" pitchFamily="18" charset="0"/>
+              </a:rPr>
+              <a:t>Random Forest method is used to classify the data into classes and predict the mean (regression) of the forest trees to predict </a:t>
+            </a:r>
+            <a:r>
+              <a:rPr lang="en-US" sz="1400" dirty="0"/>
+              <a:t>Total Dollar</a:t>
             </a:r>
           </a:p>
         </p:txBody>
@@ -8380,8 +6627,8 @@
         </p:nvSpPr>
         <p:spPr>
           <a:xfrm>
-            <a:off x="1232454" y="760599"/>
-            <a:ext cx="2166729" cy="892963"/>
+            <a:off x="627289" y="760599"/>
+            <a:ext cx="2720595" cy="950214"/>
           </a:xfrm>
           <a:custGeom>
             <a:avLst/>
@@ -8545,8 +6792,27 @@
                   <a:schemeClr val="tx1"/>
                 </a:solidFill>
               </a:rPr>
-              <a:t> – Creating a base XG boost model and predict Y. Obtain Root Mean Square Error (RMSE) and r2</a:t>
-            </a:r>
+              <a:t> – Creating a based Random Forest model and predict Y. </a:t>
+            </a:r>
+          </a:p>
+          <a:p>
+            <a:pPr marL="0" lvl="0" indent="0" algn="l" defTabSz="622300">
+              <a:lnSpc>
+                <a:spcPct val="90000"/>
+              </a:lnSpc>
+              <a:spcBef>
+                <a:spcPct val="0"/>
+              </a:spcBef>
+              <a:spcAft>
+                <a:spcPct val="35000"/>
+              </a:spcAft>
+              <a:buNone/>
+            </a:pPr>
+            <a:endParaRPr lang="en-US" sz="1200" kern="1200" dirty="0">
+              <a:solidFill>
+                <a:schemeClr val="tx1"/>
+              </a:solidFill>
+            </a:endParaRPr>
           </a:p>
         </p:txBody>
       </p:sp>
@@ -8564,8 +6830,8 @@
         </p:nvSpPr>
         <p:spPr>
           <a:xfrm>
-            <a:off x="3690318" y="760600"/>
-            <a:ext cx="2166729" cy="892983"/>
+            <a:off x="3939569" y="704898"/>
+            <a:ext cx="2651488" cy="875295"/>
           </a:xfrm>
           <a:custGeom>
             <a:avLst/>
@@ -8736,7 +7002,7 @@
                   <a:schemeClr val="tx1"/>
                 </a:solidFill>
               </a:rPr>
-              <a:t>GridsearchCV</a:t>
+              <a:t>RandomForestRegressor</a:t>
             </a:r>
             <a:r>
               <a:rPr lang="en-US" sz="1200" dirty="0">
@@ -8763,8 +7029,8 @@
         </p:nvSpPr>
         <p:spPr>
           <a:xfrm>
-            <a:off x="6148182" y="760579"/>
-            <a:ext cx="2166729" cy="892983"/>
+            <a:off x="7182465" y="779168"/>
+            <a:ext cx="2396182" cy="838160"/>
           </a:xfrm>
           <a:custGeom>
             <a:avLst/>
@@ -8902,7 +7168,7 @@
           </a:bodyPr>
           <a:lstStyle/>
           <a:p>
-            <a:pPr marL="0" lvl="0" indent="0" algn="l" defTabSz="622300">
+            <a:pPr lvl="0" defTabSz="622300">
               <a:lnSpc>
                 <a:spcPct val="90000"/>
               </a:lnSpc>
@@ -8912,7 +7178,6 @@
               <a:spcAft>
                 <a:spcPct val="35000"/>
               </a:spcAft>
-              <a:buNone/>
             </a:pPr>
             <a:r>
               <a:rPr lang="en-US" sz="1200" b="1" kern="1200" dirty="0">
@@ -8944,8 +7209,36 @@
                   <a:schemeClr val="tx1"/>
                 </a:solidFill>
               </a:rPr>
-              <a:t> models</a:t>
-            </a:r>
+              <a:t> </a:t>
+            </a:r>
+            <a:r>
+              <a:rPr lang="en-US" sz="1200" dirty="0">
+                <a:solidFill>
+                  <a:schemeClr val="tx1"/>
+                </a:solidFill>
+              </a:rPr>
+              <a:t>models</a:t>
+            </a:r>
+            <a:br>
+              <a:rPr lang="en-US" sz="1200" dirty="0">
+                <a:solidFill>
+                  <a:schemeClr val="tx1"/>
+                </a:solidFill>
+              </a:rPr>
+            </a:br>
+            <a:r>
+              <a:rPr lang="en-US" sz="1200" dirty="0">
+                <a:solidFill>
+                  <a:schemeClr val="tx1"/>
+                </a:solidFill>
+              </a:rPr>
+              <a:t>Obtain Root Mean Square Error (RMSE) and r2</a:t>
+            </a:r>
+            <a:endParaRPr lang="en-US" sz="1200" kern="1200" dirty="0">
+              <a:solidFill>
+                <a:schemeClr val="tx1"/>
+              </a:solidFill>
+            </a:endParaRPr>
           </a:p>
         </p:txBody>
       </p:sp>
@@ -8962,12 +7255,16 @@
             <a:graphicFrameLocks noGrp="1"/>
           </p:cNvGraphicFramePr>
           <p:nvPr>
-            <p:extLst/>
+            <p:extLst>
+              <p:ext uri="{D42A27DB-BD31-4B8C-83A1-F6EECF244321}">
+                <p14:modId xmlns:p14="http://schemas.microsoft.com/office/powerpoint/2010/main" val="2056851938"/>
+              </p:ext>
+            </p:extLst>
           </p:nvPr>
         </p:nvGraphicFramePr>
         <p:xfrm>
-          <a:off x="424073" y="1954504"/>
-          <a:ext cx="8252788" cy="1524186"/>
+          <a:off x="845333" y="4660491"/>
+          <a:ext cx="7988951" cy="1499533"/>
         </p:xfrm>
         <a:graphic>
           <a:graphicData uri="http://schemas.openxmlformats.org/drawingml/2006/table">
@@ -8976,43 +7273,43 @@
                 <a:tableStyleId>{3B4B98B0-60AC-42C2-AFA5-B58CD77FA1E5}</a:tableStyleId>
               </a:tblPr>
               <a:tblGrid>
-                <a:gridCol w="1373287">
+                <a:gridCol w="1253000">
                   <a:extLst>
                     <a:ext uri="{9D8B030D-6E8A-4147-A177-3AD203B41FA5}">
                       <a16:colId xmlns:a16="http://schemas.microsoft.com/office/drawing/2014/main" val="1628376606"/>
                     </a:ext>
                   </a:extLst>
                 </a:gridCol>
-                <a:gridCol w="1208153">
+                <a:gridCol w="1280784">
                   <a:extLst>
                     <a:ext uri="{9D8B030D-6E8A-4147-A177-3AD203B41FA5}">
                       <a16:colId xmlns:a16="http://schemas.microsoft.com/office/drawing/2014/main" val="3537171461"/>
                     </a:ext>
                   </a:extLst>
                 </a:gridCol>
-                <a:gridCol w="1864374">
+                <a:gridCol w="1659099">
                   <a:extLst>
                     <a:ext uri="{9D8B030D-6E8A-4147-A177-3AD203B41FA5}">
                       <a16:colId xmlns:a16="http://schemas.microsoft.com/office/drawing/2014/main" val="992476981"/>
                     </a:ext>
                   </a:extLst>
                 </a:gridCol>
-                <a:gridCol w="1694885">
+                <a:gridCol w="1628851">
                   <a:extLst>
                     <a:ext uri="{9D8B030D-6E8A-4147-A177-3AD203B41FA5}">
                       <a16:colId xmlns:a16="http://schemas.microsoft.com/office/drawing/2014/main" val="2534363247"/>
                     </a:ext>
                   </a:extLst>
                 </a:gridCol>
-                <a:gridCol w="2112089">
+                <a:gridCol w="2167217">
                   <a:extLst>
                     <a:ext uri="{9D8B030D-6E8A-4147-A177-3AD203B41FA5}">
-                      <a16:colId xmlns:a16="http://schemas.microsoft.com/office/drawing/2014/main" val="1310188564"/>
+                      <a16:colId xmlns:a16="http://schemas.microsoft.com/office/drawing/2014/main" val="3569226311"/>
                     </a:ext>
                   </a:extLst>
                 </a:gridCol>
               </a:tblGrid>
-              <a:tr h="914512">
+              <a:tr h="674208">
                 <a:tc>
                   <a:txBody>
                     <a:bodyPr/>
@@ -9077,7 +7374,7 @@
                       </a:r>
                       <a:r>
                         <a:rPr lang="en-US" sz="1200" dirty="0"/>
-                        <a:t>)</a:t>
+                        <a:t>=25)</a:t>
                       </a:r>
                     </a:p>
                   </a:txBody>
@@ -9106,17 +7403,34 @@
                       </a:r>
                     </a:p>
                     <a:p>
+                      <a:pPr marL="0" marR="0" lvl="0" indent="0" algn="l" defTabSz="457200" rtl="0" eaLnBrk="1" fontAlgn="auto" latinLnBrk="0" hangingPunct="1">
+                        <a:lnSpc>
+                          <a:spcPct val="100000"/>
+                        </a:lnSpc>
+                        <a:spcBef>
+                          <a:spcPts val="0"/>
+                        </a:spcBef>
+                        <a:spcAft>
+                          <a:spcPts val="0"/>
+                        </a:spcAft>
+                        <a:buClrTx/>
+                        <a:buSzTx/>
+                        <a:buFontTx/>
+                        <a:buNone/>
+                        <a:tabLst/>
+                        <a:defRPr/>
+                      </a:pPr>
                       <a:r>
                         <a:rPr lang="en-US" sz="1200" dirty="0"/>
                         <a:t>(</a:t>
                       </a:r>
                       <a:r>
                         <a:rPr lang="en-US" sz="1200" dirty="0" err="1"/>
-                        <a:t>learning_rate</a:t>
+                        <a:t>n_estimators</a:t>
                       </a:r>
                       <a:r>
                         <a:rPr lang="en-US" sz="1200" dirty="0"/>
-                        <a:t> &amp; alpha)</a:t>
+                        <a:t>=50)</a:t>
                       </a:r>
                     </a:p>
                   </a:txBody>
@@ -9131,6 +7445,23 @@
                     <a:bodyPr/>
                     <a:lstStyle/>
                     <a:p>
+                      <a:pPr marL="0" marR="0" lvl="0" indent="0" algn="l" defTabSz="457200" rtl="0" eaLnBrk="1" fontAlgn="auto" latinLnBrk="0" hangingPunct="1">
+                        <a:lnSpc>
+                          <a:spcPct val="100000"/>
+                        </a:lnSpc>
+                        <a:spcBef>
+                          <a:spcPts val="0"/>
+                        </a:spcBef>
+                        <a:spcAft>
+                          <a:spcPts val="0"/>
+                        </a:spcAft>
+                        <a:buClrTx/>
+                        <a:buSzTx/>
+                        <a:buFontTx/>
+                        <a:buNone/>
+                        <a:tabLst/>
+                        <a:defRPr/>
+                      </a:pPr>
                       <a:r>
                         <a:rPr lang="en-US" sz="1200" dirty="0"/>
                         <a:t>Final Tuning (</a:t>
@@ -9141,16 +7472,36 @@
                       </a:r>
                       <a:r>
                         <a:rPr lang="en-US" sz="1200" dirty="0"/>
-                        <a:t> &amp; </a:t>
+                        <a:t>= 11, (</a:t>
                       </a:r>
                       <a:r>
                         <a:rPr lang="en-US" sz="1200" dirty="0" err="1"/>
-                        <a:t>min_child_weight</a:t>
+                        <a:t>n_estimators</a:t>
                       </a:r>
                       <a:r>
                         <a:rPr lang="en-US" sz="1200" dirty="0"/>
-                        <a:t>)</a:t>
+                        <a:t>=75)</a:t>
                       </a:r>
+                    </a:p>
+                    <a:p>
+                      <a:pPr marL="0" marR="0" lvl="0" indent="0" algn="l" defTabSz="457200" rtl="0" eaLnBrk="1" fontAlgn="auto" latinLnBrk="0" hangingPunct="1">
+                        <a:lnSpc>
+                          <a:spcPct val="100000"/>
+                        </a:lnSpc>
+                        <a:spcBef>
+                          <a:spcPts val="0"/>
+                        </a:spcBef>
+                        <a:spcAft>
+                          <a:spcPts val="0"/>
+                        </a:spcAft>
+                        <a:buClrTx/>
+                        <a:buSzTx/>
+                        <a:buFontTx/>
+                        <a:buNone/>
+                        <a:tabLst/>
+                        <a:defRPr/>
+                      </a:pPr>
+                      <a:endParaRPr lang="en-US" sz="1200" dirty="0"/>
                     </a:p>
                   </a:txBody>
                   <a:tcPr>
@@ -9165,7 +7516,7 @@
                   </a:ext>
                 </a:extLst>
               </a:tr>
-              <a:tr h="304837">
+              <a:tr h="264374">
                 <a:tc>
                   <a:txBody>
                     <a:bodyPr/>
@@ -9186,7 +7537,7 @@
                     <a:p>
                       <a:r>
                         <a:rPr lang="en-US" sz="1200" dirty="0"/>
-                        <a:t>578.14</a:t>
+                        <a:t>332.25</a:t>
                       </a:r>
                     </a:p>
                   </a:txBody>
@@ -9199,7 +7550,7 @@
                     <a:p>
                       <a:r>
                         <a:rPr lang="en-US" sz="1200" dirty="0"/>
-                        <a:t>478.54</a:t>
+                        <a:t>338.02</a:t>
                       </a:r>
                     </a:p>
                   </a:txBody>
@@ -9212,7 +7563,7 @@
                     <a:p>
                       <a:r>
                         <a:rPr lang="en-US" sz="1200" dirty="0"/>
-                        <a:t>464.93</a:t>
+                        <a:t>335.61</a:t>
                       </a:r>
                     </a:p>
                   </a:txBody>
@@ -9225,7 +7576,7 @@
                     <a:p>
                       <a:r>
                         <a:rPr lang="en-US" sz="1200" dirty="0"/>
-                        <a:t>459.51</a:t>
+                        <a:t>334.20</a:t>
                       </a:r>
                     </a:p>
                   </a:txBody>
@@ -9237,7 +7588,7 @@
                   </a:ext>
                 </a:extLst>
               </a:tr>
-              <a:tr h="304837">
+              <a:tr h="551005">
                 <a:tc>
                   <a:txBody>
                     <a:bodyPr/>
@@ -9262,7 +7613,33 @@
                     <a:p>
                       <a:r>
                         <a:rPr lang="en-US" sz="1200" dirty="0"/>
-                        <a:t>74.3%</a:t>
+                        <a:t>82.59%</a:t>
+                      </a:r>
+                    </a:p>
+                  </a:txBody>
+                  <a:tcPr/>
+                </a:tc>
+                <a:tc>
+                  <a:txBody>
+                    <a:bodyPr/>
+                    <a:lstStyle/>
+                    <a:p>
+                      <a:r>
+                        <a:rPr lang="en-US" sz="1200" dirty="0"/>
+                        <a:t>81.98%</a:t>
+                      </a:r>
+                    </a:p>
+                  </a:txBody>
+                  <a:tcPr/>
+                </a:tc>
+                <a:tc>
+                  <a:txBody>
+                    <a:bodyPr/>
+                    <a:lstStyle/>
+                    <a:p>
+                      <a:r>
+                        <a:rPr lang="en-US" sz="1200" dirty="0"/>
+                        <a:t>82.24%</a:t>
                       </a:r>
                     </a:p>
                   </a:txBody>
@@ -9281,32 +7658,6 @@
                   </a:txBody>
                   <a:tcPr/>
                 </a:tc>
-                <a:tc>
-                  <a:txBody>
-                    <a:bodyPr/>
-                    <a:lstStyle/>
-                    <a:p>
-                      <a:r>
-                        <a:rPr lang="en-US" sz="1200" dirty="0"/>
-                        <a:t>83.38%</a:t>
-                      </a:r>
-                    </a:p>
-                  </a:txBody>
-                  <a:tcPr/>
-                </a:tc>
-                <a:tc>
-                  <a:txBody>
-                    <a:bodyPr/>
-                    <a:lstStyle/>
-                    <a:p>
-                      <a:r>
-                        <a:rPr lang="en-US" sz="1200" dirty="0"/>
-                        <a:t>83.77%</a:t>
-                      </a:r>
-                    </a:p>
-                  </a:txBody>
-                  <a:tcPr/>
-                </a:tc>
                 <a:extLst>
                   <a:ext uri="{0D108BD9-81ED-4DB2-BD59-A6C34878D82A}">
                     <a16:rowId xmlns:a16="http://schemas.microsoft.com/office/drawing/2014/main" val="3998100381"/>
@@ -9317,36 +7668,6 @@
           </a:graphicData>
         </a:graphic>
       </p:graphicFrame>
-      <p:pic>
-        <p:nvPicPr>
-          <p:cNvPr id="38" name="Picture 37">
-            <a:extLst>
-              <a:ext uri="{FF2B5EF4-FFF2-40B4-BE49-F238E27FC236}">
-                <a16:creationId xmlns:a16="http://schemas.microsoft.com/office/drawing/2014/main" id="{D5AEE1DA-1612-4DBF-AFB3-A2570531A161}"/>
-              </a:ext>
-            </a:extLst>
-          </p:cNvPr>
-          <p:cNvPicPr>
-            <a:picLocks noChangeAspect="1"/>
-          </p:cNvPicPr>
-          <p:nvPr/>
-        </p:nvPicPr>
-        <p:blipFill>
-          <a:blip r:embed="rId2"/>
-          <a:stretch>
-            <a:fillRect/>
-          </a:stretch>
-        </p:blipFill>
-        <p:spPr>
-          <a:xfrm>
-            <a:off x="2307538" y="3693286"/>
-            <a:ext cx="4774717" cy="2975870"/>
-          </a:xfrm>
-          <a:prstGeom prst="rect">
-            <a:avLst/>
-          </a:prstGeom>
-        </p:spPr>
-      </p:pic>
       <p:sp>
         <p:nvSpPr>
           <p:cNvPr id="40" name="Arrow: Right 39">
@@ -9361,8 +7682,8 @@
         </p:nvSpPr>
         <p:spPr>
           <a:xfrm>
-            <a:off x="3399183" y="1093302"/>
-            <a:ext cx="291135" cy="168965"/>
+            <a:off x="3378860" y="1093302"/>
+            <a:ext cx="460626" cy="168965"/>
           </a:xfrm>
           <a:prstGeom prst="rightArrow">
             <a:avLst/>
@@ -9407,8 +7728,8 @@
         </p:nvSpPr>
         <p:spPr>
           <a:xfrm>
-            <a:off x="5857047" y="1093302"/>
-            <a:ext cx="291135" cy="168965"/>
+            <a:off x="6691140" y="1093302"/>
+            <a:ext cx="391242" cy="168965"/>
           </a:xfrm>
           <a:prstGeom prst="rightArrow">
             <a:avLst/>
@@ -9439,84 +7760,12 @@
           </a:p>
         </p:txBody>
       </p:sp>
-    </p:spTree>
-    <p:extLst>
-      <p:ext uri="{BB962C8B-B14F-4D97-AF65-F5344CB8AC3E}">
-        <p14:creationId xmlns:p14="http://schemas.microsoft.com/office/powerpoint/2010/main" val="2109592833"/>
-      </p:ext>
-    </p:extLst>
-  </p:cSld>
-  <p:clrMapOvr>
-    <a:masterClrMapping/>
-  </p:clrMapOvr>
-</p:sld>
-</file>
-
-<file path=ppt/slides/slide6.xml><?xml version="1.0" encoding="utf-8"?>
-<p:sld xmlns:a="http://schemas.openxmlformats.org/drawingml/2006/main" xmlns:r="http://schemas.openxmlformats.org/officeDocument/2006/relationships" xmlns:p="http://schemas.openxmlformats.org/presentationml/2006/main">
-  <p:cSld>
-    <p:spTree>
-      <p:nvGrpSpPr>
-        <p:cNvPr id="1" name=""/>
-        <p:cNvGrpSpPr/>
-        <p:nvPr/>
-      </p:nvGrpSpPr>
-      <p:grpSpPr>
-        <a:xfrm>
-          <a:off x="0" y="0"/>
-          <a:ext cx="0" cy="0"/>
-          <a:chOff x="0" y="0"/>
-          <a:chExt cx="0" cy="0"/>
-        </a:xfrm>
-      </p:grpSpPr>
-      <p:sp>
-        <p:nvSpPr>
-          <p:cNvPr id="5" name="TextBox 4">
+      <p:sp>
+        <p:nvSpPr>
+          <p:cNvPr id="4" name="Rectangle: Rounded Corners 3">
             <a:extLst>
               <a:ext uri="{FF2B5EF4-FFF2-40B4-BE49-F238E27FC236}">
-                <a16:creationId xmlns:a16="http://schemas.microsoft.com/office/drawing/2014/main" id="{E618A879-07CD-4346-87B2-78C6583069E6}"/>
-              </a:ext>
-            </a:extLst>
-          </p:cNvPr>
-          <p:cNvSpPr txBox="1"/>
-          <p:nvPr/>
-        </p:nvSpPr>
-        <p:spPr>
-          <a:xfrm>
-            <a:off x="228601" y="188844"/>
-            <a:ext cx="11587578" cy="523220"/>
-          </a:xfrm>
-          <a:prstGeom prst="rect">
-            <a:avLst/>
-          </a:prstGeom>
-          <a:noFill/>
-        </p:spPr>
-        <p:txBody>
-          <a:bodyPr wrap="square" rtlCol="0">
-            <a:spAutoFit/>
-          </a:bodyPr>
-          <a:lstStyle/>
-          <a:p>
-            <a:r>
-              <a:rPr lang="en-US" altLang="en-US" sz="1400" dirty="0">
-                <a:latin typeface="Arial" panose="020B0604020202020204" pitchFamily="34" charset="0"/>
-                <a:ea typeface="Times New Roman" panose="02020603050405020304" pitchFamily="18" charset="0"/>
-              </a:rPr>
-              <a:t>Random Forest method is used to classify the data into classes and predict the mean (regression) of the forest trees to predict </a:t>
-            </a:r>
-            <a:r>
-              <a:rPr lang="en-US" sz="1400" dirty="0"/>
-              <a:t>Total BTU and Dollar</a:t>
-            </a:r>
-          </a:p>
-        </p:txBody>
-      </p:sp>
-      <p:sp>
-        <p:nvSpPr>
-          <p:cNvPr id="27" name="Freeform: Shape 26">
-            <a:extLst>
-              <a:ext uri="{FF2B5EF4-FFF2-40B4-BE49-F238E27FC236}">
-                <a16:creationId xmlns:a16="http://schemas.microsoft.com/office/drawing/2014/main" id="{08A6CB71-224C-4627-9A69-EB399C26D260}"/>
+                <a16:creationId xmlns:a16="http://schemas.microsoft.com/office/drawing/2014/main" id="{170E2CEB-9055-4386-8EA4-98BD48E69572}"/>
               </a:ext>
             </a:extLst>
           </p:cNvPr>
@@ -9524,346 +7773,34 @@
           <p:nvPr/>
         </p:nvSpPr>
         <p:spPr>
-          <a:xfrm>
-            <a:off x="845333" y="760599"/>
-            <a:ext cx="2433443" cy="979309"/>
+          <a:xfrm flipH="1">
+            <a:off x="913929" y="2215669"/>
+            <a:ext cx="2299531" cy="469916"/>
           </a:xfrm>
-          <a:custGeom>
+          <a:prstGeom prst="roundRect">
             <a:avLst/>
-            <a:gdLst>
-              <a:gd name="connsiteX0" fmla="*/ 0 w 2357070"/>
-              <a:gd name="connsiteY0" fmla="*/ 275034 h 1649872"/>
-              <a:gd name="connsiteX1" fmla="*/ 275034 w 2357070"/>
-              <a:gd name="connsiteY1" fmla="*/ 0 h 1649872"/>
-              <a:gd name="connsiteX2" fmla="*/ 2082036 w 2357070"/>
-              <a:gd name="connsiteY2" fmla="*/ 0 h 1649872"/>
-              <a:gd name="connsiteX3" fmla="*/ 2357070 w 2357070"/>
-              <a:gd name="connsiteY3" fmla="*/ 275034 h 1649872"/>
-              <a:gd name="connsiteX4" fmla="*/ 2357070 w 2357070"/>
-              <a:gd name="connsiteY4" fmla="*/ 1374838 h 1649872"/>
-              <a:gd name="connsiteX5" fmla="*/ 2082036 w 2357070"/>
-              <a:gd name="connsiteY5" fmla="*/ 1649872 h 1649872"/>
-              <a:gd name="connsiteX6" fmla="*/ 275034 w 2357070"/>
-              <a:gd name="connsiteY6" fmla="*/ 1649872 h 1649872"/>
-              <a:gd name="connsiteX7" fmla="*/ 0 w 2357070"/>
-              <a:gd name="connsiteY7" fmla="*/ 1374838 h 1649872"/>
-              <a:gd name="connsiteX8" fmla="*/ 0 w 2357070"/>
-              <a:gd name="connsiteY8" fmla="*/ 275034 h 1649872"/>
-            </a:gdLst>
-            <a:ahLst/>
-            <a:cxnLst>
-              <a:cxn ang="0">
-                <a:pos x="connsiteX0" y="connsiteY0"/>
-              </a:cxn>
-              <a:cxn ang="0">
-                <a:pos x="connsiteX1" y="connsiteY1"/>
-              </a:cxn>
-              <a:cxn ang="0">
-                <a:pos x="connsiteX2" y="connsiteY2"/>
-              </a:cxn>
-              <a:cxn ang="0">
-                <a:pos x="connsiteX3" y="connsiteY3"/>
-              </a:cxn>
-              <a:cxn ang="0">
-                <a:pos x="connsiteX4" y="connsiteY4"/>
-              </a:cxn>
-              <a:cxn ang="0">
-                <a:pos x="connsiteX5" y="connsiteY5"/>
-              </a:cxn>
-              <a:cxn ang="0">
-                <a:pos x="connsiteX6" y="connsiteY6"/>
-              </a:cxn>
-              <a:cxn ang="0">
-                <a:pos x="connsiteX7" y="connsiteY7"/>
-              </a:cxn>
-              <a:cxn ang="0">
-                <a:pos x="connsiteX8" y="connsiteY8"/>
-              </a:cxn>
-            </a:cxnLst>
-            <a:rect l="l" t="t" r="r" b="b"/>
-            <a:pathLst>
-              <a:path w="2357070" h="1649872">
-                <a:moveTo>
-                  <a:pt x="0" y="275034"/>
-                </a:moveTo>
-                <a:cubicBezTo>
-                  <a:pt x="0" y="123137"/>
-                  <a:pt x="123137" y="0"/>
-                  <a:pt x="275034" y="0"/>
-                </a:cubicBezTo>
-                <a:lnTo>
-                  <a:pt x="2082036" y="0"/>
-                </a:lnTo>
-                <a:cubicBezTo>
-                  <a:pt x="2233933" y="0"/>
-                  <a:pt x="2357070" y="123137"/>
-                  <a:pt x="2357070" y="275034"/>
-                </a:cubicBezTo>
-                <a:lnTo>
-                  <a:pt x="2357070" y="1374838"/>
-                </a:lnTo>
-                <a:cubicBezTo>
-                  <a:pt x="2357070" y="1526735"/>
-                  <a:pt x="2233933" y="1649872"/>
-                  <a:pt x="2082036" y="1649872"/>
-                </a:cubicBezTo>
-                <a:lnTo>
-                  <a:pt x="275034" y="1649872"/>
-                </a:lnTo>
-                <a:cubicBezTo>
-                  <a:pt x="123137" y="1649872"/>
-                  <a:pt x="0" y="1526735"/>
-                  <a:pt x="0" y="1374838"/>
-                </a:cubicBezTo>
-                <a:lnTo>
-                  <a:pt x="0" y="275034"/>
-                </a:lnTo>
-                <a:close/>
-              </a:path>
-            </a:pathLst>
-          </a:custGeom>
+          </a:prstGeom>
           <a:noFill/>
-          <a:ln>
-            <a:solidFill>
-              <a:schemeClr val="accent1"/>
-            </a:solidFill>
-          </a:ln>
         </p:spPr>
         <p:style>
           <a:lnRef idx="2">
-            <a:schemeClr val="lt1">
-              <a:hueOff val="0"/>
-              <a:satOff val="0"/>
-              <a:lumOff val="0"/>
-              <a:alphaOff val="0"/>
+            <a:schemeClr val="accent1">
+              <a:shade val="50000"/>
             </a:schemeClr>
           </a:lnRef>
           <a:fillRef idx="1">
-            <a:schemeClr val="accent1">
-              <a:hueOff val="0"/>
-              <a:satOff val="0"/>
-              <a:lumOff val="0"/>
-              <a:alphaOff val="0"/>
-            </a:schemeClr>
+            <a:schemeClr val="accent1"/>
           </a:fillRef>
           <a:effectRef idx="0">
-            <a:schemeClr val="accent1">
-              <a:hueOff val="0"/>
-              <a:satOff val="0"/>
-              <a:lumOff val="0"/>
-              <a:alphaOff val="0"/>
-            </a:schemeClr>
+            <a:schemeClr val="accent1"/>
           </a:effectRef>
           <a:fontRef idx="minor">
             <a:schemeClr val="lt1"/>
           </a:fontRef>
         </p:style>
         <p:txBody>
-          <a:bodyPr spcFirstLastPara="0" vert="horz" wrap="square" lIns="133895" tIns="133895" rIns="133895" bIns="133895" numCol="1" spcCol="1270" anchor="ctr" anchorCtr="0">
-            <a:noAutofit/>
-          </a:bodyPr>
-          <a:lstStyle/>
-          <a:p>
-            <a:pPr marL="0" lvl="0" indent="0" algn="l" defTabSz="622300">
-              <a:lnSpc>
-                <a:spcPct val="90000"/>
-              </a:lnSpc>
-              <a:spcBef>
-                <a:spcPct val="0"/>
-              </a:spcBef>
-              <a:spcAft>
-                <a:spcPct val="35000"/>
-              </a:spcAft>
-              <a:buNone/>
-            </a:pPr>
-            <a:r>
-              <a:rPr lang="en-US" sz="1200" b="1" kern="1200" dirty="0">
-                <a:solidFill>
-                  <a:schemeClr val="tx1"/>
-                </a:solidFill>
-              </a:rPr>
-              <a:t>Step 1</a:t>
-            </a:r>
-            <a:r>
-              <a:rPr lang="en-US" sz="1200" kern="1200" dirty="0">
-                <a:solidFill>
-                  <a:schemeClr val="tx1"/>
-                </a:solidFill>
-              </a:rPr>
-              <a:t> – Creating a based Random Forest model and predict Y. </a:t>
-            </a:r>
-          </a:p>
-          <a:p>
-            <a:pPr marL="0" lvl="0" indent="0" algn="l" defTabSz="622300">
-              <a:lnSpc>
-                <a:spcPct val="90000"/>
-              </a:lnSpc>
-              <a:spcBef>
-                <a:spcPct val="0"/>
-              </a:spcBef>
-              <a:spcAft>
-                <a:spcPct val="35000"/>
-              </a:spcAft>
-              <a:buNone/>
-            </a:pPr>
-            <a:endParaRPr lang="en-US" sz="1200" kern="1200" dirty="0">
-              <a:solidFill>
-                <a:schemeClr val="tx1"/>
-              </a:solidFill>
-            </a:endParaRPr>
-          </a:p>
-        </p:txBody>
-      </p:sp>
-      <p:sp>
-        <p:nvSpPr>
-          <p:cNvPr id="29" name="Freeform: Shape 28">
-            <a:extLst>
-              <a:ext uri="{FF2B5EF4-FFF2-40B4-BE49-F238E27FC236}">
-                <a16:creationId xmlns:a16="http://schemas.microsoft.com/office/drawing/2014/main" id="{CC082855-0F08-43EA-B263-25A0DB88F36C}"/>
-              </a:ext>
-            </a:extLst>
-          </p:cNvPr>
-          <p:cNvSpPr/>
-          <p:nvPr/>
-        </p:nvSpPr>
-        <p:spPr>
-          <a:xfrm>
-            <a:off x="3690318" y="760600"/>
-            <a:ext cx="2493310" cy="892983"/>
-          </a:xfrm>
-          <a:custGeom>
-            <a:avLst/>
-            <a:gdLst>
-              <a:gd name="connsiteX0" fmla="*/ 0 w 2357070"/>
-              <a:gd name="connsiteY0" fmla="*/ 275034 h 1649872"/>
-              <a:gd name="connsiteX1" fmla="*/ 275034 w 2357070"/>
-              <a:gd name="connsiteY1" fmla="*/ 0 h 1649872"/>
-              <a:gd name="connsiteX2" fmla="*/ 2082036 w 2357070"/>
-              <a:gd name="connsiteY2" fmla="*/ 0 h 1649872"/>
-              <a:gd name="connsiteX3" fmla="*/ 2357070 w 2357070"/>
-              <a:gd name="connsiteY3" fmla="*/ 275034 h 1649872"/>
-              <a:gd name="connsiteX4" fmla="*/ 2357070 w 2357070"/>
-              <a:gd name="connsiteY4" fmla="*/ 1374838 h 1649872"/>
-              <a:gd name="connsiteX5" fmla="*/ 2082036 w 2357070"/>
-              <a:gd name="connsiteY5" fmla="*/ 1649872 h 1649872"/>
-              <a:gd name="connsiteX6" fmla="*/ 275034 w 2357070"/>
-              <a:gd name="connsiteY6" fmla="*/ 1649872 h 1649872"/>
-              <a:gd name="connsiteX7" fmla="*/ 0 w 2357070"/>
-              <a:gd name="connsiteY7" fmla="*/ 1374838 h 1649872"/>
-              <a:gd name="connsiteX8" fmla="*/ 0 w 2357070"/>
-              <a:gd name="connsiteY8" fmla="*/ 275034 h 1649872"/>
-            </a:gdLst>
-            <a:ahLst/>
-            <a:cxnLst>
-              <a:cxn ang="0">
-                <a:pos x="connsiteX0" y="connsiteY0"/>
-              </a:cxn>
-              <a:cxn ang="0">
-                <a:pos x="connsiteX1" y="connsiteY1"/>
-              </a:cxn>
-              <a:cxn ang="0">
-                <a:pos x="connsiteX2" y="connsiteY2"/>
-              </a:cxn>
-              <a:cxn ang="0">
-                <a:pos x="connsiteX3" y="connsiteY3"/>
-              </a:cxn>
-              <a:cxn ang="0">
-                <a:pos x="connsiteX4" y="connsiteY4"/>
-              </a:cxn>
-              <a:cxn ang="0">
-                <a:pos x="connsiteX5" y="connsiteY5"/>
-              </a:cxn>
-              <a:cxn ang="0">
-                <a:pos x="connsiteX6" y="connsiteY6"/>
-              </a:cxn>
-              <a:cxn ang="0">
-                <a:pos x="connsiteX7" y="connsiteY7"/>
-              </a:cxn>
-              <a:cxn ang="0">
-                <a:pos x="connsiteX8" y="connsiteY8"/>
-              </a:cxn>
-            </a:cxnLst>
-            <a:rect l="l" t="t" r="r" b="b"/>
-            <a:pathLst>
-              <a:path w="2357070" h="1649872">
-                <a:moveTo>
-                  <a:pt x="0" y="275034"/>
-                </a:moveTo>
-                <a:cubicBezTo>
-                  <a:pt x="0" y="123137"/>
-                  <a:pt x="123137" y="0"/>
-                  <a:pt x="275034" y="0"/>
-                </a:cubicBezTo>
-                <a:lnTo>
-                  <a:pt x="2082036" y="0"/>
-                </a:lnTo>
-                <a:cubicBezTo>
-                  <a:pt x="2233933" y="0"/>
-                  <a:pt x="2357070" y="123137"/>
-                  <a:pt x="2357070" y="275034"/>
-                </a:cubicBezTo>
-                <a:lnTo>
-                  <a:pt x="2357070" y="1374838"/>
-                </a:lnTo>
-                <a:cubicBezTo>
-                  <a:pt x="2357070" y="1526735"/>
-                  <a:pt x="2233933" y="1649872"/>
-                  <a:pt x="2082036" y="1649872"/>
-                </a:cubicBezTo>
-                <a:lnTo>
-                  <a:pt x="275034" y="1649872"/>
-                </a:lnTo>
-                <a:cubicBezTo>
-                  <a:pt x="123137" y="1649872"/>
-                  <a:pt x="0" y="1526735"/>
-                  <a:pt x="0" y="1374838"/>
-                </a:cubicBezTo>
-                <a:lnTo>
-                  <a:pt x="0" y="275034"/>
-                </a:lnTo>
-                <a:close/>
-              </a:path>
-            </a:pathLst>
-          </a:custGeom>
-          <a:noFill/>
-          <a:ln>
-            <a:solidFill>
-              <a:schemeClr val="accent1"/>
-            </a:solidFill>
-          </a:ln>
-        </p:spPr>
-        <p:style>
-          <a:lnRef idx="2">
-            <a:schemeClr val="lt1">
-              <a:hueOff val="0"/>
-              <a:satOff val="0"/>
-              <a:lumOff val="0"/>
-              <a:alphaOff val="0"/>
-            </a:schemeClr>
-          </a:lnRef>
-          <a:fillRef idx="1">
-            <a:schemeClr val="accent1">
-              <a:hueOff val="0"/>
-              <a:satOff val="0"/>
-              <a:lumOff val="0"/>
-              <a:alphaOff val="0"/>
-            </a:schemeClr>
-          </a:fillRef>
-          <a:effectRef idx="0">
-            <a:schemeClr val="accent1">
-              <a:hueOff val="0"/>
-              <a:satOff val="0"/>
-              <a:lumOff val="0"/>
-              <a:alphaOff val="0"/>
-            </a:schemeClr>
-          </a:effectRef>
-          <a:fontRef idx="minor">
-            <a:schemeClr val="lt1"/>
-          </a:fontRef>
-        </p:style>
-        <p:txBody>
-          <a:bodyPr spcFirstLastPara="0" vert="horz" wrap="square" lIns="133895" tIns="133895" rIns="133895" bIns="133895" numCol="1" spcCol="1270" anchor="ctr" anchorCtr="0">
-            <a:noAutofit/>
+          <a:bodyPr rtlCol="0" anchor="ctr">
+            <a:spAutoFit/>
           </a:bodyPr>
           <a:lstStyle/>
           <a:p>
@@ -9884,41 +7821,17 @@
                   <a:schemeClr val="tx1"/>
                 </a:solidFill>
               </a:rPr>
-              <a:t>Step2</a:t>
-            </a:r>
-            <a:r>
-              <a:rPr lang="en-US" sz="1200" dirty="0">
-                <a:solidFill>
-                  <a:schemeClr val="tx1"/>
-                </a:solidFill>
-              </a:rPr>
-              <a:t> – Fine Tune model using </a:t>
-            </a:r>
-            <a:r>
-              <a:rPr lang="en-US" sz="1200" dirty="0" err="1">
-                <a:solidFill>
-                  <a:schemeClr val="tx1"/>
-                </a:solidFill>
-              </a:rPr>
-              <a:t>RandomForestRegressor</a:t>
-            </a:r>
-            <a:r>
-              <a:rPr lang="en-US" sz="1200" dirty="0">
-                <a:solidFill>
-                  <a:schemeClr val="tx1"/>
-                </a:solidFill>
-              </a:rPr>
-              <a:t> to determine optimum hyper-parameters for the best r2 score</a:t>
-            </a:r>
-          </a:p>
-        </p:txBody>
-      </p:sp>
-      <p:sp>
-        <p:nvSpPr>
-          <p:cNvPr id="31" name="Freeform: Shape 30">
+              <a:t>Split into attributes and label sets </a:t>
+            </a:r>
+          </a:p>
+        </p:txBody>
+      </p:sp>
+      <p:sp>
+        <p:nvSpPr>
+          <p:cNvPr id="6" name="Arrow: Down 5">
             <a:extLst>
               <a:ext uri="{FF2B5EF4-FFF2-40B4-BE49-F238E27FC236}">
-                <a16:creationId xmlns:a16="http://schemas.microsoft.com/office/drawing/2014/main" id="{3F86357A-FC59-4E64-A550-D98A57AF9CF9}"/>
+                <a16:creationId xmlns:a16="http://schemas.microsoft.com/office/drawing/2014/main" id="{3E5FA513-6969-4CF2-954A-E45262EFEE1A}"/>
               </a:ext>
             </a:extLst>
           </p:cNvPr>
@@ -9927,609 +7840,10 @@
         </p:nvSpPr>
         <p:spPr>
           <a:xfrm>
-            <a:off x="6657633" y="778727"/>
-            <a:ext cx="2166729" cy="856728"/>
+            <a:off x="1952898" y="1805223"/>
+            <a:ext cx="254725" cy="364381"/>
           </a:xfrm>
-          <a:custGeom>
-            <a:avLst/>
-            <a:gdLst>
-              <a:gd name="connsiteX0" fmla="*/ 0 w 2357070"/>
-              <a:gd name="connsiteY0" fmla="*/ 275034 h 1649872"/>
-              <a:gd name="connsiteX1" fmla="*/ 275034 w 2357070"/>
-              <a:gd name="connsiteY1" fmla="*/ 0 h 1649872"/>
-              <a:gd name="connsiteX2" fmla="*/ 2082036 w 2357070"/>
-              <a:gd name="connsiteY2" fmla="*/ 0 h 1649872"/>
-              <a:gd name="connsiteX3" fmla="*/ 2357070 w 2357070"/>
-              <a:gd name="connsiteY3" fmla="*/ 275034 h 1649872"/>
-              <a:gd name="connsiteX4" fmla="*/ 2357070 w 2357070"/>
-              <a:gd name="connsiteY4" fmla="*/ 1374838 h 1649872"/>
-              <a:gd name="connsiteX5" fmla="*/ 2082036 w 2357070"/>
-              <a:gd name="connsiteY5" fmla="*/ 1649872 h 1649872"/>
-              <a:gd name="connsiteX6" fmla="*/ 275034 w 2357070"/>
-              <a:gd name="connsiteY6" fmla="*/ 1649872 h 1649872"/>
-              <a:gd name="connsiteX7" fmla="*/ 0 w 2357070"/>
-              <a:gd name="connsiteY7" fmla="*/ 1374838 h 1649872"/>
-              <a:gd name="connsiteX8" fmla="*/ 0 w 2357070"/>
-              <a:gd name="connsiteY8" fmla="*/ 275034 h 1649872"/>
-            </a:gdLst>
-            <a:ahLst/>
-            <a:cxnLst>
-              <a:cxn ang="0">
-                <a:pos x="connsiteX0" y="connsiteY0"/>
-              </a:cxn>
-              <a:cxn ang="0">
-                <a:pos x="connsiteX1" y="connsiteY1"/>
-              </a:cxn>
-              <a:cxn ang="0">
-                <a:pos x="connsiteX2" y="connsiteY2"/>
-              </a:cxn>
-              <a:cxn ang="0">
-                <a:pos x="connsiteX3" y="connsiteY3"/>
-              </a:cxn>
-              <a:cxn ang="0">
-                <a:pos x="connsiteX4" y="connsiteY4"/>
-              </a:cxn>
-              <a:cxn ang="0">
-                <a:pos x="connsiteX5" y="connsiteY5"/>
-              </a:cxn>
-              <a:cxn ang="0">
-                <a:pos x="connsiteX6" y="connsiteY6"/>
-              </a:cxn>
-              <a:cxn ang="0">
-                <a:pos x="connsiteX7" y="connsiteY7"/>
-              </a:cxn>
-              <a:cxn ang="0">
-                <a:pos x="connsiteX8" y="connsiteY8"/>
-              </a:cxn>
-            </a:cxnLst>
-            <a:rect l="l" t="t" r="r" b="b"/>
-            <a:pathLst>
-              <a:path w="2357070" h="1649872">
-                <a:moveTo>
-                  <a:pt x="0" y="275034"/>
-                </a:moveTo>
-                <a:cubicBezTo>
-                  <a:pt x="0" y="123137"/>
-                  <a:pt x="123137" y="0"/>
-                  <a:pt x="275034" y="0"/>
-                </a:cubicBezTo>
-                <a:lnTo>
-                  <a:pt x="2082036" y="0"/>
-                </a:lnTo>
-                <a:cubicBezTo>
-                  <a:pt x="2233933" y="0"/>
-                  <a:pt x="2357070" y="123137"/>
-                  <a:pt x="2357070" y="275034"/>
-                </a:cubicBezTo>
-                <a:lnTo>
-                  <a:pt x="2357070" y="1374838"/>
-                </a:lnTo>
-                <a:cubicBezTo>
-                  <a:pt x="2357070" y="1526735"/>
-                  <a:pt x="2233933" y="1649872"/>
-                  <a:pt x="2082036" y="1649872"/>
-                </a:cubicBezTo>
-                <a:lnTo>
-                  <a:pt x="275034" y="1649872"/>
-                </a:lnTo>
-                <a:cubicBezTo>
-                  <a:pt x="123137" y="1649872"/>
-                  <a:pt x="0" y="1526735"/>
-                  <a:pt x="0" y="1374838"/>
-                </a:cubicBezTo>
-                <a:lnTo>
-                  <a:pt x="0" y="275034"/>
-                </a:lnTo>
-                <a:close/>
-              </a:path>
-            </a:pathLst>
-          </a:custGeom>
-          <a:noFill/>
-          <a:ln>
-            <a:solidFill>
-              <a:schemeClr val="accent1"/>
-            </a:solidFill>
-          </a:ln>
-        </p:spPr>
-        <p:style>
-          <a:lnRef idx="2">
-            <a:schemeClr val="lt1">
-              <a:hueOff val="0"/>
-              <a:satOff val="0"/>
-              <a:lumOff val="0"/>
-              <a:alphaOff val="0"/>
-            </a:schemeClr>
-          </a:lnRef>
-          <a:fillRef idx="1">
-            <a:schemeClr val="accent1">
-              <a:hueOff val="0"/>
-              <a:satOff val="0"/>
-              <a:lumOff val="0"/>
-              <a:alphaOff val="0"/>
-            </a:schemeClr>
-          </a:fillRef>
-          <a:effectRef idx="0">
-            <a:schemeClr val="accent1">
-              <a:hueOff val="0"/>
-              <a:satOff val="0"/>
-              <a:lumOff val="0"/>
-              <a:alphaOff val="0"/>
-            </a:schemeClr>
-          </a:effectRef>
-          <a:fontRef idx="minor">
-            <a:schemeClr val="lt1"/>
-          </a:fontRef>
-        </p:style>
-        <p:txBody>
-          <a:bodyPr spcFirstLastPara="0" vert="horz" wrap="square" lIns="133895" tIns="133895" rIns="133895" bIns="133895" numCol="1" spcCol="1270" anchor="ctr" anchorCtr="0">
-            <a:noAutofit/>
-          </a:bodyPr>
-          <a:lstStyle/>
-          <a:p>
-            <a:pPr lvl="0" defTabSz="622300">
-              <a:lnSpc>
-                <a:spcPct val="90000"/>
-              </a:lnSpc>
-              <a:spcBef>
-                <a:spcPct val="0"/>
-              </a:spcBef>
-              <a:spcAft>
-                <a:spcPct val="35000"/>
-              </a:spcAft>
-            </a:pPr>
-            <a:r>
-              <a:rPr lang="en-US" sz="1200" b="1" kern="1200" dirty="0">
-                <a:solidFill>
-                  <a:schemeClr val="tx1"/>
-                </a:solidFill>
-              </a:rPr>
-              <a:t>Step3</a:t>
-            </a:r>
-            <a:r>
-              <a:rPr lang="en-US" sz="1200" kern="1200" dirty="0">
-                <a:solidFill>
-                  <a:schemeClr val="tx1"/>
-                </a:solidFill>
-              </a:rPr>
-              <a:t> – Finalize model by comparing r2 scores against base and fine </a:t>
-            </a:r>
-            <a:r>
-              <a:rPr lang="en-US" sz="1200" dirty="0">
-                <a:solidFill>
-                  <a:schemeClr val="tx1"/>
-                </a:solidFill>
-              </a:rPr>
-              <a:t>tuned</a:t>
-            </a:r>
-            <a:r>
-              <a:rPr lang="en-US" sz="1200" kern="1200" dirty="0">
-                <a:solidFill>
-                  <a:schemeClr val="tx1"/>
-                </a:solidFill>
-              </a:rPr>
-              <a:t> </a:t>
-            </a:r>
-            <a:r>
-              <a:rPr lang="en-US" sz="1200" dirty="0">
-                <a:solidFill>
-                  <a:schemeClr val="tx1"/>
-                </a:solidFill>
-              </a:rPr>
-              <a:t>models</a:t>
-            </a:r>
-            <a:br>
-              <a:rPr lang="en-US" sz="1200" dirty="0">
-                <a:solidFill>
-                  <a:schemeClr val="tx1"/>
-                </a:solidFill>
-              </a:rPr>
-            </a:br>
-            <a:r>
-              <a:rPr lang="en-US" sz="1200" dirty="0">
-                <a:solidFill>
-                  <a:schemeClr val="tx1"/>
-                </a:solidFill>
-              </a:rPr>
-              <a:t>Obtain Root Mean Square Error (RMSE) and r2</a:t>
-            </a:r>
-            <a:endParaRPr lang="en-US" sz="1200" kern="1200" dirty="0">
-              <a:solidFill>
-                <a:schemeClr val="tx1"/>
-              </a:solidFill>
-            </a:endParaRPr>
-          </a:p>
-        </p:txBody>
-      </p:sp>
-      <p:graphicFrame>
-        <p:nvGraphicFramePr>
-          <p:cNvPr id="37" name="Table 36">
-            <a:extLst>
-              <a:ext uri="{FF2B5EF4-FFF2-40B4-BE49-F238E27FC236}">
-                <a16:creationId xmlns:a16="http://schemas.microsoft.com/office/drawing/2014/main" id="{A8BDD122-C0F0-4FDB-8714-C90A322FF873}"/>
-              </a:ext>
-            </a:extLst>
-          </p:cNvPr>
-          <p:cNvGraphicFramePr>
-            <a:graphicFrameLocks noGrp="1"/>
-          </p:cNvGraphicFramePr>
-          <p:nvPr>
-            <p:extLst>
-              <p:ext uri="{D42A27DB-BD31-4B8C-83A1-F6EECF244321}">
-                <p14:modId xmlns:p14="http://schemas.microsoft.com/office/powerpoint/2010/main" val="3363518145"/>
-              </p:ext>
-            </p:extLst>
-          </p:nvPr>
-        </p:nvGraphicFramePr>
-        <p:xfrm>
-          <a:off x="930773" y="3662567"/>
-          <a:ext cx="8252788" cy="1524186"/>
-        </p:xfrm>
-        <a:graphic>
-          <a:graphicData uri="http://schemas.openxmlformats.org/drawingml/2006/table">
-            <a:tbl>
-              <a:tblPr firstRow="1" bandRow="1">
-                <a:tableStyleId>{3B4B98B0-60AC-42C2-AFA5-B58CD77FA1E5}</a:tableStyleId>
-              </a:tblPr>
-              <a:tblGrid>
-                <a:gridCol w="1373287">
-                  <a:extLst>
-                    <a:ext uri="{9D8B030D-6E8A-4147-A177-3AD203B41FA5}">
-                      <a16:colId xmlns:a16="http://schemas.microsoft.com/office/drawing/2014/main" val="1628376606"/>
-                    </a:ext>
-                  </a:extLst>
-                </a:gridCol>
-                <a:gridCol w="1208153">
-                  <a:extLst>
-                    <a:ext uri="{9D8B030D-6E8A-4147-A177-3AD203B41FA5}">
-                      <a16:colId xmlns:a16="http://schemas.microsoft.com/office/drawing/2014/main" val="3537171461"/>
-                    </a:ext>
-                  </a:extLst>
-                </a:gridCol>
-                <a:gridCol w="1864374">
-                  <a:extLst>
-                    <a:ext uri="{9D8B030D-6E8A-4147-A177-3AD203B41FA5}">
-                      <a16:colId xmlns:a16="http://schemas.microsoft.com/office/drawing/2014/main" val="992476981"/>
-                    </a:ext>
-                  </a:extLst>
-                </a:gridCol>
-                <a:gridCol w="1694885">
-                  <a:extLst>
-                    <a:ext uri="{9D8B030D-6E8A-4147-A177-3AD203B41FA5}">
-                      <a16:colId xmlns:a16="http://schemas.microsoft.com/office/drawing/2014/main" val="2534363247"/>
-                    </a:ext>
-                  </a:extLst>
-                </a:gridCol>
-                <a:gridCol w="2112089">
-                  <a:extLst>
-                    <a:ext uri="{9D8B030D-6E8A-4147-A177-3AD203B41FA5}">
-                      <a16:colId xmlns:a16="http://schemas.microsoft.com/office/drawing/2014/main" val="1310188564"/>
-                    </a:ext>
-                  </a:extLst>
-                </a:gridCol>
-              </a:tblGrid>
-              <a:tr h="914512">
-                <a:tc>
-                  <a:txBody>
-                    <a:bodyPr/>
-                    <a:lstStyle/>
-                    <a:p>
-                      <a:r>
-                        <a:rPr lang="en-US" sz="1600" dirty="0"/>
-                        <a:t>RESULTS for $</a:t>
-                      </a:r>
-                      <a:endParaRPr lang="en-US" sz="1600" dirty="0">
-                        <a:solidFill>
-                          <a:schemeClr val="tx1"/>
-                        </a:solidFill>
-                      </a:endParaRPr>
-                    </a:p>
-                  </a:txBody>
-                  <a:tcPr/>
-                </a:tc>
-                <a:tc>
-                  <a:txBody>
-                    <a:bodyPr/>
-                    <a:lstStyle/>
-                    <a:p>
-                      <a:r>
-                        <a:rPr lang="en-US" sz="1200" dirty="0"/>
-                        <a:t>Base Model</a:t>
-                      </a:r>
-                    </a:p>
-                  </a:txBody>
-                  <a:tcPr>
-                    <a:solidFill>
-                      <a:schemeClr val="bg2"/>
-                    </a:solidFill>
-                  </a:tcPr>
-                </a:tc>
-                <a:tc>
-                  <a:txBody>
-                    <a:bodyPr/>
-                    <a:lstStyle/>
-                    <a:p>
-                      <a:r>
-                        <a:rPr lang="en-US" sz="1200" dirty="0"/>
-                        <a:t>After 1</a:t>
-                      </a:r>
-                      <a:r>
-                        <a:rPr lang="en-US" sz="1200" baseline="30000" dirty="0"/>
-                        <a:t>st</a:t>
-                      </a:r>
-                      <a:r>
-                        <a:rPr lang="en-US" sz="1200" dirty="0"/>
-                        <a:t> Tuning</a:t>
-                      </a:r>
-                    </a:p>
-                    <a:p>
-                      <a:r>
-                        <a:rPr lang="en-US" sz="1200" dirty="0"/>
-                        <a:t>(</a:t>
-                      </a:r>
-                      <a:r>
-                        <a:rPr lang="en-US" sz="1200" dirty="0" err="1"/>
-                        <a:t>n_estimators</a:t>
-                      </a:r>
-                      <a:r>
-                        <a:rPr lang="en-US" sz="1200" dirty="0"/>
-                        <a:t>)</a:t>
-                      </a:r>
-                    </a:p>
-                  </a:txBody>
-                  <a:tcPr>
-                    <a:solidFill>
-                      <a:schemeClr val="bg2"/>
-                    </a:solidFill>
-                  </a:tcPr>
-                </a:tc>
-                <a:tc>
-                  <a:txBody>
-                    <a:bodyPr/>
-                    <a:lstStyle/>
-                    <a:p>
-                      <a:r>
-                        <a:rPr lang="en-US" sz="1200" dirty="0"/>
-                        <a:t>After 2</a:t>
-                      </a:r>
-                      <a:r>
-                        <a:rPr lang="en-US" sz="1200" baseline="30000" dirty="0"/>
-                        <a:t>nd</a:t>
-                      </a:r>
-                      <a:r>
-                        <a:rPr lang="en-US" sz="1200" dirty="0"/>
-                        <a:t> Tuning</a:t>
-                      </a:r>
-                    </a:p>
-                    <a:p>
-                      <a:r>
-                        <a:rPr lang="en-US" sz="1200" dirty="0"/>
-                        <a:t>(</a:t>
-                      </a:r>
-                      <a:r>
-                        <a:rPr lang="en-US" sz="1200" dirty="0" err="1"/>
-                        <a:t>learning_rate</a:t>
-                      </a:r>
-                      <a:r>
-                        <a:rPr lang="en-US" sz="1200" dirty="0"/>
-                        <a:t> &amp; alpha)</a:t>
-                      </a:r>
-                    </a:p>
-                  </a:txBody>
-                  <a:tcPr>
-                    <a:solidFill>
-                      <a:schemeClr val="bg2"/>
-                    </a:solidFill>
-                  </a:tcPr>
-                </a:tc>
-                <a:tc>
-                  <a:txBody>
-                    <a:bodyPr/>
-                    <a:lstStyle/>
-                    <a:p>
-                      <a:r>
-                        <a:rPr lang="en-US" sz="1200" dirty="0"/>
-                        <a:t>Final Tuning (</a:t>
-                      </a:r>
-                      <a:r>
-                        <a:rPr lang="en-US" sz="1200" dirty="0" err="1"/>
-                        <a:t>max_depth</a:t>
-                      </a:r>
-                      <a:r>
-                        <a:rPr lang="en-US" sz="1200" dirty="0"/>
-                        <a:t> &amp; </a:t>
-                      </a:r>
-                      <a:r>
-                        <a:rPr lang="en-US" sz="1200" dirty="0" err="1"/>
-                        <a:t>min_child_weight</a:t>
-                      </a:r>
-                      <a:r>
-                        <a:rPr lang="en-US" sz="1200" dirty="0"/>
-                        <a:t>)</a:t>
-                      </a:r>
-                    </a:p>
-                  </a:txBody>
-                  <a:tcPr>
-                    <a:solidFill>
-                      <a:schemeClr val="bg2"/>
-                    </a:solidFill>
-                  </a:tcPr>
-                </a:tc>
-                <a:extLst>
-                  <a:ext uri="{0D108BD9-81ED-4DB2-BD59-A6C34878D82A}">
-                    <a16:rowId xmlns:a16="http://schemas.microsoft.com/office/drawing/2014/main" val="1637909296"/>
-                  </a:ext>
-                </a:extLst>
-              </a:tr>
-              <a:tr h="304837">
-                <a:tc>
-                  <a:txBody>
-                    <a:bodyPr/>
-                    <a:lstStyle/>
-                    <a:p>
-                      <a:r>
-                        <a:rPr lang="en-US" sz="1200" dirty="0"/>
-                        <a:t>Test RMSE</a:t>
-                      </a:r>
-                    </a:p>
-                  </a:txBody>
-                  <a:tcPr/>
-                </a:tc>
-                <a:tc>
-                  <a:txBody>
-                    <a:bodyPr/>
-                    <a:lstStyle/>
-                    <a:p>
-                      <a:r>
-                        <a:rPr lang="en-US" sz="1200" dirty="0"/>
-                        <a:t>578.14</a:t>
-                      </a:r>
-                    </a:p>
-                  </a:txBody>
-                  <a:tcPr/>
-                </a:tc>
-                <a:tc>
-                  <a:txBody>
-                    <a:bodyPr/>
-                    <a:lstStyle/>
-                    <a:p>
-                      <a:r>
-                        <a:rPr lang="en-US" sz="1200" dirty="0"/>
-                        <a:t>478.54</a:t>
-                      </a:r>
-                    </a:p>
-                  </a:txBody>
-                  <a:tcPr/>
-                </a:tc>
-                <a:tc>
-                  <a:txBody>
-                    <a:bodyPr/>
-                    <a:lstStyle/>
-                    <a:p>
-                      <a:r>
-                        <a:rPr lang="en-US" sz="1200" dirty="0"/>
-                        <a:t>464.93</a:t>
-                      </a:r>
-                    </a:p>
-                  </a:txBody>
-                  <a:tcPr/>
-                </a:tc>
-                <a:tc>
-                  <a:txBody>
-                    <a:bodyPr/>
-                    <a:lstStyle/>
-                    <a:p>
-                      <a:r>
-                        <a:rPr lang="en-US" sz="1200" dirty="0"/>
-                        <a:t>459.51</a:t>
-                      </a:r>
-                    </a:p>
-                  </a:txBody>
-                  <a:tcPr/>
-                </a:tc>
-                <a:extLst>
-                  <a:ext uri="{0D108BD9-81ED-4DB2-BD59-A6C34878D82A}">
-                    <a16:rowId xmlns:a16="http://schemas.microsoft.com/office/drawing/2014/main" val="3035129995"/>
-                  </a:ext>
-                </a:extLst>
-              </a:tr>
-              <a:tr h="304837">
-                <a:tc>
-                  <a:txBody>
-                    <a:bodyPr/>
-                    <a:lstStyle/>
-                    <a:p>
-                      <a:r>
-                        <a:rPr lang="en-US" sz="1200" dirty="0"/>
-                        <a:t>Test r</a:t>
-                      </a:r>
-                      <a:r>
-                        <a:rPr lang="en-US" sz="1200" baseline="30000" dirty="0"/>
-                        <a:t>2</a:t>
-                      </a:r>
-                    </a:p>
-                  </a:txBody>
-                  <a:tcPr/>
-                </a:tc>
-                <a:tc>
-                  <a:txBody>
-                    <a:bodyPr/>
-                    <a:lstStyle/>
-                    <a:p>
-                      <a:r>
-                        <a:rPr lang="en-US" sz="1200" dirty="0"/>
-                        <a:t>74.3%</a:t>
-                      </a:r>
-                    </a:p>
-                  </a:txBody>
-                  <a:tcPr/>
-                </a:tc>
-                <a:tc>
-                  <a:txBody>
-                    <a:bodyPr/>
-                    <a:lstStyle/>
-                    <a:p>
-                      <a:r>
-                        <a:rPr lang="en-US" sz="1200" dirty="0"/>
-                        <a:t>82.39%</a:t>
-                      </a:r>
-                    </a:p>
-                  </a:txBody>
-                  <a:tcPr/>
-                </a:tc>
-                <a:tc>
-                  <a:txBody>
-                    <a:bodyPr/>
-                    <a:lstStyle/>
-                    <a:p>
-                      <a:r>
-                        <a:rPr lang="en-US" sz="1200" dirty="0"/>
-                        <a:t>83.38%</a:t>
-                      </a:r>
-                    </a:p>
-                  </a:txBody>
-                  <a:tcPr/>
-                </a:tc>
-                <a:tc>
-                  <a:txBody>
-                    <a:bodyPr/>
-                    <a:lstStyle/>
-                    <a:p>
-                      <a:r>
-                        <a:rPr lang="en-US" sz="1200" dirty="0"/>
-                        <a:t>83.77%</a:t>
-                      </a:r>
-                    </a:p>
-                  </a:txBody>
-                  <a:tcPr/>
-                </a:tc>
-                <a:extLst>
-                  <a:ext uri="{0D108BD9-81ED-4DB2-BD59-A6C34878D82A}">
-                    <a16:rowId xmlns:a16="http://schemas.microsoft.com/office/drawing/2014/main" val="3998100381"/>
-                  </a:ext>
-                </a:extLst>
-              </a:tr>
-            </a:tbl>
-          </a:graphicData>
-        </a:graphic>
-      </p:graphicFrame>
-      <p:sp>
-        <p:nvSpPr>
-          <p:cNvPr id="40" name="Arrow: Right 39">
-            <a:extLst>
-              <a:ext uri="{FF2B5EF4-FFF2-40B4-BE49-F238E27FC236}">
-                <a16:creationId xmlns:a16="http://schemas.microsoft.com/office/drawing/2014/main" id="{DE470760-77B6-4DA0-BFE4-61CBDABB9866}"/>
-              </a:ext>
-            </a:extLst>
-          </p:cNvPr>
-          <p:cNvSpPr/>
-          <p:nvPr/>
-        </p:nvSpPr>
-        <p:spPr>
-          <a:xfrm>
-            <a:off x="3333868" y="1093302"/>
-            <a:ext cx="291135" cy="168965"/>
-          </a:xfrm>
-          <a:prstGeom prst="rightArrow">
+          <a:prstGeom prst="downArrow">
             <a:avLst/>
           </a:prstGeom>
         </p:spPr>
@@ -10560,10 +7874,10 @@
       </p:sp>
       <p:sp>
         <p:nvSpPr>
-          <p:cNvPr id="41" name="Arrow: Right 40">
+          <p:cNvPr id="18" name="Rectangle: Rounded Corners 17">
             <a:extLst>
               <a:ext uri="{FF2B5EF4-FFF2-40B4-BE49-F238E27FC236}">
-                <a16:creationId xmlns:a16="http://schemas.microsoft.com/office/drawing/2014/main" id="{D9F80517-458A-487B-98D3-5A87E9DE1DE3}"/>
+                <a16:creationId xmlns:a16="http://schemas.microsoft.com/office/drawing/2014/main" id="{86944346-343D-4BC0-BD15-369FE797ADEE}"/>
               </a:ext>
             </a:extLst>
           </p:cNvPr>
@@ -10571,11 +7885,77 @@
           <p:nvPr/>
         </p:nvSpPr>
         <p:spPr>
+          <a:xfrm flipH="1">
+            <a:off x="858396" y="3208929"/>
+            <a:ext cx="2299530" cy="286036"/>
+          </a:xfrm>
+          <a:prstGeom prst="roundRect">
+            <a:avLst/>
+          </a:prstGeom>
+          <a:noFill/>
+        </p:spPr>
+        <p:style>
+          <a:lnRef idx="2">
+            <a:schemeClr val="accent1">
+              <a:shade val="50000"/>
+            </a:schemeClr>
+          </a:lnRef>
+          <a:fillRef idx="1">
+            <a:schemeClr val="accent1"/>
+          </a:fillRef>
+          <a:effectRef idx="0">
+            <a:schemeClr val="accent1"/>
+          </a:effectRef>
+          <a:fontRef idx="minor">
+            <a:schemeClr val="lt1"/>
+          </a:fontRef>
+        </p:style>
+        <p:txBody>
+          <a:bodyPr rtlCol="0" anchor="ctr">
+            <a:spAutoFit/>
+          </a:bodyPr>
+          <a:lstStyle/>
+          <a:p>
+            <a:pPr defTabSz="622300">
+              <a:lnSpc>
+                <a:spcPct val="90000"/>
+              </a:lnSpc>
+              <a:spcBef>
+                <a:spcPct val="0"/>
+              </a:spcBef>
+              <a:spcAft>
+                <a:spcPct val="35000"/>
+              </a:spcAft>
+            </a:pPr>
+            <a:r>
+              <a:rPr lang="en-US" sz="1200" b="1" dirty="0">
+                <a:solidFill>
+                  <a:schemeClr val="tx1"/>
+                </a:solidFill>
+              </a:rPr>
+              <a:t>Training and Testing  Data</a:t>
+            </a:r>
+          </a:p>
+        </p:txBody>
+      </p:sp>
+      <p:sp>
+        <p:nvSpPr>
+          <p:cNvPr id="19" name="Arrow: Down 18">
+            <a:extLst>
+              <a:ext uri="{FF2B5EF4-FFF2-40B4-BE49-F238E27FC236}">
+                <a16:creationId xmlns:a16="http://schemas.microsoft.com/office/drawing/2014/main" id="{D627F6AE-1681-4FAD-83FD-5ACB7E69FA13}"/>
+              </a:ext>
+            </a:extLst>
+          </p:cNvPr>
+          <p:cNvSpPr/>
+          <p:nvPr/>
+        </p:nvSpPr>
+        <p:spPr>
           <a:xfrm>
-            <a:off x="6275063" y="1093302"/>
-            <a:ext cx="291135" cy="168965"/>
+            <a:off x="2000794" y="2793643"/>
+            <a:ext cx="254725" cy="364381"/>
           </a:xfrm>
-          <a:prstGeom prst="rightArrow">
+          <a:prstGeom prst="downArrow">
             <a:avLst/>
           </a:prstGeom>
         </p:spPr>
@@ -10604,82 +7984,6 @@
           </a:p>
         </p:txBody>
       </p:sp>
-      <p:sp>
-        <p:nvSpPr>
-          <p:cNvPr id="2" name="Rectangle 1">
-            <a:extLst>
-              <a:ext uri="{FF2B5EF4-FFF2-40B4-BE49-F238E27FC236}">
-                <a16:creationId xmlns:a16="http://schemas.microsoft.com/office/drawing/2014/main" id="{D02B9AD4-09F1-4D5D-B275-4B9C7E94CB8E}"/>
-              </a:ext>
-            </a:extLst>
-          </p:cNvPr>
-          <p:cNvSpPr/>
-          <p:nvPr/>
-        </p:nvSpPr>
-        <p:spPr>
-          <a:xfrm>
-            <a:off x="930773" y="1910639"/>
-            <a:ext cx="4764446" cy="369332"/>
-          </a:xfrm>
-          <a:prstGeom prst="rect">
-            <a:avLst/>
-          </a:prstGeom>
-        </p:spPr>
-        <p:txBody>
-          <a:bodyPr wrap="none">
-            <a:spAutoFit/>
-          </a:bodyPr>
-          <a:lstStyle/>
-          <a:p>
-            <a:r>
-              <a:rPr lang="en-US" dirty="0"/>
-              <a:t>Split data into attributes and </a:t>
-            </a:r>
-            <a:r>
-              <a:rPr lang="en-US" dirty="0" err="1"/>
-              <a:t>and</a:t>
-            </a:r>
-            <a:r>
-              <a:rPr lang="en-US" dirty="0"/>
-              <a:t> label sets </a:t>
-            </a:r>
-          </a:p>
-        </p:txBody>
-      </p:sp>
-      <p:sp>
-        <p:nvSpPr>
-          <p:cNvPr id="3" name="Rectangle 2">
-            <a:extLst>
-              <a:ext uri="{FF2B5EF4-FFF2-40B4-BE49-F238E27FC236}">
-                <a16:creationId xmlns:a16="http://schemas.microsoft.com/office/drawing/2014/main" id="{9CA93407-BDC4-4C02-8C2F-FB4B4B6D2E2D}"/>
-              </a:ext>
-            </a:extLst>
-          </p:cNvPr>
-          <p:cNvSpPr/>
-          <p:nvPr/>
-        </p:nvSpPr>
-        <p:spPr>
-          <a:xfrm>
-            <a:off x="1129467" y="2743677"/>
-            <a:ext cx="2762551" cy="369332"/>
-          </a:xfrm>
-          <a:prstGeom prst="rect">
-            <a:avLst/>
-          </a:prstGeom>
-        </p:spPr>
-        <p:txBody>
-          <a:bodyPr wrap="none">
-            <a:spAutoFit/>
-          </a:bodyPr>
-          <a:lstStyle/>
-          <a:p>
-            <a:r>
-              <a:rPr lang="en-US" dirty="0"/>
-              <a:t>Training and testing data</a:t>
-            </a:r>
-          </a:p>
-        </p:txBody>
-      </p:sp>
     </p:spTree>
     <p:extLst>
       <p:ext uri="{BB962C8B-B14F-4D97-AF65-F5344CB8AC3E}">
@@ -10693,7 +7997,7 @@
 </p:sld>
 </file>
 
-<file path=ppt/slides/slide7.xml><?xml version="1.0" encoding="utf-8"?>
+<file path=ppt/slides/slide2.xml><?xml version="1.0" encoding="utf-8"?>
 <p:sld xmlns:a="http://schemas.openxmlformats.org/drawingml/2006/main" xmlns:r="http://schemas.openxmlformats.org/officeDocument/2006/relationships" xmlns:p="http://schemas.openxmlformats.org/presentationml/2006/main">
   <p:cSld>
     <p:spTree>
@@ -10710,45 +8014,46 @@
           <a:chExt cx="0" cy="0"/>
         </a:xfrm>
       </p:grpSpPr>
-      <p:sp>
-        <p:nvSpPr>
-          <p:cNvPr id="2" name="TextBox 1">
+      <p:pic>
+        <p:nvPicPr>
+          <p:cNvPr id="3" name="Picture 2">
             <a:extLst>
               <a:ext uri="{FF2B5EF4-FFF2-40B4-BE49-F238E27FC236}">
-                <a16:creationId xmlns:a16="http://schemas.microsoft.com/office/drawing/2014/main" id="{65D4BF46-D6F7-41D1-9D86-6DD207D30ADB}"/>
+                <a16:creationId xmlns:a16="http://schemas.microsoft.com/office/drawing/2014/main" id="{999E9549-FCEA-4475-BE4A-84F736C8AF54}"/>
               </a:ext>
             </a:extLst>
           </p:cNvPr>
-          <p:cNvSpPr txBox="1"/>
+          <p:cNvPicPr>
+            <a:picLocks noChangeAspect="1"/>
+          </p:cNvPicPr>
           <p:nvPr/>
-        </p:nvSpPr>
+        </p:nvPicPr>
+        <p:blipFill>
+          <a:blip r:embed="rId2">
+            <a:extLst>
+              <a:ext uri="{28A0092B-C50C-407E-A947-70E740481C1C}">
+                <a14:useLocalDpi xmlns:a14="http://schemas.microsoft.com/office/drawing/2010/main" val="0"/>
+              </a:ext>
+            </a:extLst>
+          </a:blip>
+          <a:stretch>
+            <a:fillRect/>
+          </a:stretch>
+        </p:blipFill>
         <p:spPr>
           <a:xfrm>
-            <a:off x="228601" y="188844"/>
-            <a:ext cx="10396329" cy="338554"/>
+            <a:off x="206900" y="240031"/>
+            <a:ext cx="10456184" cy="6283324"/>
           </a:xfrm>
           <a:prstGeom prst="rect">
             <a:avLst/>
           </a:prstGeom>
-          <a:noFill/>
         </p:spPr>
-        <p:txBody>
-          <a:bodyPr wrap="square" rtlCol="0">
-            <a:spAutoFit/>
-          </a:bodyPr>
-          <a:lstStyle/>
-          <a:p>
-            <a:r>
-              <a:rPr lang="en-US" sz="1600" dirty="0"/>
-              <a:t>Random Forest used as regressor for predicting Total BTU and Dollar</a:t>
-            </a:r>
-          </a:p>
-        </p:txBody>
-      </p:sp>
+      </p:pic>
     </p:spTree>
     <p:extLst>
       <p:ext uri="{BB962C8B-B14F-4D97-AF65-F5344CB8AC3E}">
-        <p14:creationId xmlns:p14="http://schemas.microsoft.com/office/powerpoint/2010/main" val="4133552614"/>
+        <p14:creationId xmlns:p14="http://schemas.microsoft.com/office/powerpoint/2010/main" val="1830224001"/>
       </p:ext>
     </p:extLst>
   </p:cSld>

--- a/PresentationSlide_DB.pptx
+++ b/PresentationSlide_DB.pptx
@@ -5,11 +5,12 @@
     <p:sldMasterId id="2147483660" r:id="rId1"/>
   </p:sldMasterIdLst>
   <p:notesMasterIdLst>
-    <p:notesMasterId r:id="rId4"/>
+    <p:notesMasterId r:id="rId5"/>
   </p:notesMasterIdLst>
   <p:sldIdLst>
     <p:sldId id="262" r:id="rId2"/>
     <p:sldId id="263" r:id="rId3"/>
+    <p:sldId id="264" r:id="rId4"/>
   </p:sldIdLst>
   <p:sldSz cx="12192000" cy="6858000"/>
   <p:notesSz cx="6858000" cy="9144000"/>
@@ -509,280 +510,6 @@
           <a:bodyPr/>
           <a:lstStyle/>
           <a:p>
-            <a:r>
-              <a:rPr lang="en-US" sz="1200" kern="1200" dirty="0">
-                <a:solidFill>
-                  <a:schemeClr val="tx1"/>
-                </a:solidFill>
-                <a:effectLst/>
-                <a:latin typeface="+mn-lt"/>
-                <a:ea typeface="+mn-ea"/>
-                <a:cs typeface="+mn-cs"/>
-              </a:rPr>
-              <a:t>Random Forest method is used to classify into classes and predict the mean (regression) of the each individual tree.</a:t>
-            </a:r>
-          </a:p>
-          <a:p>
-            <a:r>
-              <a:rPr lang="en-US" sz="1200" kern="1200" dirty="0">
-                <a:solidFill>
-                  <a:schemeClr val="tx1"/>
-                </a:solidFill>
-                <a:effectLst/>
-                <a:latin typeface="+mn-lt"/>
-                <a:ea typeface="+mn-ea"/>
-                <a:cs typeface="+mn-cs"/>
-              </a:rPr>
-              <a:t>We started with Base/Default model. The following steps were taken to create a final model.</a:t>
-            </a:r>
-          </a:p>
-          <a:p>
-            <a:pPr lvl="0"/>
-            <a:r>
-              <a:rPr lang="en-US" sz="1200" kern="1200" dirty="0">
-                <a:solidFill>
-                  <a:schemeClr val="tx1"/>
-                </a:solidFill>
-                <a:effectLst/>
-                <a:latin typeface="+mn-lt"/>
-                <a:ea typeface="+mn-ea"/>
-                <a:cs typeface="+mn-cs"/>
-              </a:rPr>
-              <a:t>The first step was to divide data into 'attributes' and 'label' sets. </a:t>
-            </a:r>
-          </a:p>
-          <a:p>
-            <a:pPr lvl="0"/>
-            <a:r>
-              <a:rPr lang="en-US" sz="1200" kern="1200" dirty="0">
-                <a:solidFill>
-                  <a:schemeClr val="tx1"/>
-                </a:solidFill>
-                <a:effectLst/>
-                <a:latin typeface="+mn-lt"/>
-                <a:ea typeface="+mn-ea"/>
-                <a:cs typeface="+mn-cs"/>
-              </a:rPr>
-              <a:t>The output data is then divided into training and test sets.</a:t>
-            </a:r>
-          </a:p>
-          <a:p>
-            <a:r>
-              <a:rPr lang="en-US" sz="1200" kern="1200" dirty="0">
-                <a:solidFill>
-                  <a:schemeClr val="tx1"/>
-                </a:solidFill>
-                <a:effectLst/>
-                <a:latin typeface="+mn-lt"/>
-                <a:ea typeface="+mn-ea"/>
-                <a:cs typeface="+mn-cs"/>
-              </a:rPr>
-              <a:t> Step 2: Tuning and train algorithm to solve regression problems via random forest</a:t>
-            </a:r>
-          </a:p>
-          <a:p>
-            <a:pPr lvl="0"/>
-            <a:r>
-              <a:rPr lang="en-US" sz="1200" kern="1200" dirty="0">
-                <a:solidFill>
-                  <a:schemeClr val="tx1"/>
-                </a:solidFill>
-                <a:effectLst/>
-                <a:latin typeface="+mn-lt"/>
-                <a:ea typeface="+mn-ea"/>
-                <a:cs typeface="+mn-cs"/>
-              </a:rPr>
-              <a:t>Tuned the model using the </a:t>
-            </a:r>
-            <a:r>
-              <a:rPr lang="en-US" sz="1200" kern="1200" dirty="0" err="1">
-                <a:solidFill>
-                  <a:schemeClr val="tx1"/>
-                </a:solidFill>
-                <a:effectLst/>
-                <a:latin typeface="+mn-lt"/>
-                <a:ea typeface="+mn-ea"/>
-                <a:cs typeface="+mn-cs"/>
-              </a:rPr>
-              <a:t>RandomForestRegressor</a:t>
-            </a:r>
-            <a:r>
-              <a:rPr lang="en-US" sz="1200" kern="1200" dirty="0">
-                <a:solidFill>
-                  <a:schemeClr val="tx1"/>
-                </a:solidFill>
-                <a:effectLst/>
-                <a:latin typeface="+mn-lt"/>
-                <a:ea typeface="+mn-ea"/>
-                <a:cs typeface="+mn-cs"/>
-              </a:rPr>
-              <a:t> class by adjusted </a:t>
-            </a:r>
-            <a:r>
-              <a:rPr lang="en-US" sz="1200" kern="1200" dirty="0" err="1">
-                <a:solidFill>
-                  <a:schemeClr val="tx1"/>
-                </a:solidFill>
-                <a:effectLst/>
-                <a:latin typeface="+mn-lt"/>
-                <a:ea typeface="+mn-ea"/>
-                <a:cs typeface="+mn-cs"/>
-              </a:rPr>
-              <a:t>n_estimators</a:t>
-            </a:r>
-            <a:r>
-              <a:rPr lang="en-US" sz="1200" kern="1200" dirty="0">
-                <a:solidFill>
-                  <a:schemeClr val="tx1"/>
-                </a:solidFill>
-                <a:effectLst/>
-                <a:latin typeface="+mn-lt"/>
-                <a:ea typeface="+mn-ea"/>
-                <a:cs typeface="+mn-cs"/>
-              </a:rPr>
-              <a:t> parameter.</a:t>
-            </a:r>
-          </a:p>
-          <a:p>
-            <a:pPr lvl="0"/>
-            <a:r>
-              <a:rPr lang="en-US" sz="1200" kern="1200" dirty="0">
-                <a:solidFill>
-                  <a:schemeClr val="tx1"/>
-                </a:solidFill>
-                <a:effectLst/>
-                <a:latin typeface="+mn-lt"/>
-                <a:ea typeface="+mn-ea"/>
-                <a:cs typeface="+mn-cs"/>
-              </a:rPr>
-              <a:t>This </a:t>
-            </a:r>
-            <a:r>
-              <a:rPr lang="en-US" sz="1200" kern="1200" dirty="0" err="1">
-                <a:solidFill>
-                  <a:schemeClr val="tx1"/>
-                </a:solidFill>
-                <a:effectLst/>
-                <a:latin typeface="+mn-lt"/>
-                <a:ea typeface="+mn-ea"/>
-                <a:cs typeface="+mn-cs"/>
-              </a:rPr>
-              <a:t>max_depth</a:t>
-            </a:r>
-            <a:r>
-              <a:rPr lang="en-US" sz="1200" kern="1200" dirty="0">
-                <a:solidFill>
-                  <a:schemeClr val="tx1"/>
-                </a:solidFill>
-                <a:effectLst/>
-                <a:latin typeface="+mn-lt"/>
-                <a:ea typeface="+mn-ea"/>
-                <a:cs typeface="+mn-cs"/>
-              </a:rPr>
-              <a:t> parameter defines the number of trees in the random forest. </a:t>
-            </a:r>
-          </a:p>
-          <a:p>
-            <a:r>
-              <a:rPr lang="en-US" sz="1200" kern="1200" dirty="0">
-                <a:solidFill>
-                  <a:schemeClr val="tx1"/>
-                </a:solidFill>
-                <a:effectLst/>
-                <a:latin typeface="+mn-lt"/>
-                <a:ea typeface="+mn-ea"/>
-                <a:cs typeface="+mn-cs"/>
-              </a:rPr>
-              <a:t>We started with base model and continue to fine tune the </a:t>
-            </a:r>
-            <a:r>
-              <a:rPr lang="en-US" sz="1200" kern="1200" dirty="0" err="1">
-                <a:solidFill>
-                  <a:schemeClr val="tx1"/>
-                </a:solidFill>
-                <a:effectLst/>
-                <a:latin typeface="+mn-lt"/>
-                <a:ea typeface="+mn-ea"/>
-                <a:cs typeface="+mn-cs"/>
-              </a:rPr>
-              <a:t>n_estimator</a:t>
-            </a:r>
-            <a:r>
-              <a:rPr lang="en-US" sz="1200" kern="1200" dirty="0">
-                <a:solidFill>
-                  <a:schemeClr val="tx1"/>
-                </a:solidFill>
-                <a:effectLst/>
-                <a:latin typeface="+mn-lt"/>
-                <a:ea typeface="+mn-ea"/>
-                <a:cs typeface="+mn-cs"/>
-              </a:rPr>
-              <a:t> by 20 and ended up with final tune of </a:t>
-            </a:r>
-            <a:r>
-              <a:rPr lang="en-US" sz="1200" kern="1200" dirty="0" err="1">
-                <a:solidFill>
-                  <a:schemeClr val="tx1"/>
-                </a:solidFill>
-                <a:effectLst/>
-                <a:latin typeface="+mn-lt"/>
-                <a:ea typeface="+mn-ea"/>
-                <a:cs typeface="+mn-cs"/>
-              </a:rPr>
-              <a:t>n_estimator</a:t>
-            </a:r>
-            <a:r>
-              <a:rPr lang="en-US" sz="1200" kern="1200" dirty="0">
-                <a:solidFill>
-                  <a:schemeClr val="tx1"/>
-                </a:solidFill>
-                <a:effectLst/>
-                <a:latin typeface="+mn-lt"/>
-                <a:ea typeface="+mn-ea"/>
-                <a:cs typeface="+mn-cs"/>
-              </a:rPr>
-              <a:t>=50 as there we no significant change when we increase n-estimator or </a:t>
-            </a:r>
-            <a:r>
-              <a:rPr lang="en-US" sz="1200" kern="1200" dirty="0" err="1">
-                <a:solidFill>
-                  <a:schemeClr val="tx1"/>
-                </a:solidFill>
-                <a:effectLst/>
-                <a:latin typeface="+mn-lt"/>
-                <a:ea typeface="+mn-ea"/>
-                <a:cs typeface="+mn-cs"/>
-              </a:rPr>
-              <a:t>max_depth</a:t>
-            </a:r>
-            <a:r>
-              <a:rPr lang="en-US" sz="1200" kern="1200" dirty="0">
-                <a:solidFill>
-                  <a:schemeClr val="tx1"/>
-                </a:solidFill>
-                <a:effectLst/>
-                <a:latin typeface="+mn-lt"/>
-                <a:ea typeface="+mn-ea"/>
-                <a:cs typeface="+mn-cs"/>
-              </a:rPr>
-              <a:t>.</a:t>
-            </a:r>
-          </a:p>
-          <a:p>
-            <a:r>
-              <a:rPr lang="en-US" sz="1200" kern="1200" dirty="0">
-                <a:solidFill>
-                  <a:schemeClr val="tx1"/>
-                </a:solidFill>
-                <a:effectLst/>
-                <a:latin typeface="+mn-lt"/>
-                <a:ea typeface="+mn-ea"/>
-                <a:cs typeface="+mn-cs"/>
-              </a:rPr>
-              <a:t>Advantages: </a:t>
-            </a:r>
-          </a:p>
-          <a:p>
             <a:pPr marL="0" marR="0" lvl="0" indent="0" algn="l" defTabSz="914400" rtl="0" eaLnBrk="1" fontAlgn="auto" latinLnBrk="0" hangingPunct="1">
               <a:lnSpc>
                 <a:spcPct val="100000"/>
@@ -800,20 +527,34 @@
               <a:tabLst/>
               <a:defRPr/>
             </a:pPr>
-            <a:r>
-              <a:rPr lang="en-US" sz="1200" kern="1200" dirty="0">
-                <a:solidFill>
-                  <a:schemeClr val="tx1"/>
-                </a:solidFill>
-                <a:effectLst/>
-                <a:latin typeface="+mn-lt"/>
-                <a:ea typeface="+mn-ea"/>
-                <a:cs typeface="+mn-cs"/>
-              </a:rPr>
-              <a:t>Random forest corrects for decision tree habit of overfitting to the training data. </a:t>
-            </a:r>
-          </a:p>
-          <a:p>
+            <a:endParaRPr lang="en-US" sz="1200" kern="1200" dirty="0">
+              <a:solidFill>
+                <a:schemeClr val="tx1"/>
+              </a:solidFill>
+              <a:effectLst/>
+              <a:latin typeface="+mn-lt"/>
+              <a:ea typeface="+mn-ea"/>
+              <a:cs typeface="+mn-cs"/>
+            </a:endParaRPr>
+          </a:p>
+          <a:p>
+            <a:pPr marL="0" marR="0" lvl="0" indent="0" algn="l" defTabSz="914400" rtl="0" eaLnBrk="1" fontAlgn="auto" latinLnBrk="0" hangingPunct="1">
+              <a:lnSpc>
+                <a:spcPct val="100000"/>
+              </a:lnSpc>
+              <a:spcBef>
+                <a:spcPts val="0"/>
+              </a:spcBef>
+              <a:spcAft>
+                <a:spcPts val="0"/>
+              </a:spcAft>
+              <a:buClrTx/>
+              <a:buSzTx/>
+              <a:buFontTx/>
+              <a:buNone/>
+              <a:tabLst/>
+              <a:defRPr/>
+            </a:pPr>
             <a:endParaRPr lang="en-US" dirty="0"/>
           </a:p>
         </p:txBody>
@@ -845,6 +586,90 @@
     <p:extLst>
       <p:ext uri="{BB962C8B-B14F-4D97-AF65-F5344CB8AC3E}">
         <p14:creationId xmlns:p14="http://schemas.microsoft.com/office/powerpoint/2010/main" val="2067897496"/>
+      </p:ext>
+    </p:extLst>
+  </p:cSld>
+  <p:clrMapOvr>
+    <a:masterClrMapping/>
+  </p:clrMapOvr>
+</p:notes>
+</file>
+
+<file path=ppt/notesSlides/notesSlide2.xml><?xml version="1.0" encoding="utf-8"?>
+<p:notes xmlns:a="http://schemas.openxmlformats.org/drawingml/2006/main" xmlns:r="http://schemas.openxmlformats.org/officeDocument/2006/relationships" xmlns:p="http://schemas.openxmlformats.org/presentationml/2006/main">
+  <p:cSld>
+    <p:spTree>
+      <p:nvGrpSpPr>
+        <p:cNvPr id="1" name=""/>
+        <p:cNvGrpSpPr/>
+        <p:nvPr/>
+      </p:nvGrpSpPr>
+      <p:grpSpPr>
+        <a:xfrm>
+          <a:off x="0" y="0"/>
+          <a:ext cx="0" cy="0"/>
+          <a:chOff x="0" y="0"/>
+          <a:chExt cx="0" cy="0"/>
+        </a:xfrm>
+      </p:grpSpPr>
+      <p:sp>
+        <p:nvSpPr>
+          <p:cNvPr id="2" name="Slide Image Placeholder 1"/>
+          <p:cNvSpPr>
+            <a:spLocks noGrp="1" noRot="1" noChangeAspect="1"/>
+          </p:cNvSpPr>
+          <p:nvPr>
+            <p:ph type="sldImg"/>
+          </p:nvPr>
+        </p:nvSpPr>
+        <p:spPr/>
+      </p:sp>
+      <p:sp>
+        <p:nvSpPr>
+          <p:cNvPr id="3" name="Notes Placeholder 2"/>
+          <p:cNvSpPr>
+            <a:spLocks noGrp="1"/>
+          </p:cNvSpPr>
+          <p:nvPr>
+            <p:ph type="body" idx="1"/>
+          </p:nvPr>
+        </p:nvSpPr>
+        <p:spPr/>
+        <p:txBody>
+          <a:bodyPr/>
+          <a:lstStyle/>
+          <a:p>
+            <a:endParaRPr lang="en-US" dirty="0"/>
+          </a:p>
+        </p:txBody>
+      </p:sp>
+      <p:sp>
+        <p:nvSpPr>
+          <p:cNvPr id="4" name="Slide Number Placeholder 3"/>
+          <p:cNvSpPr>
+            <a:spLocks noGrp="1"/>
+          </p:cNvSpPr>
+          <p:nvPr>
+            <p:ph type="sldNum" sz="quarter" idx="5"/>
+          </p:nvPr>
+        </p:nvSpPr>
+        <p:spPr/>
+        <p:txBody>
+          <a:bodyPr/>
+          <a:lstStyle/>
+          <a:p>
+            <a:fld id="{411C63C0-2ADB-44D4-A4AA-D8C1D40839B4}" type="slidenum">
+              <a:rPr lang="en-US" smtClean="0"/>
+              <a:t>2</a:t>
+            </a:fld>
+            <a:endParaRPr lang="en-US"/>
+          </a:p>
+        </p:txBody>
+      </p:sp>
+    </p:spTree>
+    <p:extLst>
+      <p:ext uri="{BB962C8B-B14F-4D97-AF65-F5344CB8AC3E}">
+        <p14:creationId xmlns:p14="http://schemas.microsoft.com/office/powerpoint/2010/main" val="1872810689"/>
       </p:ext>
     </p:extLst>
   </p:cSld>
@@ -7257,7 +7082,7 @@
           <p:nvPr>
             <p:extLst>
               <p:ext uri="{D42A27DB-BD31-4B8C-83A1-F6EECF244321}">
-                <p14:modId xmlns:p14="http://schemas.microsoft.com/office/powerpoint/2010/main" val="2056851938"/>
+                <p14:modId xmlns:p14="http://schemas.microsoft.com/office/powerpoint/2010/main" val="529226512"/>
               </p:ext>
             </p:extLst>
           </p:nvPr>
@@ -7537,7 +7362,7 @@
                     <a:p>
                       <a:r>
                         <a:rPr lang="en-US" sz="1200" dirty="0"/>
-                        <a:t>332.25</a:t>
+                        <a:t>334.30</a:t>
                       </a:r>
                     </a:p>
                   </a:txBody>
@@ -7576,7 +7401,7 @@
                     <a:p>
                       <a:r>
                         <a:rPr lang="en-US" sz="1200" dirty="0"/>
-                        <a:t>334.20</a:t>
+                        <a:t>334.51</a:t>
                       </a:r>
                     </a:p>
                   </a:txBody>
@@ -7613,7 +7438,7 @@
                     <a:p>
                       <a:r>
                         <a:rPr lang="en-US" sz="1200" dirty="0"/>
-                        <a:t>82.59%</a:t>
+                        <a:t>82.38%</a:t>
                       </a:r>
                     </a:p>
                   </a:txBody>
@@ -7652,7 +7477,7 @@
                     <a:p>
                       <a:r>
                         <a:rPr lang="en-US" sz="1200" dirty="0"/>
-                        <a:t>82.39%</a:t>
+                        <a:t>82.36%</a:t>
                       </a:r>
                     </a:p>
                   </a:txBody>
@@ -8029,7 +7854,7 @@
           <p:nvPr/>
         </p:nvPicPr>
         <p:blipFill>
-          <a:blip r:embed="rId2">
+          <a:blip r:embed="rId4">
             <a:extLst>
               <a:ext uri="{28A0092B-C50C-407E-A947-70E740481C1C}">
                 <a14:useLocalDpi xmlns:a14="http://schemas.microsoft.com/office/drawing/2010/main" val="0"/>
@@ -8042,18 +7867,560 @@
         </p:blipFill>
         <p:spPr>
           <a:xfrm>
-            <a:off x="206900" y="240031"/>
-            <a:ext cx="10456184" cy="6283324"/>
+            <a:off x="0" y="1554480"/>
+            <a:ext cx="8192692" cy="4510661"/>
           </a:xfrm>
           <a:prstGeom prst="rect">
             <a:avLst/>
           </a:prstGeom>
         </p:spPr>
       </p:pic>
+      <p:sp>
+        <p:nvSpPr>
+          <p:cNvPr id="2" name="TextBox 1">
+            <a:extLst>
+              <a:ext uri="{FF2B5EF4-FFF2-40B4-BE49-F238E27FC236}">
+                <a16:creationId xmlns:a16="http://schemas.microsoft.com/office/drawing/2014/main" id="{FD3E4D83-28DA-49D4-8593-30B4A5A1D9F8}"/>
+              </a:ext>
+            </a:extLst>
+          </p:cNvPr>
+          <p:cNvSpPr txBox="1"/>
+          <p:nvPr/>
+        </p:nvSpPr>
+        <p:spPr>
+          <a:xfrm>
+            <a:off x="5646420" y="2979420"/>
+            <a:ext cx="914400" cy="914400"/>
+          </a:xfrm>
+          <a:prstGeom prst="rect">
+            <a:avLst/>
+          </a:prstGeom>
+          <a:noFill/>
+        </p:spPr>
+        <p:txBody>
+          <a:bodyPr wrap="square" rtlCol="0">
+            <a:spAutoFit/>
+          </a:bodyPr>
+          <a:lstStyle/>
+          <a:p>
+            <a:endParaRPr lang="en-US" dirty="0"/>
+          </a:p>
+        </p:txBody>
+      </p:sp>
+      <p:sp>
+        <p:nvSpPr>
+          <p:cNvPr id="4" name="TextBox 3">
+            <a:extLst>
+              <a:ext uri="{FF2B5EF4-FFF2-40B4-BE49-F238E27FC236}">
+                <a16:creationId xmlns:a16="http://schemas.microsoft.com/office/drawing/2014/main" id="{7DF0CF34-B5CF-4C76-9FDC-CD12545E3A25}"/>
+              </a:ext>
+            </a:extLst>
+          </p:cNvPr>
+          <p:cNvSpPr txBox="1"/>
+          <p:nvPr/>
+        </p:nvSpPr>
+        <p:spPr>
+          <a:xfrm>
+            <a:off x="416333" y="792859"/>
+            <a:ext cx="8107680" cy="923330"/>
+          </a:xfrm>
+          <a:prstGeom prst="rect">
+            <a:avLst/>
+          </a:prstGeom>
+          <a:noFill/>
+        </p:spPr>
+        <p:txBody>
+          <a:bodyPr wrap="square" rtlCol="0">
+            <a:spAutoFit/>
+          </a:bodyPr>
+          <a:lstStyle/>
+          <a:p>
+            <a:r>
+              <a:rPr lang="en-US" dirty="0"/>
+              <a:t>Features importance is used to select features that have strong impact to the model (after training). Top 10 features that were key in the model prediction show a strong correlation to the TOTAL DOLLAR</a:t>
+            </a:r>
+          </a:p>
+        </p:txBody>
+      </p:sp>
+      <p:sp>
+        <p:nvSpPr>
+          <p:cNvPr id="6" name="Rectangle 1">
+            <a:extLst>
+              <a:ext uri="{FF2B5EF4-FFF2-40B4-BE49-F238E27FC236}">
+                <a16:creationId xmlns:a16="http://schemas.microsoft.com/office/drawing/2014/main" id="{4C27CCA9-7D2F-4438-8C75-FC348EA97D11}"/>
+              </a:ext>
+            </a:extLst>
+          </p:cNvPr>
+          <p:cNvSpPr>
+            <a:spLocks noChangeArrowheads="1"/>
+          </p:cNvSpPr>
+          <p:nvPr/>
+        </p:nvSpPr>
+        <p:spPr bwMode="auto">
+          <a:xfrm>
+            <a:off x="690716" y="89207"/>
+            <a:ext cx="8275320" cy="461665"/>
+          </a:xfrm>
+          <a:prstGeom prst="rect">
+            <a:avLst/>
+          </a:prstGeom>
+          <a:noFill/>
+          <a:ln>
+            <a:noFill/>
+          </a:ln>
+          <a:effectLst/>
+          <a:extLst>
+            <a:ext uri="{909E8E84-426E-40DD-AFC4-6F175D3DCCD1}">
+              <a14:hiddenFill xmlns:a14="http://schemas.microsoft.com/office/drawing/2010/main">
+                <a:solidFill>
+                  <a:schemeClr val="accent1"/>
+                </a:solidFill>
+              </a14:hiddenFill>
+            </a:ext>
+            <a:ext uri="{91240B29-F687-4F45-9708-019B960494DF}">
+              <a14:hiddenLine xmlns:a14="http://schemas.microsoft.com/office/drawing/2010/main" w="9525">
+                <a:solidFill>
+                  <a:schemeClr val="tx1"/>
+                </a:solidFill>
+                <a:miter lim="800000"/>
+                <a:headEnd/>
+                <a:tailEnd/>
+              </a14:hiddenLine>
+            </a:ext>
+            <a:ext uri="{AF507438-7753-43E0-B8FC-AC1667EBCBE1}">
+              <a14:hiddenEffects xmlns:a14="http://schemas.microsoft.com/office/drawing/2010/main">
+                <a:effectLst>
+                  <a:outerShdw dist="35921" dir="2700000" algn="ctr" rotWithShape="0">
+                    <a:schemeClr val="bg2"/>
+                  </a:outerShdw>
+                </a:effectLst>
+              </a14:hiddenEffects>
+            </a:ext>
+          </a:extLst>
+        </p:spPr>
+        <p:txBody>
+          <a:bodyPr vert="horz" wrap="square" lIns="91440" tIns="45720" rIns="91440" bIns="45720" numCol="1" anchor="ctr" anchorCtr="0" compatLnSpc="1">
+            <a:prstTxWarp prst="textNoShape">
+              <a:avLst/>
+            </a:prstTxWarp>
+            <a:spAutoFit/>
+          </a:bodyPr>
+          <a:lstStyle/>
+          <a:p>
+            <a:pPr marL="0" marR="0" lvl="0" indent="0" algn="l" defTabSz="914400" rtl="0" eaLnBrk="0" fontAlgn="base" latinLnBrk="0" hangingPunct="0">
+              <a:lnSpc>
+                <a:spcPct val="100000"/>
+              </a:lnSpc>
+              <a:spcBef>
+                <a:spcPct val="0"/>
+              </a:spcBef>
+              <a:spcAft>
+                <a:spcPct val="0"/>
+              </a:spcAft>
+              <a:buClrTx/>
+              <a:buSzTx/>
+              <a:buFontTx/>
+              <a:buNone/>
+              <a:tabLst/>
+            </a:pPr>
+            <a:r>
+              <a:rPr kumimoji="0" lang="en-US" altLang="en-US" sz="2400" b="0" i="0" u="none" strike="noStrike" cap="none" normalizeH="0" baseline="0" dirty="0">
+                <a:ln>
+                  <a:noFill/>
+                </a:ln>
+                <a:solidFill>
+                  <a:schemeClr val="tx1"/>
+                </a:solidFill>
+                <a:effectLst/>
+                <a:latin typeface="Arial" panose="020B0604020202020204" pitchFamily="34" charset="0"/>
+                <a:cs typeface="Arial" panose="020B0604020202020204" pitchFamily="34" charset="0"/>
+              </a:rPr>
+              <a:t>Feature </a:t>
+            </a:r>
+            <a:r>
+              <a:rPr lang="en-US" altLang="en-US" sz="2400" dirty="0" err="1">
+                <a:latin typeface="Arial" panose="020B0604020202020204" pitchFamily="34" charset="0"/>
+                <a:cs typeface="Arial" panose="020B0604020202020204" pitchFamily="34" charset="0"/>
+              </a:rPr>
+              <a:t>I</a:t>
+            </a:r>
+            <a:r>
+              <a:rPr kumimoji="0" lang="en-US" altLang="en-US" sz="2400" b="0" i="0" u="none" strike="noStrike" cap="none" normalizeH="0" baseline="0" dirty="0" err="1">
+                <a:ln>
+                  <a:noFill/>
+                </a:ln>
+                <a:solidFill>
+                  <a:schemeClr val="tx1"/>
+                </a:solidFill>
+                <a:effectLst/>
+                <a:latin typeface="Arial" panose="020B0604020202020204" pitchFamily="34" charset="0"/>
+                <a:cs typeface="Arial" panose="020B0604020202020204" pitchFamily="34" charset="0"/>
+              </a:rPr>
+              <a:t>mportances</a:t>
+            </a:r>
+            <a:r>
+              <a:rPr kumimoji="0" lang="en-US" altLang="en-US" sz="2400" b="0" i="0" u="none" strike="noStrike" cap="none" normalizeH="0" baseline="0" dirty="0">
+                <a:ln>
+                  <a:noFill/>
+                </a:ln>
+                <a:solidFill>
+                  <a:schemeClr val="tx1"/>
+                </a:solidFill>
+                <a:effectLst/>
+                <a:latin typeface="Arial" panose="020B0604020202020204" pitchFamily="34" charset="0"/>
+                <a:cs typeface="Arial" panose="020B0604020202020204" pitchFamily="34" charset="0"/>
+              </a:rPr>
+              <a:t> </a:t>
+            </a:r>
+          </a:p>
+        </p:txBody>
+      </p:sp>
+      <p:graphicFrame>
+        <p:nvGraphicFramePr>
+          <p:cNvPr id="11" name="Object 10">
+            <a:extLst>
+              <a:ext uri="{FF2B5EF4-FFF2-40B4-BE49-F238E27FC236}">
+                <a16:creationId xmlns:a16="http://schemas.microsoft.com/office/drawing/2014/main" id="{E2D55687-9E87-4D60-9C05-8D1ECB5600E3}"/>
+              </a:ext>
+            </a:extLst>
+          </p:cNvPr>
+          <p:cNvGraphicFramePr>
+            <a:graphicFrameLocks noChangeAspect="1"/>
+          </p:cNvGraphicFramePr>
+          <p:nvPr>
+            <p:extLst>
+              <p:ext uri="{D42A27DB-BD31-4B8C-83A1-F6EECF244321}">
+                <p14:modId xmlns:p14="http://schemas.microsoft.com/office/powerpoint/2010/main" val="4031452859"/>
+              </p:ext>
+            </p:extLst>
+          </p:nvPr>
+        </p:nvGraphicFramePr>
+        <p:xfrm>
+          <a:off x="8197608" y="1807813"/>
+          <a:ext cx="2457844" cy="4003993"/>
+        </p:xfrm>
+        <a:graphic>
+          <a:graphicData uri="http://schemas.openxmlformats.org/presentationml/2006/ole">
+            <mc:AlternateContent xmlns:mc="http://schemas.openxmlformats.org/markup-compatibility/2006">
+              <mc:Choice xmlns:v="urn:schemas-microsoft-com:vml" Requires="v">
+                <p:oleObj spid="_x0000_s1026" name="Worksheet" r:id="rId5" imgW="1463040" imgH="2384878" progId="Excel.Sheet.12">
+                  <p:embed/>
+                </p:oleObj>
+              </mc:Choice>
+              <mc:Fallback>
+                <p:oleObj name="Worksheet" r:id="rId5" imgW="1463040" imgH="2384878" progId="Excel.Sheet.12">
+                  <p:embed/>
+                  <p:pic>
+                    <p:nvPicPr>
+                      <p:cNvPr id="0" name=""/>
+                      <p:cNvPicPr/>
+                      <p:nvPr/>
+                    </p:nvPicPr>
+                    <p:blipFill>
+                      <a:blip r:embed="rId6"/>
+                      <a:stretch>
+                        <a:fillRect/>
+                      </a:stretch>
+                    </p:blipFill>
+                    <p:spPr>
+                      <a:xfrm>
+                        <a:off x="8197608" y="1807813"/>
+                        <a:ext cx="2457844" cy="4003993"/>
+                      </a:xfrm>
+                      <a:prstGeom prst="rect">
+                        <a:avLst/>
+                      </a:prstGeom>
+                    </p:spPr>
+                  </p:pic>
+                </p:oleObj>
+              </mc:Fallback>
+            </mc:AlternateContent>
+          </a:graphicData>
+        </a:graphic>
+      </p:graphicFrame>
     </p:spTree>
     <p:extLst>
       <p:ext uri="{BB962C8B-B14F-4D97-AF65-F5344CB8AC3E}">
         <p14:creationId xmlns:p14="http://schemas.microsoft.com/office/powerpoint/2010/main" val="1830224001"/>
+      </p:ext>
+    </p:extLst>
+  </p:cSld>
+  <p:clrMapOvr>
+    <a:masterClrMapping/>
+  </p:clrMapOvr>
+</p:sld>
+</file>
+
+<file path=ppt/slides/slide3.xml><?xml version="1.0" encoding="utf-8"?>
+<p:sld xmlns:a="http://schemas.openxmlformats.org/drawingml/2006/main" xmlns:r="http://schemas.openxmlformats.org/officeDocument/2006/relationships" xmlns:p="http://schemas.openxmlformats.org/presentationml/2006/main">
+  <p:cSld>
+    <p:spTree>
+      <p:nvGrpSpPr>
+        <p:cNvPr id="1" name=""/>
+        <p:cNvGrpSpPr/>
+        <p:nvPr/>
+      </p:nvGrpSpPr>
+      <p:grpSpPr>
+        <a:xfrm>
+          <a:off x="0" y="0"/>
+          <a:ext cx="0" cy="0"/>
+          <a:chOff x="0" y="0"/>
+          <a:chExt cx="0" cy="0"/>
+        </a:xfrm>
+      </p:grpSpPr>
+      <p:sp>
+        <p:nvSpPr>
+          <p:cNvPr id="2" name="Rectangle 1">
+            <a:extLst>
+              <a:ext uri="{FF2B5EF4-FFF2-40B4-BE49-F238E27FC236}">
+                <a16:creationId xmlns:a16="http://schemas.microsoft.com/office/drawing/2014/main" id="{DC698CF1-C80D-4432-8217-C970CAF4D11F}"/>
+              </a:ext>
+            </a:extLst>
+          </p:cNvPr>
+          <p:cNvSpPr/>
+          <p:nvPr/>
+        </p:nvSpPr>
+        <p:spPr>
+          <a:xfrm>
+            <a:off x="396240" y="853440"/>
+            <a:ext cx="11902440" cy="5693866"/>
+          </a:xfrm>
+          <a:prstGeom prst="rect">
+            <a:avLst/>
+          </a:prstGeom>
+        </p:spPr>
+        <p:txBody>
+          <a:bodyPr wrap="square">
+            <a:spAutoFit/>
+          </a:bodyPr>
+          <a:lstStyle/>
+          <a:p>
+            <a:pPr lvl="0" defTabSz="914400">
+              <a:defRPr/>
+            </a:pPr>
+            <a:r>
+              <a:rPr lang="en-US" sz="1400" b="1" dirty="0"/>
+              <a:t>What is Random Decision Forest</a:t>
+            </a:r>
+          </a:p>
+          <a:p>
+            <a:pPr lvl="0" defTabSz="914400">
+              <a:defRPr/>
+            </a:pPr>
+            <a:r>
+              <a:rPr lang="en-US" sz="1400" dirty="0"/>
+              <a:t>A random Forest algorithm comprises of random collection of decision trees. Random Forest algorithm does creates multiple decision trees  and merge them together to obtain a more robust/stable and accurate prediction. The more tree, the more robust the prediction and accuracy.</a:t>
+            </a:r>
+          </a:p>
+          <a:p>
+            <a:pPr lvl="0" defTabSz="914400">
+              <a:defRPr/>
+            </a:pPr>
+            <a:r>
+              <a:rPr lang="en-US" sz="1400" dirty="0"/>
+              <a:t>One interesting thing about Random Forest is that it can be used for both classification and regression algorithm. </a:t>
+            </a:r>
+          </a:p>
+          <a:p>
+            <a:r>
+              <a:rPr lang="en-US" sz="1400" b="1" dirty="0"/>
+              <a:t>Advantages/WHY </a:t>
+            </a:r>
+          </a:p>
+          <a:p>
+            <a:r>
+              <a:rPr lang="en-US" sz="1400" dirty="0"/>
+              <a:t>Random forest algorithm can be used for both classifications and regression task.</a:t>
+            </a:r>
+          </a:p>
+          <a:p>
+            <a:r>
+              <a:rPr lang="en-US" sz="1400" dirty="0"/>
+              <a:t>It provides higher accuracy.</a:t>
+            </a:r>
+          </a:p>
+          <a:p>
+            <a:r>
+              <a:rPr lang="en-US" sz="1400" dirty="0"/>
+              <a:t>Random forest classifier will handle the missing values and maintain the accuracy of a large proportion of data.</a:t>
+            </a:r>
+          </a:p>
+          <a:p>
+            <a:pPr lvl="0" defTabSz="914400">
+              <a:defRPr/>
+            </a:pPr>
+            <a:r>
+              <a:rPr lang="en-US" sz="1400" dirty="0"/>
+              <a:t>If there are more trees, it won’t allow overfitting trees in the model (Random forest corrects for decision tree habit of overfitting to the training data) </a:t>
+            </a:r>
+          </a:p>
+          <a:p>
+            <a:r>
+              <a:rPr lang="en-US" sz="1400" dirty="0"/>
+              <a:t>It has the power to handle a large data set with higher dimensionality.</a:t>
+            </a:r>
+          </a:p>
+          <a:p>
+            <a:r>
+              <a:rPr lang="en-US" sz="1400" b="1" dirty="0"/>
+              <a:t>Disadvantage:</a:t>
+            </a:r>
+          </a:p>
+          <a:p>
+            <a:r>
+              <a:rPr lang="en-US" sz="1400" dirty="0"/>
+              <a:t>With correlated features, strong features can end up with low scores and the method can be biased towards variables with many categories</a:t>
+            </a:r>
+          </a:p>
+          <a:p>
+            <a:pPr lvl="0" defTabSz="914400">
+              <a:defRPr/>
+            </a:pPr>
+            <a:endParaRPr lang="en-US" sz="1400" dirty="0"/>
+          </a:p>
+          <a:p>
+            <a:pPr lvl="0" defTabSz="914400">
+              <a:defRPr/>
+            </a:pPr>
+            <a:r>
+              <a:rPr lang="en-US" sz="1400" b="1" dirty="0"/>
+              <a:t>Our Approach </a:t>
+            </a:r>
+          </a:p>
+          <a:p>
+            <a:r>
+              <a:rPr lang="en-US" sz="1400" dirty="0"/>
+              <a:t>We started with Base/Default algorithm/model. The following steps were taken to create a final model.</a:t>
+            </a:r>
+          </a:p>
+          <a:p>
+            <a:pPr lvl="0"/>
+            <a:r>
+              <a:rPr lang="en-US" sz="1400" dirty="0"/>
+              <a:t>Step 1: The data was divided into 'attributes' and 'label' sets.</a:t>
+            </a:r>
+          </a:p>
+          <a:p>
+            <a:pPr lvl="0"/>
+            <a:r>
+              <a:rPr lang="en-US" sz="1400" dirty="0"/>
+              <a:t>             The output data is then divided into training and test sets.</a:t>
+            </a:r>
+          </a:p>
+          <a:p>
+            <a:r>
+              <a:rPr lang="en-US" sz="1400" dirty="0"/>
+              <a:t> </a:t>
+            </a:r>
+            <a:r>
+              <a:rPr lang="en-US" sz="1400" b="1" dirty="0"/>
+              <a:t>Step 2: </a:t>
+            </a:r>
+            <a:r>
+              <a:rPr lang="en-US" sz="1400" dirty="0"/>
+              <a:t>Tuned the algorithm/model using the </a:t>
+            </a:r>
+            <a:r>
+              <a:rPr lang="en-US" sz="1400" dirty="0" err="1"/>
+              <a:t>RandomForestRegressor</a:t>
+            </a:r>
+            <a:r>
+              <a:rPr lang="en-US" sz="1400" dirty="0"/>
+              <a:t> by adjusted</a:t>
+            </a:r>
+            <a:r>
+              <a:rPr lang="en-US" sz="1400" b="1" dirty="0"/>
+              <a:t> </a:t>
+            </a:r>
+            <a:r>
+              <a:rPr lang="en-US" sz="1400" b="1" dirty="0" err="1"/>
+              <a:t>n_estimators</a:t>
+            </a:r>
+            <a:r>
+              <a:rPr lang="en-US" sz="1400" b="1" dirty="0"/>
+              <a:t> </a:t>
+            </a:r>
+            <a:r>
+              <a:rPr lang="en-US" sz="1400" dirty="0"/>
+              <a:t>parameter and </a:t>
+            </a:r>
+            <a:r>
+              <a:rPr lang="en-US" sz="1400" dirty="0" err="1"/>
+              <a:t>max_depth</a:t>
+            </a:r>
+            <a:r>
+              <a:rPr lang="en-US" sz="1400" dirty="0"/>
+              <a:t> or  number of decision Trees( nodes and subsets).</a:t>
+            </a:r>
+          </a:p>
+          <a:p>
+            <a:pPr lvl="0"/>
+            <a:r>
+              <a:rPr lang="en-US" sz="1400" dirty="0"/>
+              <a:t>This </a:t>
+            </a:r>
+            <a:r>
+              <a:rPr lang="en-US" sz="1400" dirty="0" err="1"/>
+              <a:t>max_depth</a:t>
+            </a:r>
+            <a:r>
+              <a:rPr lang="en-US" sz="1400" dirty="0"/>
+              <a:t> parameter defines the number of trees in the random forest. </a:t>
+            </a:r>
+          </a:p>
+          <a:p>
+            <a:r>
+              <a:rPr lang="en-US" sz="1400" dirty="0"/>
+              <a:t>We started with and algorithm/model to fine tune the </a:t>
+            </a:r>
+            <a:r>
+              <a:rPr lang="en-US" sz="1400" dirty="0" err="1"/>
+              <a:t>n_estimator</a:t>
+            </a:r>
+            <a:r>
+              <a:rPr lang="en-US" sz="1400" dirty="0"/>
+              <a:t> by 20 and ended up with final tune of </a:t>
+            </a:r>
+            <a:r>
+              <a:rPr lang="en-US" sz="1400" dirty="0" err="1"/>
+              <a:t>n_estimator</a:t>
+            </a:r>
+            <a:r>
+              <a:rPr lang="en-US" sz="1400" dirty="0"/>
+              <a:t>=50 as </a:t>
+            </a:r>
+            <a:r>
+              <a:rPr lang="en-US" sz="1400" dirty="0" err="1"/>
+              <a:t>thbase</a:t>
+            </a:r>
+            <a:r>
+              <a:rPr lang="en-US" sz="1400" dirty="0"/>
+              <a:t> model ere we no significant change when we increase n-estimator or </a:t>
+            </a:r>
+            <a:r>
+              <a:rPr lang="en-US" sz="1400" dirty="0" err="1"/>
+              <a:t>max_depth</a:t>
+            </a:r>
+            <a:r>
+              <a:rPr lang="en-US" sz="1400" dirty="0"/>
+              <a:t>.</a:t>
+            </a:r>
+          </a:p>
+          <a:p>
+            <a:endParaRPr lang="en-US" sz="1400" dirty="0"/>
+          </a:p>
+          <a:p>
+            <a:endParaRPr lang="en-US" sz="1400" dirty="0"/>
+          </a:p>
+          <a:p>
+            <a:endParaRPr lang="en-US" sz="1400" dirty="0"/>
+          </a:p>
+        </p:txBody>
+      </p:sp>
+    </p:spTree>
+    <p:extLst>
+      <p:ext uri="{BB962C8B-B14F-4D97-AF65-F5344CB8AC3E}">
+        <p14:creationId xmlns:p14="http://schemas.microsoft.com/office/powerpoint/2010/main" val="2198182449"/>
       </p:ext>
     </p:extLst>
   </p:cSld>
